--- a/solutions/google/cloud/landing-zone/delivery/closeout-presentation.pptx
+++ b/solutions/google/cloud/landing-zone/delivery/closeout-presentation.pptx
@@ -18,28 +18,6 @@
     <p:sldId id="263" r:id="rId14"/>
     <p:sldId id="264" r:id="rId15"/>
     <p:sldId id="265" r:id="rId16"/>
-    <p:sldId id="266" r:id="rId17"/>
-    <p:sldId id="267" r:id="rId18"/>
-    <p:sldId id="268" r:id="rId19"/>
-    <p:sldId id="269" r:id="rId20"/>
-    <p:sldId id="270" r:id="rId21"/>
-    <p:sldId id="271" r:id="rId22"/>
-    <p:sldId id="272" r:id="rId23"/>
-    <p:sldId id="273" r:id="rId24"/>
-    <p:sldId id="274" r:id="rId25"/>
-    <p:sldId id="275" r:id="rId26"/>
-    <p:sldId id="276" r:id="rId27"/>
-    <p:sldId id="277" r:id="rId28"/>
-    <p:sldId id="278" r:id="rId29"/>
-    <p:sldId id="279" r:id="rId30"/>
-    <p:sldId id="280" r:id="rId31"/>
-    <p:sldId id="281" r:id="rId32"/>
-    <p:sldId id="282" r:id="rId33"/>
-    <p:sldId id="283" r:id="rId34"/>
-    <p:sldId id="284" r:id="rId35"/>
-    <p:sldId id="285" r:id="rId36"/>
-    <p:sldId id="286" r:id="rId37"/>
-    <p:sldId id="287" r:id="rId38"/>
   </p:sldIdLst>
   <p:sldSz cx="9144000" cy="5143500" type="screen16x9"/>
   <p:notesSz cx="5143500" cy="9144000"/>
@@ -139,6 +117,9 @@
     <p:ext uri="{EFAFB233-063F-42B5-8137-9DF3F51BA10A}">
       <p15:sldGuideLst xmlns:p15="http://schemas.microsoft.com/office/powerpoint/2012/main"/>
     </p:ext>
+    <p:ext uri="{2D200454-40CA-4A62-9FC3-DE9A4176ACB9}">
+      <p15:notesGuideLst xmlns:p15="http://schemas.microsoft.com/office/powerpoint/2012/main"/>
+    </p:ext>
   </p:extLst>
 </p:presentation>
 </file>
@@ -165,6 +146,59 @@
           <a:chExt cx="0" cy="0"/>
         </a:xfrm>
       </p:grpSpPr>
+      <p:sp>
+        <p:nvSpPr>
+          <p:cNvPr id="2" name="Slide Image Placeholder 1"/>
+          <p:cNvSpPr>
+            <a:spLocks noGrp="1" noRot="1" noChangeAspect="1"/>
+          </p:cNvSpPr>
+          <p:nvPr>
+            <p:ph type="sldImg"/>
+          </p:nvPr>
+        </p:nvSpPr>
+        <p:spPr>
+          <a:xfrm>
+            <a:off x="-171450" y="1143000"/>
+            <a:ext cx="5486400" cy="3086100"/>
+          </a:xfrm>
+          <a:prstGeom prst="rect">
+            <a:avLst/>
+          </a:prstGeom>
+          <a:noFill/>
+          <a:ln w="12700">
+            <a:solidFill>
+              <a:prstClr val="black"/>
+            </a:solidFill>
+          </a:ln>
+        </p:spPr>
+      </p:sp>
+      <p:sp>
+        <p:nvSpPr>
+          <p:cNvPr id="3" name="Notes Placeholder 2"/>
+          <p:cNvSpPr>
+            <a:spLocks noGrp="1"/>
+          </p:cNvSpPr>
+          <p:nvPr>
+            <p:ph type="body" idx="1"/>
+          </p:nvPr>
+        </p:nvSpPr>
+        <p:spPr>
+          <a:xfrm>
+            <a:off x="514350" y="4400550"/>
+            <a:ext cx="4114800" cy="3600450"/>
+          </a:xfrm>
+          <a:prstGeom prst="rect">
+            <a:avLst/>
+          </a:prstGeom>
+        </p:spPr>
+        <p:txBody>
+          <a:bodyPr/>
+          <a:lstStyle/>
+          <a:p>
+            <a:endParaRPr lang="en-US"/>
+          </a:p>
+        </p:txBody>
+      </p:sp>
     </p:spTree>
     <p:extLst>
       <p:ext uri="{BB962C8B-B14F-4D97-AF65-F5344CB8AC3E}">
@@ -268,6 +302,2791 @@
 </p:notesMaster>
 </file>
 
+<file path=ppt/notesSlides/notesSlide1.xml><?xml version="1.0" encoding="utf-8"?>
+<p:notes xmlns:a="http://schemas.openxmlformats.org/drawingml/2006/main" xmlns:p="http://schemas.openxmlformats.org/presentationml/2006/main" xmlns:r="http://schemas.openxmlformats.org/officeDocument/2006/relationships">
+  <p:cSld>
+    <p:spTree>
+      <p:nvGrpSpPr>
+        <p:cNvPr id="1" name=""/>
+        <p:cNvGrpSpPr/>
+        <p:nvPr/>
+      </p:nvGrpSpPr>
+      <p:grpSpPr>
+        <a:xfrm>
+          <a:off x="0" y="0"/>
+          <a:ext cx="0" cy="0"/>
+          <a:chOff x="0" y="0"/>
+          <a:chExt cx="0" cy="0"/>
+        </a:xfrm>
+      </p:grpSpPr>
+      <p:sp>
+        <p:nvSpPr>
+          <p:cNvPr id="2" name="Slide Image Placeholder 1"/>
+          <p:cNvSpPr>
+            <a:spLocks noGrp="1"/>
+          </p:cNvSpPr>
+          <p:nvPr>
+            <p:ph type="sldImg"/>
+          </p:nvPr>
+        </p:nvSpPr>
+        <p:spPr/>
+      </p:sp>
+      <p:sp>
+        <p:nvSpPr>
+          <p:cNvPr id="3" name="Notes Placeholder 2"/>
+          <p:cNvSpPr>
+            <a:spLocks noGrp="1"/>
+          </p:cNvSpPr>
+          <p:nvPr>
+            <p:ph type="body" idx="1"/>
+          </p:nvPr>
+        </p:nvSpPr>
+        <p:spPr/>
+        <p:txBody>
+          <a:bodyPr/>
+          <a:lstStyle/>
+          <a:p>
+            <a:r>
+              <a:t>*Opening Statement:*</a:t>
+            </a:r>
+          </a:p>
+          <a:p>
+            <a:r>
+              <a:t>Good [morning/afternoon]. Today we're celebrating the successful completion of the Google Cloud Landing Zone implementation. This project has transformed [Client Name]'s cloud adoption from fragmented, ungoverned projects into a secure, automated platform enabling 5 application teams to deploy with built-in governance.</a:t>
+            </a:r>
+          </a:p>
+          <a:p/>
+          <a:p>
+            <a:r>
+              <a:t>*Key Talking Points - Expand on Each Bullet:*</a:t>
+            </a:r>
+          </a:p>
+          <a:p/>
+          <a:p>
+            <a:r>
+              <a:t>**Project Duration - 12 Weeks:**</a:t>
+            </a:r>
+          </a:p>
+          <a:p>
+            <a:r>
+              <a:t>- Executed exactly as planned in the Statement of Work</a:t>
+            </a:r>
+          </a:p>
+          <a:p>
+            <a:r>
+              <a:t>- Phase 1 (Foundation): Weeks 1-4 - Organization, network, security baseline</a:t>
+            </a:r>
+          </a:p>
+          <a:p>
+            <a:r>
+              <a:t>- Phase 2 (Automation): Weeks 5-8 - Terraform modules, logging, IAM policies</a:t>
+            </a:r>
+          </a:p>
+          <a:p>
+            <a:r>
+              <a:t>- Phase 3 (Onboarding): Weeks 9-12 - Pilot teams, FinOps, training complete</a:t>
+            </a:r>
+          </a:p>
+          <a:p>
+            <a:r>
+              <a:t>- No schedule slippage despite ISP coordination for Interconnect</a:t>
+            </a:r>
+          </a:p>
+          <a:p/>
+          <a:p>
+            <a:r>
+              <a:t>**Budget - $105,948 Year 1 Net:**</a:t>
+            </a:r>
+          </a:p>
+          <a:p>
+            <a:r>
+              <a:t>- Professional Services: $65,000 (260 hours as quoted)</a:t>
+            </a:r>
+          </a:p>
+          <a:p>
+            <a:r>
+              <a:t>- GCP Infrastructure: $39,948 (after $10,000 migration credit)</a:t>
+            </a:r>
+          </a:p>
+          <a:p>
+            <a:r>
+              <a:t>- Software Licenses: $48,000 (SCC Premium, Chronicle, Cloud Identity)</a:t>
+            </a:r>
+          </a:p>
+          <a:p>
+            <a:r>
+              <a:t>- Support: $18,000 (Google Cloud Enhanced Support)</a:t>
+            </a:r>
+          </a:p>
+          <a:p>
+            <a:r>
+              <a:t>- Partner Credits: $15,000 total applied</a:t>
+            </a:r>
+          </a:p>
+          <a:p>
+            <a:r>
+              <a:t>- Actual spend: $105,891 - $57 under budget</a:t>
+            </a:r>
+          </a:p>
+          <a:p/>
+          <a:p>
+            <a:r>
+              <a:t>**Go-Live - Week 12:**</a:t>
+            </a:r>
+          </a:p>
+          <a:p>
+            <a:r>
+              <a:t>- Pilot-then-scale approach validated foundation before team rollout</a:t>
+            </a:r>
+          </a:p>
+          <a:p>
+            <a:r>
+              <a:t>- 2 pilot teams onboarded with 4 projects (dev + prod each)</a:t>
+            </a:r>
+          </a:p>
+          <a:p>
+            <a:r>
+              <a:t>- Validated project provisioning, network, security, Interconnect</a:t>
+            </a:r>
+          </a:p>
+          <a:p>
+            <a:r>
+              <a:t>- Zero rollback events required</a:t>
+            </a:r>
+          </a:p>
+          <a:p/>
+          <a:p>
+            <a:r>
+              <a:t>**Project Provisioning - 95% Faster:**</a:t>
+            </a:r>
+          </a:p>
+          <a:p>
+            <a:r>
+              <a:t>- Baseline (manual): 6-8 weeks per project with ad-hoc configuration</a:t>
+            </a:r>
+          </a:p>
+          <a:p>
+            <a:r>
+              <a:t>- Current (automated): 45 minutes via Cloud Foundation Toolkit Terraform</a:t>
+            </a:r>
+          </a:p>
+          <a:p>
+            <a:r>
+              <a:t>- Exceeds &lt;1 hour target in SOW</a:t>
+            </a:r>
+          </a:p>
+          <a:p>
+            <a:r>
+              <a:t>- Platform team self-service enabled with guardrails</a:t>
+            </a:r>
+          </a:p>
+          <a:p/>
+          <a:p>
+            <a:r>
+              <a:t>**Security Compliance - 100%:**</a:t>
+            </a:r>
+          </a:p>
+          <a:p>
+            <a:r>
+              <a:t>- 50+ organization policies enforced from day 1</a:t>
+            </a:r>
+          </a:p>
+          <a:p>
+            <a:r>
+              <a:t>- Security Command Center Premium active with zero critical findings</a:t>
+            </a:r>
+          </a:p>
+          <a:p>
+            <a:r>
+              <a:t>- Chronicle SIEM ingesting 100 GB/month for threat detection</a:t>
+            </a:r>
+          </a:p>
+          <a:p>
+            <a:r>
+              <a:t>- SOC 2 and PCI-DSS controls validated by compliance team</a:t>
+            </a:r>
+          </a:p>
+          <a:p/>
+          <a:p>
+            <a:r>
+              <a:t>*Transition to Next Slide:*</a:t>
+            </a:r>
+          </a:p>
+          <a:p>
+            <a:r>
+              <a:t>"Let me walk you through exactly what we built together..."</a:t>
+            </a:r>
+          </a:p>
+        </p:txBody>
+      </p:sp>
+    </p:spTree>
+  </p:cSld>
+  <p:clrMapOvr>
+    <a:masterClrMapping/>
+  </p:clrMapOvr>
+</p:notes>
+</file>
+
+<file path=ppt/notesSlides/notesSlide2.xml><?xml version="1.0" encoding="utf-8"?>
+<p:notes xmlns:a="http://schemas.openxmlformats.org/drawingml/2006/main" xmlns:p="http://schemas.openxmlformats.org/presentationml/2006/main" xmlns:r="http://schemas.openxmlformats.org/officeDocument/2006/relationships">
+  <p:cSld>
+    <p:spTree>
+      <p:nvGrpSpPr>
+        <p:cNvPr id="1" name=""/>
+        <p:cNvGrpSpPr/>
+        <p:nvPr/>
+      </p:nvGrpSpPr>
+      <p:grpSpPr>
+        <a:xfrm>
+          <a:off x="0" y="0"/>
+          <a:ext cx="0" cy="0"/>
+          <a:chOff x="0" y="0"/>
+          <a:chExt cx="0" cy="0"/>
+        </a:xfrm>
+      </p:grpSpPr>
+      <p:sp>
+        <p:nvSpPr>
+          <p:cNvPr id="2" name="Slide Image Placeholder 1"/>
+          <p:cNvSpPr>
+            <a:spLocks noGrp="1"/>
+          </p:cNvSpPr>
+          <p:nvPr>
+            <p:ph type="sldImg"/>
+          </p:nvPr>
+        </p:nvSpPr>
+        <p:spPr/>
+      </p:sp>
+      <p:sp>
+        <p:nvSpPr>
+          <p:cNvPr id="3" name="Notes Placeholder 2"/>
+          <p:cNvSpPr>
+            <a:spLocks noGrp="1"/>
+          </p:cNvSpPr>
+          <p:nvPr>
+            <p:ph type="body" idx="1"/>
+          </p:nvPr>
+        </p:nvSpPr>
+        <p:spPr/>
+        <p:txBody>
+          <a:bodyPr/>
+          <a:lstStyle/>
+          <a:p>
+            <a:r>
+              <a:t>*Architecture Overview - Walk Through the Diagram:*</a:t>
+            </a:r>
+          </a:p>
+          <a:p/>
+          <a:p>
+            <a:r>
+              <a:t>"This diagram shows the production landing zone architecture we deployed. Let me walk through the key components..."</a:t>
+            </a:r>
+          </a:p>
+          <a:p/>
+          <a:p>
+            <a:r>
+              <a:t>**Organization Foundation Layer:**</a:t>
+            </a:r>
+          </a:p>
+          <a:p>
+            <a:r>
+              <a:t>- GCP Organization with 3-tier folder hierarchy (dev/staging/prod)</a:t>
+            </a:r>
+          </a:p>
+          <a:p>
+            <a:r>
+              <a:t>- 10 projects managed through Cloud Foundation Toolkit automation</a:t>
+            </a:r>
+          </a:p>
+          <a:p>
+            <a:r>
+              <a:t>- 8 platform administrators with role-based access control</a:t>
+            </a:r>
+          </a:p>
+          <a:p>
+            <a:r>
+              <a:t>- Centralized billing with department chargeback and cost allocation labels</a:t>
+            </a:r>
+          </a:p>
+          <a:p/>
+          <a:p>
+            <a:r>
+              <a:t>**Security &amp; Governance Layer:**</a:t>
+            </a:r>
+          </a:p>
+          <a:p>
+            <a:r>
+              <a:t>- Security Command Center Premium for continuous threat detection</a:t>
+            </a:r>
+          </a:p>
+          <a:p>
+            <a:r>
+              <a:t>- Chronicle SIEM (100 GB/month) for advanced security analytics</a:t>
+            </a:r>
+          </a:p>
+          <a:p>
+            <a:r>
+              <a:t>- Cloud Armor for DDoS protection on internet-facing services</a:t>
+            </a:r>
+          </a:p>
+          <a:p>
+            <a:r>
+              <a:t>- Cloud IDS (3 endpoints) for network intrusion detection</a:t>
+            </a:r>
+          </a:p>
+          <a:p>
+            <a:r>
+              <a:t>- 50+ organization policy constraints enforcing compliance</a:t>
+            </a:r>
+          </a:p>
+          <a:p>
+            <a:r>
+              <a:t>- Cloud KMS with 100 customer-managed encryption keys</a:t>
+            </a:r>
+          </a:p>
+          <a:p/>
+          <a:p>
+            <a:r>
+              <a:t>**Network &amp; Connectivity Layer:**</a:t>
+            </a:r>
+          </a:p>
+          <a:p>
+            <a:r>
+              <a:t>- Shared VPC hub deployed across 3 GCP regions (us-central1, us-east1, us-west1)</a:t>
+            </a:r>
+          </a:p>
+          <a:p>
+            <a:r>
+              <a:t>- Dedicated Interconnect 10 Gbps to on-premises datacenter</a:t>
+            </a:r>
+          </a:p>
+          <a:p>
+            <a:r>
+              <a:t>- 4 VLAN attachments for redundant hybrid connectivity with &lt;5ms latency</a:t>
+            </a:r>
+          </a:p>
+          <a:p>
+            <a:r>
+              <a:t>- Cloud NAT gateways for secure internet egress</a:t>
+            </a:r>
+          </a:p>
+          <a:p>
+            <a:r>
+              <a:t>- Internal HTTP(S) load balancers for shared services</a:t>
+            </a:r>
+          </a:p>
+          <a:p/>
+          <a:p>
+            <a:r>
+              <a:t>**Identity &amp; Access Layer:**</a:t>
+            </a:r>
+          </a:p>
+          <a:p>
+            <a:r>
+              <a:t>- Cloud Identity Premium with SAML SSO integration</a:t>
+            </a:r>
+          </a:p>
+          <a:p>
+            <a:r>
+              <a:t>- Directory sync (GCDS) for automated user provisioning</a:t>
+            </a:r>
+          </a:p>
+          <a:p>
+            <a:r>
+              <a:t>- Multi-factor authentication required for all admin access</a:t>
+            </a:r>
+          </a:p>
+          <a:p>
+            <a:r>
+              <a:t>- Service accounts with workload identity for applications</a:t>
+            </a:r>
+          </a:p>
+          <a:p/>
+          <a:p>
+            <a:r>
+              <a:t>**Observability Layer:**</a:t>
+            </a:r>
+          </a:p>
+          <a:p>
+            <a:r>
+              <a:t>- Cloud Logging centralized (500 GB/month capacity)</a:t>
+            </a:r>
+          </a:p>
+          <a:p>
+            <a:r>
+              <a:t>- BigQuery exports for compliance and long-term analytics</a:t>
+            </a:r>
+          </a:p>
+          <a:p>
+            <a:r>
+              <a:t>- Cloud Monitoring with SLO dashboards</a:t>
+            </a:r>
+          </a:p>
+          <a:p>
+            <a:r>
+              <a:t>- VPC Flow Logs (200 GB/month) for network visibility</a:t>
+            </a:r>
+          </a:p>
+          <a:p>
+            <a:r>
+              <a:t>- FinOps dashboards with budget alerts</a:t>
+            </a:r>
+          </a:p>
+          <a:p/>
+          <a:p>
+            <a:r>
+              <a:t>**Key Design Decisions:**</a:t>
+            </a:r>
+          </a:p>
+          <a:p>
+            <a:r>
+              <a:t>1. Hub-spoke network enables centralized security with distributed workloads</a:t>
+            </a:r>
+          </a:p>
+          <a:p>
+            <a:r>
+              <a:t>2. Cloud Foundation Toolkit ensures consistent, repeatable provisioning</a:t>
+            </a:r>
+          </a:p>
+          <a:p>
+            <a:r>
+              <a:t>3. Organization policies enforce compliance before resources created</a:t>
+            </a:r>
+          </a:p>
+          <a:p>
+            <a:r>
+              <a:t>4. Multi-region deployment provides resilience without complexity</a:t>
+            </a:r>
+          </a:p>
+          <a:p/>
+          <a:p>
+            <a:r>
+              <a:t>*Transition:*</a:t>
+            </a:r>
+          </a:p>
+          <a:p>
+            <a:r>
+              <a:t>"Now let me show you the complete deliverables package we're handing over..."</a:t>
+            </a:r>
+          </a:p>
+        </p:txBody>
+      </p:sp>
+    </p:spTree>
+  </p:cSld>
+  <p:clrMapOvr>
+    <a:masterClrMapping/>
+  </p:clrMapOvr>
+</p:notes>
+</file>
+
+<file path=ppt/notesSlides/notesSlide3.xml><?xml version="1.0" encoding="utf-8"?>
+<p:notes xmlns:a="http://schemas.openxmlformats.org/drawingml/2006/main" xmlns:p="http://schemas.openxmlformats.org/presentationml/2006/main" xmlns:r="http://schemas.openxmlformats.org/officeDocument/2006/relationships">
+  <p:cSld>
+    <p:spTree>
+      <p:nvGrpSpPr>
+        <p:cNvPr id="1" name=""/>
+        <p:cNvGrpSpPr/>
+        <p:nvPr/>
+      </p:nvGrpSpPr>
+      <p:grpSpPr>
+        <a:xfrm>
+          <a:off x="0" y="0"/>
+          <a:ext cx="0" cy="0"/>
+          <a:chOff x="0" y="0"/>
+          <a:chExt cx="0" cy="0"/>
+        </a:xfrm>
+      </p:grpSpPr>
+      <p:sp>
+        <p:nvSpPr>
+          <p:cNvPr id="2" name="Slide Image Placeholder 1"/>
+          <p:cNvSpPr>
+            <a:spLocks noGrp="1"/>
+          </p:cNvSpPr>
+          <p:nvPr>
+            <p:ph type="sldImg"/>
+          </p:nvPr>
+        </p:nvSpPr>
+        <p:spPr/>
+      </p:sp>
+      <p:sp>
+        <p:nvSpPr>
+          <p:cNvPr id="3" name="Notes Placeholder 2"/>
+          <p:cNvSpPr>
+            <a:spLocks noGrp="1"/>
+          </p:cNvSpPr>
+          <p:nvPr>
+            <p:ph type="body" idx="1"/>
+          </p:nvPr>
+        </p:nvSpPr>
+        <p:spPr/>
+        <p:txBody>
+          <a:bodyPr/>
+          <a:lstStyle/>
+          <a:p>
+            <a:r>
+              <a:t>*Deliverables Deep Dive - Review Each Item:*</a:t>
+            </a:r>
+          </a:p>
+          <a:p/>
+          <a:p>
+            <a:r>
+              <a:t>**1. Detailed Design Document (detailed-design.docx):**</a:t>
+            </a:r>
+          </a:p>
+          <a:p>
+            <a:r>
+              <a:t>- 40+ pages comprehensive technical documentation</a:t>
+            </a:r>
+          </a:p>
+          <a:p>
+            <a:r>
+              <a:t>- GCP Organization structure and folder hierarchy design</a:t>
+            </a:r>
+          </a:p>
+          <a:p>
+            <a:r>
+              <a:t>- Shared VPC network architecture across 3 regions</a:t>
+            </a:r>
+          </a:p>
+          <a:p>
+            <a:r>
+              <a:t>- Security baseline with SCC Premium and Chronicle configuration</a:t>
+            </a:r>
+          </a:p>
+          <a:p>
+            <a:r>
+              <a:t>- IAM strategy and organization policy constraints</a:t>
+            </a:r>
+          </a:p>
+          <a:p>
+            <a:r>
+              <a:t>- Reviewed and accepted by [Technical Lead] on [Date]</a:t>
+            </a:r>
+          </a:p>
+          <a:p/>
+          <a:p>
+            <a:r>
+              <a:t>**2. Implementation Guide (implementation-guide.docx):**</a:t>
+            </a:r>
+          </a:p>
+          <a:p>
+            <a:r>
+              <a:t>- Step-by-step deployment procedures using Terraform</a:t>
+            </a:r>
+          </a:p>
+          <a:p>
+            <a:r>
+              <a:t>- Cloud Foundation Toolkit module customization guide</a:t>
+            </a:r>
+          </a:p>
+          <a:p>
+            <a:r>
+              <a:t>- Network and Interconnect configuration procedures</a:t>
+            </a:r>
+          </a:p>
+          <a:p>
+            <a:r>
+              <a:t>- Security baseline deployment instructions</a:t>
+            </a:r>
+          </a:p>
+          <a:p>
+            <a:r>
+              <a:t>- Validated by rebuilding staging from scratch</a:t>
+            </a:r>
+          </a:p>
+          <a:p/>
+          <a:p>
+            <a:r>
+              <a:t>**3. Project Plan (project-plan.xlsx):**</a:t>
+            </a:r>
+          </a:p>
+          <a:p>
+            <a:r>
+              <a:t>- Four worksheets:</a:t>
+            </a:r>
+          </a:p>
+          <a:p>
+            <a:r>
+              <a:t>  1. Project Timeline - 25 tasks across 12 weeks</a:t>
+            </a:r>
+          </a:p>
+          <a:p>
+            <a:r>
+              <a:t>  2. Milestones - 8 key milestones tracked</a:t>
+            </a:r>
+          </a:p>
+          <a:p>
+            <a:r>
+              <a:t>  3. RACI Matrix - 13 activities with clear ownership</a:t>
+            </a:r>
+          </a:p>
+          <a:p>
+            <a:r>
+              <a:t>  4. Communications Plan - 8 meeting types defined</a:t>
+            </a:r>
+          </a:p>
+          <a:p>
+            <a:r>
+              <a:t>- All milestones achieved on schedule</a:t>
+            </a:r>
+          </a:p>
+          <a:p/>
+          <a:p>
+            <a:r>
+              <a:t>**4. Test Plan &amp; Results (test-plan.xlsx):**</a:t>
+            </a:r>
+          </a:p>
+          <a:p>
+            <a:r>
+              <a:t>- Three test categories:</a:t>
+            </a:r>
+          </a:p>
+          <a:p>
+            <a:r>
+              <a:t>  1. Functional Tests - Project provisioning, network, IAM</a:t>
+            </a:r>
+          </a:p>
+          <a:p>
+            <a:r>
+              <a:t>  2. Non-Functional Tests - Performance, security, compliance</a:t>
+            </a:r>
+          </a:p>
+          <a:p>
+            <a:r>
+              <a:t>  3. User Acceptance Tests - Pilot team validation</a:t>
+            </a:r>
+          </a:p>
+          <a:p>
+            <a:r>
+              <a:t>- 100% pass rate on all test cases</a:t>
+            </a:r>
+          </a:p>
+          <a:p/>
+          <a:p>
+            <a:r>
+              <a:t>**5. Cloud Foundation Toolkit Modules:**</a:t>
+            </a:r>
+          </a:p>
+          <a:p>
+            <a:r>
+              <a:t>- Complete Terraform module library</a:t>
+            </a:r>
+          </a:p>
+          <a:p>
+            <a:r>
+              <a:t>- Project factory module for automated provisioning</a:t>
+            </a:r>
+          </a:p>
+          <a:p>
+            <a:r>
+              <a:t>- Network module for Shared VPC configuration</a:t>
+            </a:r>
+          </a:p>
+          <a:p>
+            <a:r>
+              <a:t>- Security module for organization policies</a:t>
+            </a:r>
+          </a:p>
+          <a:p>
+            <a:r>
+              <a:t>- Enables 45-minute project creation</a:t>
+            </a:r>
+          </a:p>
+          <a:p/>
+          <a:p>
+            <a:r>
+              <a:t>**6. Operations Runbook:**</a:t>
+            </a:r>
+          </a:p>
+          <a:p>
+            <a:r>
+              <a:t>- Daily health check procedures</a:t>
+            </a:r>
+          </a:p>
+          <a:p>
+            <a:r>
+              <a:t>- Project provisioning workflow guide</a:t>
+            </a:r>
+          </a:p>
+          <a:p>
+            <a:r>
+              <a:t>- Interconnect monitoring and troubleshooting</a:t>
+            </a:r>
+          </a:p>
+          <a:p>
+            <a:r>
+              <a:t>- Security incident response procedures</a:t>
+            </a:r>
+          </a:p>
+          <a:p>
+            <a:r>
+              <a:t>- Cost optimization recommendations</a:t>
+            </a:r>
+          </a:p>
+          <a:p/>
+          <a:p>
+            <a:r>
+              <a:t>**7. Training Materials:**</a:t>
+            </a:r>
+          </a:p>
+          <a:p>
+            <a:r>
+              <a:t>- Administrator Guide (PDF, 30 pages)</a:t>
+            </a:r>
+          </a:p>
+          <a:p>
+            <a:r>
+              <a:t>- Cloud Foundation Toolkit customization training</a:t>
+            </a:r>
+          </a:p>
+          <a:p>
+            <a:r>
+              <a:t>- Google Admin Console and IAM management</a:t>
+            </a:r>
+          </a:p>
+          <a:p>
+            <a:r>
+              <a:t>- Video recordings (3 sessions, 4 hours total)</a:t>
+            </a:r>
+          </a:p>
+          <a:p/>
+          <a:p>
+            <a:r>
+              <a:t>*Training Sessions Delivered:*</a:t>
+            </a:r>
+          </a:p>
+          <a:p>
+            <a:r>
+              <a:t>- Platform Admin Training: 2 sessions, 8 participants</a:t>
+            </a:r>
+          </a:p>
+          <a:p>
+            <a:r>
+              <a:t>- Security Admin Training: 1 session, 4 participants</a:t>
+            </a:r>
+          </a:p>
+          <a:p>
+            <a:r>
+              <a:t>- Total training hours delivered: 12 hours</a:t>
+            </a:r>
+          </a:p>
+          <a:p/>
+          <a:p>
+            <a:r>
+              <a:t>*Transition:*</a:t>
+            </a:r>
+          </a:p>
+          <a:p>
+            <a:r>
+              <a:t>"Let's look at how the platform is performing against our targets..."</a:t>
+            </a:r>
+          </a:p>
+        </p:txBody>
+      </p:sp>
+    </p:spTree>
+  </p:cSld>
+  <p:clrMapOvr>
+    <a:masterClrMapping/>
+  </p:clrMapOvr>
+</p:notes>
+</file>
+
+<file path=ppt/notesSlides/notesSlide4.xml><?xml version="1.0" encoding="utf-8"?>
+<p:notes xmlns:a="http://schemas.openxmlformats.org/drawingml/2006/main" xmlns:p="http://schemas.openxmlformats.org/presentationml/2006/main" xmlns:r="http://schemas.openxmlformats.org/officeDocument/2006/relationships">
+  <p:cSld>
+    <p:spTree>
+      <p:nvGrpSpPr>
+        <p:cNvPr id="1" name=""/>
+        <p:cNvGrpSpPr/>
+        <p:nvPr/>
+      </p:nvGrpSpPr>
+      <p:grpSpPr>
+        <a:xfrm>
+          <a:off x="0" y="0"/>
+          <a:ext cx="0" cy="0"/>
+          <a:chOff x="0" y="0"/>
+          <a:chExt cx="0" cy="0"/>
+        </a:xfrm>
+      </p:grpSpPr>
+      <p:sp>
+        <p:nvSpPr>
+          <p:cNvPr id="2" name="Slide Image Placeholder 1"/>
+          <p:cNvSpPr>
+            <a:spLocks noGrp="1"/>
+          </p:cNvSpPr>
+          <p:nvPr>
+            <p:ph type="sldImg"/>
+          </p:nvPr>
+        </p:nvSpPr>
+        <p:spPr/>
+      </p:sp>
+      <p:sp>
+        <p:nvSpPr>
+          <p:cNvPr id="3" name="Notes Placeholder 2"/>
+          <p:cNvSpPr>
+            <a:spLocks noGrp="1"/>
+          </p:cNvSpPr>
+          <p:nvPr>
+            <p:ph type="body" idx="1"/>
+          </p:nvPr>
+        </p:nvSpPr>
+        <p:spPr/>
+        <p:txBody>
+          <a:bodyPr/>
+          <a:lstStyle/>
+          <a:p>
+            <a:r>
+              <a:t>*Quality &amp; Performance Deep Dive:*</a:t>
+            </a:r>
+          </a:p>
+          <a:p/>
+          <a:p>
+            <a:r>
+              <a:t>**Automation Metrics - Detailed Breakdown:**</a:t>
+            </a:r>
+          </a:p>
+          <a:p/>
+          <a:p>
+            <a:r>
+              <a:t>*Project Provisioning: 45 Minutes Average*</a:t>
+            </a:r>
+          </a:p>
+          <a:p>
+            <a:r>
+              <a:t>- SOW target: &lt;1 hour per project via Terraform automation</a:t>
+            </a:r>
+          </a:p>
+          <a:p>
+            <a:r>
+              <a:t>- Achieved: 45 minutes average end-to-end</a:t>
+            </a:r>
+          </a:p>
+          <a:p>
+            <a:r>
+              <a:t>- Breakdown by step:</a:t>
+            </a:r>
+          </a:p>
+          <a:p>
+            <a:r>
+              <a:t>  - Terraform plan review: 5 minutes</a:t>
+            </a:r>
+          </a:p>
+          <a:p>
+            <a:r>
+              <a:t>  - Terraform apply execution: 25 minutes</a:t>
+            </a:r>
+          </a:p>
+          <a:p>
+            <a:r>
+              <a:t>  - Network attachment verification: 10 minutes</a:t>
+            </a:r>
+          </a:p>
+          <a:p>
+            <a:r>
+              <a:t>  - Security baseline validation: 5 minutes</a:t>
+            </a:r>
+          </a:p>
+          <a:p>
+            <a:r>
+              <a:t>- Fastest provisioning: 35 minutes (simple dev project)</a:t>
+            </a:r>
+          </a:p>
+          <a:p>
+            <a:r>
+              <a:t>- Slowest provisioning: 55 minutes (prod with full security)</a:t>
+            </a:r>
+          </a:p>
+          <a:p/>
+          <a:p>
+            <a:r>
+              <a:t>*Terraform Module Coverage: 100%*</a:t>
+            </a:r>
+          </a:p>
+          <a:p>
+            <a:r>
+              <a:t>- All infrastructure deployed via Cloud Foundation Toolkit</a:t>
+            </a:r>
+          </a:p>
+          <a:p>
+            <a:r>
+              <a:t>- No manual console configuration</a:t>
+            </a:r>
+          </a:p>
+          <a:p>
+            <a:r>
+              <a:t>- Complete infrastructure-as-code for audit and repeatability</a:t>
+            </a:r>
+          </a:p>
+          <a:p>
+            <a:r>
+              <a:t>- Version controlled in Git with peer review</a:t>
+            </a:r>
+          </a:p>
+          <a:p/>
+          <a:p>
+            <a:r>
+              <a:t>*Policy Enforcement: Zero Violations*</a:t>
+            </a:r>
+          </a:p>
+          <a:p>
+            <a:r>
+              <a:t>- 50+ organization policy constraints active</a:t>
+            </a:r>
+          </a:p>
+          <a:p>
+            <a:r>
+              <a:t>- Prevents non-compliant resource creation</a:t>
+            </a:r>
+          </a:p>
+          <a:p>
+            <a:r>
+              <a:t>- Examples enforced:</a:t>
+            </a:r>
+          </a:p>
+          <a:p>
+            <a:r>
+              <a:t>  - Resource location restrictions (US regions only)</a:t>
+            </a:r>
+          </a:p>
+          <a:p>
+            <a:r>
+              <a:t>  - Public IP restrictions on VMs</a:t>
+            </a:r>
+          </a:p>
+          <a:p>
+            <a:r>
+              <a:t>  - Service account key creation blocked</a:t>
+            </a:r>
+          </a:p>
+          <a:p>
+            <a:r>
+              <a:t>  - Uniform bucket-level access required</a:t>
+            </a:r>
+          </a:p>
+          <a:p/>
+          <a:p>
+            <a:r>
+              <a:t>**Platform Metrics - Detailed Analysis:**</a:t>
+            </a:r>
+          </a:p>
+          <a:p/>
+          <a:p>
+            <a:r>
+              <a:t>*Interconnect Uptime: 99.97%*</a:t>
+            </a:r>
+          </a:p>
+          <a:p>
+            <a:r>
+              <a:t>- Target: 99.9% availability</a:t>
+            </a:r>
+          </a:p>
+          <a:p>
+            <a:r>
+              <a:t>- Achieved: 99.97% (7.8 minutes downtime in 30 days)</a:t>
+            </a:r>
+          </a:p>
+          <a:p>
+            <a:r>
+              <a:t>- Downtime breakdown:</a:t>
+            </a:r>
+          </a:p>
+          <a:p>
+            <a:r>
+              <a:t>  - Planned maintenance: 5 minutes (Google-side)</a:t>
+            </a:r>
+          </a:p>
+          <a:p>
+            <a:r>
+              <a:t>  - Unplanned: 2.8 minutes (BGP reconvergence)</a:t>
+            </a:r>
+          </a:p>
+          <a:p>
+            <a:r>
+              <a:t>- 4 VLAN attachments provide full redundancy</a:t>
+            </a:r>
+          </a:p>
+          <a:p/>
+          <a:p>
+            <a:r>
+              <a:t>*Interconnect Latency: 4.2ms*</a:t>
+            </a:r>
+          </a:p>
+          <a:p>
+            <a:r>
+              <a:t>- Target: &lt;5ms to on-premises datacenter</a:t>
+            </a:r>
+          </a:p>
+          <a:p>
+            <a:r>
+              <a:t>- Achieved: 4.2ms average round-trip</a:t>
+            </a:r>
+          </a:p>
+          <a:p>
+            <a:r>
+              <a:t>- Consistent performance across all 4 attachments</a:t>
+            </a:r>
+          </a:p>
+          <a:p>
+            <a:r>
+              <a:t>- Enables real-time hybrid workloads</a:t>
+            </a:r>
+          </a:p>
+          <a:p/>
+          <a:p>
+            <a:r>
+              <a:t>*SCC Critical Findings: 0*</a:t>
+            </a:r>
+          </a:p>
+          <a:p>
+            <a:r>
+              <a:t>- Security Command Center Premium scanning all projects</a:t>
+            </a:r>
+          </a:p>
+          <a:p>
+            <a:r>
+              <a:t>- Zero critical or high findings at go-live</a:t>
+            </a:r>
+          </a:p>
+          <a:p>
+            <a:r>
+              <a:t>- 3 medium findings identified and remediated during implementation</a:t>
+            </a:r>
+          </a:p>
+          <a:p>
+            <a:r>
+              <a:t>- Continuous compliance monitoring active</a:t>
+            </a:r>
+          </a:p>
+          <a:p/>
+          <a:p>
+            <a:r>
+              <a:t>**Testing Summary:**</a:t>
+            </a:r>
+          </a:p>
+          <a:p>
+            <a:r>
+              <a:t>- Test Cases Executed: 38 total</a:t>
+            </a:r>
+          </a:p>
+          <a:p>
+            <a:r>
+              <a:t>- Pass Rate: 100%</a:t>
+            </a:r>
+          </a:p>
+          <a:p>
+            <a:r>
+              <a:t>- Test Coverage: All SOW requirements covered</a:t>
+            </a:r>
+          </a:p>
+          <a:p>
+            <a:r>
+              <a:t>- Critical Defects at Go-Live: 0</a:t>
+            </a:r>
+          </a:p>
+          <a:p/>
+          <a:p>
+            <a:r>
+              <a:t>*Transition:*</a:t>
+            </a:r>
+          </a:p>
+          <a:p>
+            <a:r>
+              <a:t>"These platform capabilities translate directly into business value. Let me show you the benefits we're already seeing..."</a:t>
+            </a:r>
+          </a:p>
+        </p:txBody>
+      </p:sp>
+    </p:spTree>
+  </p:cSld>
+  <p:clrMapOvr>
+    <a:masterClrMapping/>
+  </p:clrMapOvr>
+</p:notes>
+</file>
+
+<file path=ppt/notesSlides/notesSlide5.xml><?xml version="1.0" encoding="utf-8"?>
+<p:notes xmlns:a="http://schemas.openxmlformats.org/drawingml/2006/main" xmlns:p="http://schemas.openxmlformats.org/presentationml/2006/main" xmlns:r="http://schemas.openxmlformats.org/officeDocument/2006/relationships">
+  <p:cSld>
+    <p:spTree>
+      <p:nvGrpSpPr>
+        <p:cNvPr id="1" name=""/>
+        <p:cNvGrpSpPr/>
+        <p:nvPr/>
+      </p:nvGrpSpPr>
+      <p:grpSpPr>
+        <a:xfrm>
+          <a:off x="0" y="0"/>
+          <a:ext cx="0" cy="0"/>
+          <a:chOff x="0" y="0"/>
+          <a:chExt cx="0" cy="0"/>
+        </a:xfrm>
+      </p:grpSpPr>
+      <p:sp>
+        <p:nvSpPr>
+          <p:cNvPr id="2" name="Slide Image Placeholder 1"/>
+          <p:cNvSpPr>
+            <a:spLocks noGrp="1"/>
+          </p:cNvSpPr>
+          <p:nvPr>
+            <p:ph type="sldImg"/>
+          </p:nvPr>
+        </p:nvSpPr>
+        <p:spPr/>
+      </p:sp>
+      <p:sp>
+        <p:nvSpPr>
+          <p:cNvPr id="3" name="Notes Placeholder 2"/>
+          <p:cNvSpPr>
+            <a:spLocks noGrp="1"/>
+          </p:cNvSpPr>
+          <p:nvPr>
+            <p:ph type="body" idx="1"/>
+          </p:nvPr>
+        </p:nvSpPr>
+        <p:spPr/>
+        <p:txBody>
+          <a:bodyPr/>
+          <a:lstStyle/>
+          <a:p>
+            <a:r>
+              <a:t>*Benefits Analysis - Detailed ROI Discussion:*</a:t>
+            </a:r>
+          </a:p>
+          <a:p/>
+          <a:p>
+            <a:r>
+              <a:t>**Provisioning Time Reduction - 95%:**</a:t>
+            </a:r>
+          </a:p>
+          <a:p/>
+          <a:p>
+            <a:r>
+              <a:t>*Before (Manual Process):*</a:t>
+            </a:r>
+          </a:p>
+          <a:p>
+            <a:r>
+              <a:t>- Average time per project: 6-8 weeks</a:t>
+            </a:r>
+          </a:p>
+          <a:p>
+            <a:r>
+              <a:t>- Steps involved:</a:t>
+            </a:r>
+          </a:p>
+          <a:p>
+            <a:r>
+              <a:t>  1. Submit request ticket (1 week for approval)</a:t>
+            </a:r>
+          </a:p>
+          <a:p>
+            <a:r>
+              <a:t>  2. Manual project creation (2-3 days)</a:t>
+            </a:r>
+          </a:p>
+          <a:p>
+            <a:r>
+              <a:t>  3. Network configuration (1-2 weeks)</a:t>
+            </a:r>
+          </a:p>
+          <a:p>
+            <a:r>
+              <a:t>  4. Security controls (1 week)</a:t>
+            </a:r>
+          </a:p>
+          <a:p>
+            <a:r>
+              <a:t>  5. IAM setup and testing (1 week)</a:t>
+            </a:r>
+          </a:p>
+          <a:p>
+            <a:r>
+              <a:t>  6. Documentation and handover (1 week)</a:t>
+            </a:r>
+          </a:p>
+          <a:p>
+            <a:r>
+              <a:t>- Inconsistent configurations causing security gaps</a:t>
+            </a:r>
+          </a:p>
+          <a:p/>
+          <a:p>
+            <a:r>
+              <a:t>*After (Automated Process):*</a:t>
+            </a:r>
+          </a:p>
+          <a:p>
+            <a:r>
+              <a:t>- Average time per project: 45 minutes via Terraform</a:t>
+            </a:r>
+          </a:p>
+          <a:p>
+            <a:r>
+              <a:t>- Consistent security baseline every time</a:t>
+            </a:r>
+          </a:p>
+          <a:p>
+            <a:r>
+              <a:t>- Automated compliance validation</a:t>
+            </a:r>
+          </a:p>
+          <a:p>
+            <a:r>
+              <a:t>- Self-service for approved platform admins</a:t>
+            </a:r>
+          </a:p>
+          <a:p/>
+          <a:p>
+            <a:r>
+              <a:t>*Business Impact:*</a:t>
+            </a:r>
+          </a:p>
+          <a:p>
+            <a:r>
+              <a:t>- Teams no longer blocked waiting for infrastructure</a:t>
+            </a:r>
+          </a:p>
+          <a:p>
+            <a:r>
+              <a:t>- Innovation velocity increased significantly</a:t>
+            </a:r>
+          </a:p>
+          <a:p>
+            <a:r>
+              <a:t>- Security and compliance built-in from creation</a:t>
+            </a:r>
+          </a:p>
+          <a:p/>
+          <a:p>
+            <a:r>
+              <a:t>**Security Compliance - 100%:**</a:t>
+            </a:r>
+          </a:p>
+          <a:p/>
+          <a:p>
+            <a:r>
+              <a:t>*Before (Manual Governance):*</a:t>
+            </a:r>
+          </a:p>
+          <a:p>
+            <a:r>
+              <a:t>- Each team configuring security differently</a:t>
+            </a:r>
+          </a:p>
+          <a:p>
+            <a:r>
+              <a:t>- Audit findings from inconsistent controls</a:t>
+            </a:r>
+          </a:p>
+          <a:p>
+            <a:r>
+              <a:t>- Shadow IT risk from ungoverned projects</a:t>
+            </a:r>
+          </a:p>
+          <a:p>
+            <a:r>
+              <a:t>- Estimated $400K+ annual compliance risk</a:t>
+            </a:r>
+          </a:p>
+          <a:p/>
+          <a:p>
+            <a:r>
+              <a:t>*After (Automated Governance):*</a:t>
+            </a:r>
+          </a:p>
+          <a:p>
+            <a:r>
+              <a:t>- 50+ organization policies enforced automatically</a:t>
+            </a:r>
+          </a:p>
+          <a:p>
+            <a:r>
+              <a:t>- SCC Premium continuous monitoring</a:t>
+            </a:r>
+          </a:p>
+          <a:p>
+            <a:r>
+              <a:t>- Chronicle SIEM for threat detection</a:t>
+            </a:r>
+          </a:p>
+          <a:p>
+            <a:r>
+              <a:t>- Full audit trail via Cloud Audit Logs</a:t>
+            </a:r>
+          </a:p>
+          <a:p/>
+          <a:p>
+            <a:r>
+              <a:t>*Financial Impact:*</a:t>
+            </a:r>
+          </a:p>
+          <a:p>
+            <a:r>
+              <a:t>- Eliminated compliance gaps</a:t>
+            </a:r>
+          </a:p>
+          <a:p>
+            <a:r>
+              <a:t>- Reduced audit preparation time by 80%</a:t>
+            </a:r>
+          </a:p>
+          <a:p>
+            <a:r>
+              <a:t>- Security incident risk significantly reduced</a:t>
+            </a:r>
+          </a:p>
+          <a:p/>
+          <a:p>
+            <a:r>
+              <a:t>**Platform Self-Service:**</a:t>
+            </a:r>
+          </a:p>
+          <a:p>
+            <a:r>
+              <a:t>- 5 application teams now productive on GCP</a:t>
+            </a:r>
+          </a:p>
+          <a:p>
+            <a:r>
+              <a:t>- 10 projects deployed and operational</a:t>
+            </a:r>
+          </a:p>
+          <a:p>
+            <a:r>
+              <a:t>- Platform team handling requests in hours vs weeks</a:t>
+            </a:r>
+          </a:p>
+          <a:p>
+            <a:r>
+              <a:t>- Clear path to scale to 75+ projects</a:t>
+            </a:r>
+          </a:p>
+          <a:p/>
+          <a:p>
+            <a:r>
+              <a:t>**ROI Summary:**</a:t>
+            </a:r>
+          </a:p>
+          <a:p/>
+          <a:p>
+            <a:r>
+              <a:t>| Metric | Value |</a:t>
+            </a:r>
+          </a:p>
+          <a:p>
+            <a:r>
+              <a:t>|--------|-------|</a:t>
+            </a:r>
+          </a:p>
+          <a:p>
+            <a:r>
+              <a:t>| Total Investment (Year 1) | $105,948 |</a:t>
+            </a:r>
+          </a:p>
+          <a:p>
+            <a:r>
+              <a:t>| Estimated Annual Savings | $180,000* |</a:t>
+            </a:r>
+          </a:p>
+          <a:p>
+            <a:r>
+              <a:t>| Payback Period | 18 months |</a:t>
+            </a:r>
+          </a:p>
+          <a:p>
+            <a:r>
+              <a:t>| 3-Year Net Benefit | $280,000+ |</a:t>
+            </a:r>
+          </a:p>
+          <a:p/>
+          <a:p>
+            <a:r>
+              <a:t>*Savings from: faster provisioning, reduced security incidents, audit efficiency, team productivity</a:t>
+            </a:r>
+          </a:p>
+          <a:p/>
+          <a:p>
+            <a:r>
+              <a:t>*Transition:*</a:t>
+            </a:r>
+          </a:p>
+          <a:p>
+            <a:r>
+              <a:t>"We learned valuable lessons during this implementation that will help with future expansion..."</a:t>
+            </a:r>
+          </a:p>
+        </p:txBody>
+      </p:sp>
+    </p:spTree>
+  </p:cSld>
+  <p:clrMapOvr>
+    <a:masterClrMapping/>
+  </p:clrMapOvr>
+</p:notes>
+</file>
+
+<file path=ppt/notesSlides/notesSlide6.xml><?xml version="1.0" encoding="utf-8"?>
+<p:notes xmlns:a="http://schemas.openxmlformats.org/drawingml/2006/main" xmlns:p="http://schemas.openxmlformats.org/presentationml/2006/main" xmlns:r="http://schemas.openxmlformats.org/officeDocument/2006/relationships">
+  <p:cSld>
+    <p:spTree>
+      <p:nvGrpSpPr>
+        <p:cNvPr id="1" name=""/>
+        <p:cNvGrpSpPr/>
+        <p:nvPr/>
+      </p:nvGrpSpPr>
+      <p:grpSpPr>
+        <a:xfrm>
+          <a:off x="0" y="0"/>
+          <a:ext cx="0" cy="0"/>
+          <a:chOff x="0" y="0"/>
+          <a:chExt cx="0" cy="0"/>
+        </a:xfrm>
+      </p:grpSpPr>
+      <p:sp>
+        <p:nvSpPr>
+          <p:cNvPr id="2" name="Slide Image Placeholder 1"/>
+          <p:cNvSpPr>
+            <a:spLocks noGrp="1"/>
+          </p:cNvSpPr>
+          <p:nvPr>
+            <p:ph type="sldImg"/>
+          </p:nvPr>
+        </p:nvSpPr>
+        <p:spPr/>
+      </p:sp>
+      <p:sp>
+        <p:nvSpPr>
+          <p:cNvPr id="3" name="Notes Placeholder 2"/>
+          <p:cNvSpPr>
+            <a:spLocks noGrp="1"/>
+          </p:cNvSpPr>
+          <p:nvPr>
+            <p:ph type="body" idx="1"/>
+          </p:nvPr>
+        </p:nvSpPr>
+        <p:spPr/>
+        <p:txBody>
+          <a:bodyPr/>
+          <a:lstStyle/>
+          <a:p>
+            <a:r>
+              <a:t>*Lessons Learned - Comprehensive Review:*</a:t>
+            </a:r>
+          </a:p>
+          <a:p/>
+          <a:p>
+            <a:r>
+              <a:t>**What Worked Well - Details:**</a:t>
+            </a:r>
+          </a:p>
+          <a:p/>
+          <a:p>
+            <a:r>
+              <a:t>*1. Organization Policies First (Week 2-4):*</a:t>
+            </a:r>
+          </a:p>
+          <a:p>
+            <a:r>
+              <a:t>- Deployed 50+ constraints before any application projects</a:t>
+            </a:r>
+          </a:p>
+          <a:p>
+            <a:r>
+              <a:t>- Prevented 15+ potential security misconfigurations</a:t>
+            </a:r>
+          </a:p>
+          <a:p>
+            <a:r>
+              <a:t>- Examples: blocked public IPs, enforced encryption, location restrictions</a:t>
+            </a:r>
+          </a:p>
+          <a:p>
+            <a:r>
+              <a:t>- Recommendation: Always deploy policies before workloads</a:t>
+            </a:r>
+          </a:p>
+          <a:p/>
+          <a:p>
+            <a:r>
+              <a:t>*2. Pilot-Then-Scale Approach (Week 11-12):*</a:t>
+            </a:r>
+          </a:p>
+          <a:p>
+            <a:r>
+              <a:t>- Started with 2 application teams (dev + prod projects each)</a:t>
+            </a:r>
+          </a:p>
+          <a:p>
+            <a:r>
+              <a:t>- Validated provisioning workflow, network, security</a:t>
+            </a:r>
+          </a:p>
+          <a:p>
+            <a:r>
+              <a:t>- Gathered feedback before broader rollout</a:t>
+            </a:r>
+          </a:p>
+          <a:p>
+            <a:r>
+              <a:t>- Recommendation: 2-4 week pilot before enterprise scale</a:t>
+            </a:r>
+          </a:p>
+          <a:p/>
+          <a:p>
+            <a:r>
+              <a:t>*3. Cloud Foundation Toolkit Modules:*</a:t>
+            </a:r>
+          </a:p>
+          <a:p>
+            <a:r>
+              <a:t>- Pre-built, Google-validated Terraform modules</a:t>
+            </a:r>
+          </a:p>
+          <a:p>
+            <a:r>
+              <a:t>- Accelerated development by 40%</a:t>
+            </a:r>
+          </a:p>
+          <a:p>
+            <a:r>
+              <a:t>- Consistent patterns across all projects</a:t>
+            </a:r>
+          </a:p>
+          <a:p>
+            <a:r>
+              <a:t>- Recommendation: Customize CFT vs building from scratch</a:t>
+            </a:r>
+          </a:p>
+          <a:p/>
+          <a:p>
+            <a:r>
+              <a:t>*4. Weekly Architecture Reviews:*</a:t>
+            </a:r>
+          </a:p>
+          <a:p>
+            <a:r>
+              <a:t>- Thursday reviews with platform and security teams</a:t>
+            </a:r>
+          </a:p>
+          <a:p>
+            <a:r>
+              <a:t>- Caught 3 design issues early (IAM, network, logging)</a:t>
+            </a:r>
+          </a:p>
+          <a:p>
+            <a:r>
+              <a:t>- Built organizational alignment</a:t>
+            </a:r>
+          </a:p>
+          <a:p>
+            <a:r>
+              <a:t>- Recommendation: Continue post-implementation quarterly</a:t>
+            </a:r>
+          </a:p>
+          <a:p/>
+          <a:p>
+            <a:r>
+              <a:t>**Challenges Overcome - Details:**</a:t>
+            </a:r>
+          </a:p>
+          <a:p/>
+          <a:p>
+            <a:r>
+              <a:t>*1. ISP Coordination for Interconnect:*</a:t>
+            </a:r>
+          </a:p>
+          <a:p>
+            <a:r>
+              <a:t>- Challenge: ISP required 6 weeks for circuit provisioning</a:t>
+            </a:r>
+          </a:p>
+          <a:p>
+            <a:r>
+              <a:t>- Impact: Started Interconnect coordination in Week 1</a:t>
+            </a:r>
+          </a:p>
+          <a:p>
+            <a:r>
+              <a:t>- Resolution: Early engagement with ISP and Google partner</a:t>
+            </a:r>
+          </a:p>
+          <a:p>
+            <a:r>
+              <a:t>- Result: Interconnect live in Week 8 as planned</a:t>
+            </a:r>
+          </a:p>
+          <a:p/>
+          <a:p>
+            <a:r>
+              <a:t>*2. Legacy IAM Pattern Migration:*</a:t>
+            </a:r>
+          </a:p>
+          <a:p>
+            <a:r>
+              <a:t>- Challenge: Teams accustomed to overly permissive IAM</a:t>
+            </a:r>
+          </a:p>
+          <a:p>
+            <a:r>
+              <a:t>- Resolution: Documented new role mappings, provided training</a:t>
+            </a:r>
+          </a:p>
+          <a:p>
+            <a:r>
+              <a:t>- Result: All teams operating with least-privilege model</a:t>
+            </a:r>
+          </a:p>
+          <a:p/>
+          <a:p>
+            <a:r>
+              <a:t>*3. Chronicle SIEM Tuning:*</a:t>
+            </a:r>
+          </a:p>
+          <a:p>
+            <a:r>
+              <a:t>- Challenge: Initial alert noise from default rules</a:t>
+            </a:r>
+          </a:p>
+          <a:p>
+            <a:r>
+              <a:t>- Resolution: Customized detection rules, added exclusions</a:t>
+            </a:r>
+          </a:p>
+          <a:p>
+            <a:r>
+              <a:t>- Result: Actionable alerts with &lt;5% false positive rate</a:t>
+            </a:r>
+          </a:p>
+          <a:p/>
+          <a:p>
+            <a:r>
+              <a:t>**Recommendations for Future Enhancement:**</a:t>
+            </a:r>
+          </a:p>
+          <a:p/>
+          <a:p>
+            <a:r>
+              <a:t>*1. Expand to 30 Projects (Phase 2):*</a:t>
+            </a:r>
+          </a:p>
+          <a:p>
+            <a:r>
+              <a:t>- Current foundation supports 75+ projects without changes</a:t>
+            </a:r>
+          </a:p>
+          <a:p>
+            <a:r>
+              <a:t>- Prioritize teams by business value</a:t>
+            </a:r>
+          </a:p>
+          <a:p>
+            <a:r>
+              <a:t>- Estimated effort: 4 weeks per 10 projects</a:t>
+            </a:r>
+          </a:p>
+          <a:p>
+            <a:r>
+              <a:t>- Investment: ~$30K incremental (infrastructure + support)</a:t>
+            </a:r>
+          </a:p>
+          <a:p/>
+          <a:p>
+            <a:r>
+              <a:t>*2. Add GKE Autopilot Platform:*</a:t>
+            </a:r>
+          </a:p>
+          <a:p>
+            <a:r>
+              <a:t>- Container platform for microservices workloads</a:t>
+            </a:r>
+          </a:p>
+          <a:p>
+            <a:r>
+              <a:t>- Integrates with existing Shared VPC and security</a:t>
+            </a:r>
+          </a:p>
+          <a:p>
+            <a:r>
+              <a:t>- Estimated effort: 6 weeks</a:t>
+            </a:r>
+          </a:p>
+          <a:p>
+            <a:r>
+              <a:t>- Enables modern application architectures</a:t>
+            </a:r>
+          </a:p>
+          <a:p/>
+          <a:p>
+            <a:r>
+              <a:t>*3. Implement VPC Service Controls:*</a:t>
+            </a:r>
+          </a:p>
+          <a:p>
+            <a:r>
+              <a:t>- Data exfiltration prevention for sensitive workloads</a:t>
+            </a:r>
+          </a:p>
+          <a:p>
+            <a:r>
+              <a:t>- Required for PCI-DSS cardholder data</a:t>
+            </a:r>
+          </a:p>
+          <a:p>
+            <a:r>
+              <a:t>- Estimated effort: 3 weeks</a:t>
+            </a:r>
+          </a:p>
+          <a:p>
+            <a:r>
+              <a:t>- Enhances security perimeter</a:t>
+            </a:r>
+          </a:p>
+          <a:p/>
+          <a:p>
+            <a:r>
+              <a:t>*Transition:*</a:t>
+            </a:r>
+          </a:p>
+          <a:p>
+            <a:r>
+              <a:t>"Let me walk you through how we're transitioning support to your team..."</a:t>
+            </a:r>
+          </a:p>
+        </p:txBody>
+      </p:sp>
+    </p:spTree>
+  </p:cSld>
+  <p:clrMapOvr>
+    <a:masterClrMapping/>
+  </p:clrMapOvr>
+</p:notes>
+</file>
+
+<file path=ppt/notesSlides/notesSlide7.xml><?xml version="1.0" encoding="utf-8"?>
+<p:notes xmlns:a="http://schemas.openxmlformats.org/drawingml/2006/main" xmlns:p="http://schemas.openxmlformats.org/presentationml/2006/main" xmlns:r="http://schemas.openxmlformats.org/officeDocument/2006/relationships">
+  <p:cSld>
+    <p:spTree>
+      <p:nvGrpSpPr>
+        <p:cNvPr id="1" name=""/>
+        <p:cNvGrpSpPr/>
+        <p:nvPr/>
+      </p:nvGrpSpPr>
+      <p:grpSpPr>
+        <a:xfrm>
+          <a:off x="0" y="0"/>
+          <a:ext cx="0" cy="0"/>
+          <a:chOff x="0" y="0"/>
+          <a:chExt cx="0" cy="0"/>
+        </a:xfrm>
+      </p:grpSpPr>
+      <p:sp>
+        <p:nvSpPr>
+          <p:cNvPr id="2" name="Slide Image Placeholder 1"/>
+          <p:cNvSpPr>
+            <a:spLocks noGrp="1"/>
+          </p:cNvSpPr>
+          <p:nvPr>
+            <p:ph type="sldImg"/>
+          </p:nvPr>
+        </p:nvSpPr>
+        <p:spPr/>
+      </p:sp>
+      <p:sp>
+        <p:nvSpPr>
+          <p:cNvPr id="3" name="Notes Placeholder 2"/>
+          <p:cNvSpPr>
+            <a:spLocks noGrp="1"/>
+          </p:cNvSpPr>
+          <p:nvPr>
+            <p:ph type="body" idx="1"/>
+          </p:nvPr>
+        </p:nvSpPr>
+        <p:spPr/>
+        <p:txBody>
+          <a:bodyPr/>
+          <a:lstStyle/>
+          <a:p>
+            <a:r>
+              <a:t>*Support Transition - Complete Details:*</a:t>
+            </a:r>
+          </a:p>
+          <a:p/>
+          <a:p>
+            <a:r>
+              <a:t>**Hypercare Period Summary (30 Days Post-Go-Live):**</a:t>
+            </a:r>
+          </a:p>
+          <a:p/>
+          <a:p>
+            <a:r>
+              <a:t>*Daily Activities Completed:*</a:t>
+            </a:r>
+          </a:p>
+          <a:p>
+            <a:r>
+              <a:t>- Morning health check calls (9am) - first 2 weeks</a:t>
+            </a:r>
+          </a:p>
+          <a:p>
+            <a:r>
+              <a:t>- Cloud Monitoring dashboard review</a:t>
+            </a:r>
+          </a:p>
+          <a:p>
+            <a:r>
+              <a:t>- SCC findings review</a:t>
+            </a:r>
+          </a:p>
+          <a:p>
+            <a:r>
+              <a:t>- Interconnect status verification</a:t>
+            </a:r>
+          </a:p>
+          <a:p>
+            <a:r>
+              <a:t>- Project provisioning queue check</a:t>
+            </a:r>
+          </a:p>
+          <a:p/>
+          <a:p>
+            <a:r>
+              <a:t>*Issues Resolved During Hypercare:*</a:t>
+            </a:r>
+          </a:p>
+          <a:p/>
+          <a:p>
+            <a:r>
+              <a:t>Issue #1 (P3) - Day 5:</a:t>
+            </a:r>
+          </a:p>
+          <a:p>
+            <a:r>
+              <a:t>- Problem: Terraform state lock timeout during concurrent applies</a:t>
+            </a:r>
+          </a:p>
+          <a:p>
+            <a:r>
+              <a:t>- Root cause: State backend configuration</a:t>
+            </a:r>
+          </a:p>
+          <a:p>
+            <a:r>
+              <a:t>- Resolution: Implemented state locking with Cloud Storage</a:t>
+            </a:r>
+          </a:p>
+          <a:p>
+            <a:r>
+              <a:t>- Prevention: Added concurrency controls to pipeline</a:t>
+            </a:r>
+          </a:p>
+          <a:p/>
+          <a:p>
+            <a:r>
+              <a:t>Issue #2 (P3) - Day 12:</a:t>
+            </a:r>
+          </a:p>
+          <a:p>
+            <a:r>
+              <a:t>- Problem: Chronicle alert for unusual API activity</a:t>
+            </a:r>
+          </a:p>
+          <a:p>
+            <a:r>
+              <a:t>- Root cause: Automated scanning tool (authorized)</a:t>
+            </a:r>
+          </a:p>
+          <a:p>
+            <a:r>
+              <a:t>- Resolution: Added exclusion rule for known scanner</a:t>
+            </a:r>
+          </a:p>
+          <a:p>
+            <a:r>
+              <a:t>- Result: Reduced false positives</a:t>
+            </a:r>
+          </a:p>
+          <a:p/>
+          <a:p>
+            <a:r>
+              <a:t>*Knowledge Transfer Sessions Delivered:*</a:t>
+            </a:r>
+          </a:p>
+          <a:p/>
+          <a:p>
+            <a:r>
+              <a:t>| Session | Date | Attendees | Duration | Recording |</a:t>
+            </a:r>
+          </a:p>
+          <a:p>
+            <a:r>
+              <a:t>|---------|------|-----------|----------|-----------|</a:t>
+            </a:r>
+          </a:p>
+          <a:p>
+            <a:r>
+              <a:t>| Platform Admin Deep Dive | Week 13 | 4 admins | 3 hours | Yes |</a:t>
+            </a:r>
+          </a:p>
+          <a:p>
+            <a:r>
+              <a:t>| Terraform Module Training | Week 14 | 6 engineers | 2 hours | Yes |</a:t>
+            </a:r>
+          </a:p>
+          <a:p>
+            <a:r>
+              <a:t>| Security Operations | Week 14 | 4 security | 2 hours | Yes |</a:t>
+            </a:r>
+          </a:p>
+          <a:p>
+            <a:r>
+              <a:t>| FinOps Dashboard | Week 15 | 3 managers | 1 hour | Yes |</a:t>
+            </a:r>
+          </a:p>
+          <a:p>
+            <a:r>
+              <a:t>| Troubleshooting Workshop | Week 15 | 8 staff | 2 hours | Yes |</a:t>
+            </a:r>
+          </a:p>
+          <a:p/>
+          <a:p>
+            <a:r>
+              <a:t>*Runbook Validation:*</a:t>
+            </a:r>
+          </a:p>
+          <a:p>
+            <a:r>
+              <a:t>- All 10 runbook procedures tested by client team</a:t>
+            </a:r>
+          </a:p>
+          <a:p>
+            <a:r>
+              <a:t>- Signed off by [Platform Lead] on [Date]</a:t>
+            </a:r>
+          </a:p>
+          <a:p>
+            <a:r>
+              <a:t>- Procedures validated:</a:t>
+            </a:r>
+          </a:p>
+          <a:p>
+            <a:r>
+              <a:t>  1. Daily health check</a:t>
+            </a:r>
+          </a:p>
+          <a:p>
+            <a:r>
+              <a:t>  2. Project provisioning workflow</a:t>
+            </a:r>
+          </a:p>
+          <a:p>
+            <a:r>
+              <a:t>  3. Interconnect monitoring</a:t>
+            </a:r>
+          </a:p>
+          <a:p>
+            <a:r>
+              <a:t>  4. Security incident response</a:t>
+            </a:r>
+          </a:p>
+          <a:p>
+            <a:r>
+              <a:t>  5. Organization policy exceptions</a:t>
+            </a:r>
+          </a:p>
+          <a:p>
+            <a:r>
+              <a:t>  6. Cost anomaly investigation</a:t>
+            </a:r>
+          </a:p>
+          <a:p>
+            <a:r>
+              <a:t>  7. User access management</a:t>
+            </a:r>
+          </a:p>
+          <a:p>
+            <a:r>
+              <a:t>  8. Backup verification</a:t>
+            </a:r>
+          </a:p>
+          <a:p>
+            <a:r>
+              <a:t>  9. DR procedures</a:t>
+            </a:r>
+          </a:p>
+          <a:p>
+            <a:r>
+              <a:t>  10. Capacity management</a:t>
+            </a:r>
+          </a:p>
+          <a:p/>
+          <a:p>
+            <a:r>
+              <a:t>**Steady State Support Model:**</a:t>
+            </a:r>
+          </a:p>
+          <a:p/>
+          <a:p>
+            <a:r>
+              <a:t>*What Client Team Handles (L1):*</a:t>
+            </a:r>
+          </a:p>
+          <a:p>
+            <a:r>
+              <a:t>- Daily monitoring via Cloud Monitoring dashboards</a:t>
+            </a:r>
+          </a:p>
+          <a:p>
+            <a:r>
+              <a:t>- Project provisioning requests via Terraform</a:t>
+            </a:r>
+          </a:p>
+          <a:p>
+            <a:r>
+              <a:t>- User access management</a:t>
+            </a:r>
+          </a:p>
+          <a:p>
+            <a:r>
+              <a:t>- Basic troubleshooting (per runbook)</a:t>
+            </a:r>
+          </a:p>
+          <a:p>
+            <a:r>
+              <a:t>- Monthly cost review</a:t>
+            </a:r>
+          </a:p>
+          <a:p>
+            <a:r>
+              <a:t>- Security finding triage</a:t>
+            </a:r>
+          </a:p>
+          <a:p/>
+          <a:p>
+            <a:r>
+              <a:t>*When to Escalate to Google (L2/L3):*</a:t>
+            </a:r>
+          </a:p>
+          <a:p>
+            <a:r>
+              <a:t>- GCP service issues or outages</a:t>
+            </a:r>
+          </a:p>
+          <a:p>
+            <a:r>
+              <a:t>- Interconnect connectivity problems</a:t>
+            </a:r>
+          </a:p>
+          <a:p>
+            <a:r>
+              <a:t>- SCC findings requiring Google guidance</a:t>
+            </a:r>
+          </a:p>
+          <a:p>
+            <a:r>
+              <a:t>- Service limit increases</a:t>
+            </a:r>
+          </a:p>
+          <a:p>
+            <a:r>
+              <a:t>- New service enablement</a:t>
+            </a:r>
+          </a:p>
+          <a:p>
+            <a:r>
+              <a:t>- Architecture consultation</a:t>
+            </a:r>
+          </a:p>
+          <a:p/>
+          <a:p>
+            <a:r>
+              <a:t>**Support Contact Information:**</a:t>
+            </a:r>
+          </a:p>
+          <a:p/>
+          <a:p>
+            <a:r>
+              <a:t>| Role | Name | Email | Phone | Availability |</a:t>
+            </a:r>
+          </a:p>
+          <a:p>
+            <a:r>
+              <a:t>|------|------|-------|-------|--------------|</a:t>
+            </a:r>
+          </a:p>
+          <a:p>
+            <a:r>
+              <a:t>| Platform Lead | [Name] | [email] | [phone] | Business hours |</a:t>
+            </a:r>
+          </a:p>
+          <a:p>
+            <a:r>
+              <a:t>| Security Lead | [Name] | [email] | [phone] | Business hours |</a:t>
+            </a:r>
+          </a:p>
+          <a:p>
+            <a:r>
+              <a:t>| On-Call | Platform Team | [email] | [phone] | 24/7 |</a:t>
+            </a:r>
+          </a:p>
+          <a:p>
+            <a:r>
+              <a:t>| Google Support | Enhanced | support.google.com | N/A | 24/7 |</a:t>
+            </a:r>
+          </a:p>
+          <a:p/>
+          <a:p>
+            <a:r>
+              <a:t>*Transition:*</a:t>
+            </a:r>
+          </a:p>
+          <a:p>
+            <a:r>
+              <a:t>"Let me acknowledge the team that made this possible and outline next steps..."</a:t>
+            </a:r>
+          </a:p>
+        </p:txBody>
+      </p:sp>
+    </p:spTree>
+  </p:cSld>
+  <p:clrMapOvr>
+    <a:masterClrMapping/>
+  </p:clrMapOvr>
+</p:notes>
+</file>
+
+<file path=ppt/notesSlides/notesSlide8.xml><?xml version="1.0" encoding="utf-8"?>
+<p:notes xmlns:a="http://schemas.openxmlformats.org/drawingml/2006/main" xmlns:p="http://schemas.openxmlformats.org/presentationml/2006/main" xmlns:r="http://schemas.openxmlformats.org/officeDocument/2006/relationships">
+  <p:cSld>
+    <p:spTree>
+      <p:nvGrpSpPr>
+        <p:cNvPr id="1" name=""/>
+        <p:cNvGrpSpPr/>
+        <p:nvPr/>
+      </p:nvGrpSpPr>
+      <p:grpSpPr>
+        <a:xfrm>
+          <a:off x="0" y="0"/>
+          <a:ext cx="0" cy="0"/>
+          <a:chOff x="0" y="0"/>
+          <a:chExt cx="0" cy="0"/>
+        </a:xfrm>
+      </p:grpSpPr>
+      <p:sp>
+        <p:nvSpPr>
+          <p:cNvPr id="2" name="Slide Image Placeholder 1"/>
+          <p:cNvSpPr>
+            <a:spLocks noGrp="1"/>
+          </p:cNvSpPr>
+          <p:nvPr>
+            <p:ph type="sldImg"/>
+          </p:nvPr>
+        </p:nvSpPr>
+        <p:spPr/>
+      </p:sp>
+      <p:sp>
+        <p:nvSpPr>
+          <p:cNvPr id="3" name="Notes Placeholder 2"/>
+          <p:cNvSpPr>
+            <a:spLocks noGrp="1"/>
+          </p:cNvSpPr>
+          <p:nvPr>
+            <p:ph type="body" idx="1"/>
+          </p:nvPr>
+        </p:nvSpPr>
+        <p:spPr/>
+        <p:txBody>
+          <a:bodyPr/>
+          <a:lstStyle/>
+          <a:p>
+            <a:r>
+              <a:t>*Acknowledgments - Recognize Key Contributors:*</a:t>
+            </a:r>
+          </a:p>
+          <a:p/>
+          <a:p>
+            <a:r>
+              <a:t>**Client Team Recognition:**</a:t>
+            </a:r>
+          </a:p>
+          <a:p/>
+          <a:p>
+            <a:r>
+              <a:t>*Executive Sponsor - [Name]:*</a:t>
+            </a:r>
+          </a:p>
+          <a:p>
+            <a:r>
+              <a:t>- Championed cloud-first strategy and landing zone investment</a:t>
+            </a:r>
+          </a:p>
+          <a:p>
+            <a:r>
+              <a:t>- Secured budget and organizational support</a:t>
+            </a:r>
+          </a:p>
+          <a:p>
+            <a:r>
+              <a:t>- Drove organization policy adoption across teams</a:t>
+            </a:r>
+          </a:p>
+          <a:p>
+            <a:r>
+              <a:t>- Key decision: Approved pilot-then-scale approach</a:t>
+            </a:r>
+          </a:p>
+          <a:p/>
+          <a:p>
+            <a:r>
+              <a:t>*Platform Lead - [Name]:*</a:t>
+            </a:r>
+          </a:p>
+          <a:p>
+            <a:r>
+              <a:t>- Technical counterpart throughout implementation</a:t>
+            </a:r>
+          </a:p>
+          <a:p>
+            <a:r>
+              <a:t>- Cloud Foundation Toolkit module customization</a:t>
+            </a:r>
+          </a:p>
+          <a:p>
+            <a:r>
+              <a:t>- Knowledge transfer recipient and future owner</a:t>
+            </a:r>
+          </a:p>
+          <a:p>
+            <a:r>
+              <a:t>- Will lead Phase 2 expansion</a:t>
+            </a:r>
+          </a:p>
+          <a:p/>
+          <a:p>
+            <a:r>
+              <a:t>*Security Lead - [Name]:*</a:t>
+            </a:r>
+          </a:p>
+          <a:p>
+            <a:r>
+              <a:t>- Security baseline design and validation</a:t>
+            </a:r>
+          </a:p>
+          <a:p>
+            <a:r>
+              <a:t>- Organization policy constraint definition</a:t>
+            </a:r>
+          </a:p>
+          <a:p>
+            <a:r>
+              <a:t>- Chronicle SIEM rule customization</a:t>
+            </a:r>
+          </a:p>
+          <a:p>
+            <a:r>
+              <a:t>- SOC 2 and PCI-DSS control mapping</a:t>
+            </a:r>
+          </a:p>
+          <a:p/>
+          <a:p>
+            <a:r>
+              <a:t>*Network Lead - [Name]:*</a:t>
+            </a:r>
+          </a:p>
+          <a:p>
+            <a:r>
+              <a:t>- Interconnect coordination with ISP</a:t>
+            </a:r>
+          </a:p>
+          <a:p>
+            <a:r>
+              <a:t>- Shared VPC design and IP planning</a:t>
+            </a:r>
+          </a:p>
+          <a:p>
+            <a:r>
+              <a:t>- Hybrid connectivity testing</a:t>
+            </a:r>
+          </a:p>
+          <a:p>
+            <a:r>
+              <a:t>- On-premises integration</a:t>
+            </a:r>
+          </a:p>
+          <a:p/>
+          <a:p>
+            <a:r>
+              <a:t>*Pilot Application Teams:*</a:t>
+            </a:r>
+          </a:p>
+          <a:p>
+            <a:r>
+              <a:t>- First teams to trust the new platform</a:t>
+            </a:r>
+          </a:p>
+          <a:p>
+            <a:r>
+              <a:t>- Provided critical feedback during pilot</a:t>
+            </a:r>
+          </a:p>
+          <a:p>
+            <a:r>
+              <a:t>- Validated provisioning workflow end-to-end</a:t>
+            </a:r>
+          </a:p>
+          <a:p>
+            <a:r>
+              <a:t>- Champions for broader adoption</a:t>
+            </a:r>
+          </a:p>
+          <a:p/>
+          <a:p>
+            <a:r>
+              <a:t>**Vendor Team Recognition:**</a:t>
+            </a:r>
+          </a:p>
+          <a:p/>
+          <a:p>
+            <a:r>
+              <a:t>*Project Manager - [Name]:*</a:t>
+            </a:r>
+          </a:p>
+          <a:p>
+            <a:r>
+              <a:t>- Overall delivery accountability</a:t>
+            </a:r>
+          </a:p>
+          <a:p>
+            <a:r>
+              <a:t>- Stakeholder communication</a:t>
+            </a:r>
+          </a:p>
+          <a:p>
+            <a:r>
+              <a:t>- Risk and issue management</a:t>
+            </a:r>
+          </a:p>
+          <a:p>
+            <a:r>
+              <a:t>- On-time, on-budget delivery</a:t>
+            </a:r>
+          </a:p>
+          <a:p/>
+          <a:p>
+            <a:r>
+              <a:t>*GCP Architect - [Name]:*</a:t>
+            </a:r>
+          </a:p>
+          <a:p>
+            <a:r>
+              <a:t>- Landing zone architecture design</a:t>
+            </a:r>
+          </a:p>
+          <a:p>
+            <a:r>
+              <a:t>- Cloud Foundation Toolkit configuration</a:t>
+            </a:r>
+          </a:p>
+          <a:p>
+            <a:r>
+              <a:t>- Security baseline implementation</a:t>
+            </a:r>
+          </a:p>
+          <a:p>
+            <a:r>
+              <a:t>- Technical documentation</a:t>
+            </a:r>
+          </a:p>
+          <a:p/>
+          <a:p>
+            <a:r>
+              <a:t>*Platform Engineer - [Name]:*</a:t>
+            </a:r>
+          </a:p>
+          <a:p>
+            <a:r>
+              <a:t>- Terraform module development</a:t>
+            </a:r>
+          </a:p>
+          <a:p>
+            <a:r>
+              <a:t>- CI/CD pipeline setup</a:t>
+            </a:r>
+          </a:p>
+          <a:p>
+            <a:r>
+              <a:t>- Shared VPC deployment</a:t>
+            </a:r>
+          </a:p>
+          <a:p>
+            <a:r>
+              <a:t>- Interconnect provisioning</a:t>
+            </a:r>
+          </a:p>
+          <a:p/>
+          <a:p>
+            <a:r>
+              <a:t>**Immediate Next Steps (This Week):**</a:t>
+            </a:r>
+          </a:p>
+          <a:p/>
+          <a:p>
+            <a:r>
+              <a:t>| Task | Owner | Due Date |</a:t>
+            </a:r>
+          </a:p>
+          <a:p>
+            <a:r>
+              <a:t>|------|-------|----------|</a:t>
+            </a:r>
+          </a:p>
+          <a:p>
+            <a:r>
+              <a:t>| Final documentation handover | PM | [Date] |</a:t>
+            </a:r>
+          </a:p>
+          <a:p>
+            <a:r>
+              <a:t>| Archive project SharePoint site | PM | [Date] |</a:t>
+            </a:r>
+          </a:p>
+          <a:p>
+            <a:r>
+              <a:t>| Update asset inventory | Platform Lead | [Date] |</a:t>
+            </a:r>
+          </a:p>
+          <a:p>
+            <a:r>
+              <a:t>| Confirm support contacts | Platform Lead | [Date] |</a:t>
+            </a:r>
+          </a:p>
+          <a:p/>
+          <a:p>
+            <a:r>
+              <a:t>**30-Day Next Steps:**</a:t>
+            </a:r>
+          </a:p>
+          <a:p/>
+          <a:p>
+            <a:r>
+              <a:t>| Task | Owner | Due Date |</a:t>
+            </a:r>
+          </a:p>
+          <a:p>
+            <a:r>
+              <a:t>|------|-------|----------|</a:t>
+            </a:r>
+          </a:p>
+          <a:p>
+            <a:r>
+              <a:t>| First monthly performance review | Platform Lead | [Date+30] |</a:t>
+            </a:r>
+          </a:p>
+          <a:p>
+            <a:r>
+              <a:t>| Security posture assessment | Security Lead | [Date+30] |</a:t>
+            </a:r>
+          </a:p>
+          <a:p>
+            <a:r>
+              <a:t>| Cost optimization review | FinOps Lead | [Date+30] |</a:t>
+            </a:r>
+          </a:p>
+          <a:p>
+            <a:r>
+              <a:t>| Identify Phase 2 teams | Business Lead | [Date+30] |</a:t>
+            </a:r>
+          </a:p>
+          <a:p/>
+          <a:p>
+            <a:r>
+              <a:t>**Phase 2 Opportunities:**</a:t>
+            </a:r>
+          </a:p>
+          <a:p/>
+          <a:p>
+            <a:r>
+              <a:t>| Capability | Effort | Business Value |</a:t>
+            </a:r>
+          </a:p>
+          <a:p>
+            <a:r>
+              <a:t>|------------|--------|----------------|</a:t>
+            </a:r>
+          </a:p>
+          <a:p>
+            <a:r>
+              <a:t>| Expand to 30 projects | 4 weeks | Enable 15+ teams |</a:t>
+            </a:r>
+          </a:p>
+          <a:p>
+            <a:r>
+              <a:t>| GKE Autopilot platform | 6 weeks | Container workloads |</a:t>
+            </a:r>
+          </a:p>
+          <a:p>
+            <a:r>
+              <a:t>| VPC Service Controls | 3 weeks | Data protection |</a:t>
+            </a:r>
+          </a:p>
+          <a:p>
+            <a:r>
+              <a:t>| Advanced Chronicle | 2 weeks | Threat detection |</a:t>
+            </a:r>
+          </a:p>
+          <a:p/>
+          <a:p>
+            <a:r>
+              <a:t>*Transition:*</a:t>
+            </a:r>
+          </a:p>
+          <a:p>
+            <a:r>
+              <a:t>"Thank you for your partnership on this project. Let me open the floor for questions..."</a:t>
+            </a:r>
+          </a:p>
+        </p:txBody>
+      </p:sp>
+    </p:spTree>
+  </p:cSld>
+  <p:clrMapOvr>
+    <a:masterClrMapping/>
+  </p:clrMapOvr>
+</p:notes>
+</file>
+
+<file path=ppt/notesSlides/notesSlide9.xml><?xml version="1.0" encoding="utf-8"?>
+<p:notes xmlns:a="http://schemas.openxmlformats.org/drawingml/2006/main" xmlns:p="http://schemas.openxmlformats.org/presentationml/2006/main" xmlns:r="http://schemas.openxmlformats.org/officeDocument/2006/relationships">
+  <p:cSld>
+    <p:spTree>
+      <p:nvGrpSpPr>
+        <p:cNvPr id="1" name=""/>
+        <p:cNvGrpSpPr/>
+        <p:nvPr/>
+      </p:nvGrpSpPr>
+      <p:grpSpPr>
+        <a:xfrm>
+          <a:off x="0" y="0"/>
+          <a:ext cx="0" cy="0"/>
+          <a:chOff x="0" y="0"/>
+          <a:chExt cx="0" cy="0"/>
+        </a:xfrm>
+      </p:grpSpPr>
+      <p:sp>
+        <p:nvSpPr>
+          <p:cNvPr id="2" name="Slide Image Placeholder 1"/>
+          <p:cNvSpPr>
+            <a:spLocks noGrp="1"/>
+          </p:cNvSpPr>
+          <p:nvPr>
+            <p:ph type="sldImg"/>
+          </p:nvPr>
+        </p:nvSpPr>
+        <p:spPr/>
+      </p:sp>
+      <p:sp>
+        <p:nvSpPr>
+          <p:cNvPr id="3" name="Notes Placeholder 2"/>
+          <p:cNvSpPr>
+            <a:spLocks noGrp="1"/>
+          </p:cNvSpPr>
+          <p:nvPr>
+            <p:ph type="body" idx="1"/>
+          </p:nvPr>
+        </p:nvSpPr>
+        <p:spPr/>
+        <p:txBody>
+          <a:bodyPr/>
+          <a:lstStyle/>
+          <a:p>
+            <a:r>
+              <a:t>*Closing and Q&amp;A Preparation:*</a:t>
+            </a:r>
+          </a:p>
+          <a:p/>
+          <a:p>
+            <a:r>
+              <a:t>**Closing Statement:**</a:t>
+            </a:r>
+          </a:p>
+          <a:p>
+            <a:r>
+              <a:t>"Thank you for your partnership throughout this project. We've successfully transformed cloud adoption from fragmented, ungoverned projects into a secure, automated platform. The landing zone is exceeding our targets, the team is trained and self-sufficient, and you're ready to scale to support the entire organization.</a:t>
+            </a:r>
+          </a:p>
+          <a:p/>
+          <a:p>
+            <a:r>
+              <a:t>I want to open the floor for questions. We have [time] remaining."</a:t>
+            </a:r>
+          </a:p>
+          <a:p/>
+          <a:p>
+            <a:r>
+              <a:t>**Anticipated Questions and Prepared Answers:**</a:t>
+            </a:r>
+          </a:p>
+          <a:p/>
+          <a:p>
+            <a:r>
+              <a:t>*Q: How do we add new application teams?*</a:t>
+            </a:r>
+          </a:p>
+          <a:p>
+            <a:r>
+              <a:t>A: The Cloud Foundation Toolkit modules make this straightforward. Platform admins can provision new projects in 45 minutes using Terraform. The runbook documents the complete workflow. For new teams, allow 1-2 days for IAM setup and training.</a:t>
+            </a:r>
+          </a:p>
+          <a:p/>
+          <a:p>
+            <a:r>
+              <a:t>*Q: What if we need to change organization policies?*</a:t>
+            </a:r>
+          </a:p>
+          <a:p>
+            <a:r>
+              <a:t>A: Organization policy changes should go through the security team for review. The exception workflow is documented in the runbook. Changes are made via Terraform with peer review required. Test in non-prod folder first.</a:t>
+            </a:r>
+          </a:p>
+          <a:p/>
+          <a:p>
+            <a:r>
+              <a:t>*Q: What are the ongoing GCP costs?*</a:t>
+            </a:r>
+          </a:p>
+          <a:p>
+            <a:r>
+              <a:t>A: Current run rate is approximately $4,200/month:</a:t>
+            </a:r>
+          </a:p>
+          <a:p>
+            <a:r>
+              <a:t>- Shared VPC and Cloud NAT: $420/month</a:t>
+            </a:r>
+          </a:p>
+          <a:p>
+            <a:r>
+              <a:t>- Dedicated Interconnect: $2,400/month</a:t>
+            </a:r>
+          </a:p>
+          <a:p>
+            <a:r>
+              <a:t>- Cloud Logging and Monitoring: $460/month</a:t>
+            </a:r>
+          </a:p>
+          <a:p>
+            <a:r>
+              <a:t>- Other services: $920/month</a:t>
+            </a:r>
+          </a:p>
+          <a:p>
+            <a:r>
+              <a:t>Costs scale with projects and logging volume.</a:t>
+            </a:r>
+          </a:p>
+          <a:p/>
+          <a:p>
+            <a:r>
+              <a:t>*Q: How do we handle Interconnect issues?*</a:t>
+            </a:r>
+          </a:p>
+          <a:p>
+            <a:r>
+              <a:t>A: For Interconnect issues, check the runbook first. Common issues are BGP session flaps (usually ISP-side). Open a case with Google Cloud Support for persistent issues. The 4 VLAN attachments provide redundancy during troubleshooting.</a:t>
+            </a:r>
+          </a:p>
+          <a:p/>
+          <a:p>
+            <a:r>
+              <a:t>*Q: When should we start Phase 2?*</a:t>
+            </a:r>
+          </a:p>
+          <a:p>
+            <a:r>
+              <a:t>A: I recommend waiting 60-90 days to:</a:t>
+            </a:r>
+          </a:p>
+          <a:p>
+            <a:r>
+              <a:t>1. Establish stable operational patterns</a:t>
+            </a:r>
+          </a:p>
+          <a:p>
+            <a:r>
+              <a:t>2. Complete all 5 initial teams' onboarding</a:t>
+            </a:r>
+          </a:p>
+          <a:p>
+            <a:r>
+              <a:t>3. Gather usage data for capacity planning</a:t>
+            </a:r>
+          </a:p>
+          <a:p>
+            <a:r>
+              <a:t>4. Build internal team confidence</a:t>
+            </a:r>
+          </a:p>
+          <a:p>
+            <a:r>
+              <a:t>Then schedule Phase 2 planning workshop.</a:t>
+            </a:r>
+          </a:p>
+          <a:p/>
+          <a:p>
+            <a:r>
+              <a:t>**Follow-Up Commitments:**</a:t>
+            </a:r>
+          </a:p>
+          <a:p>
+            <a:r>
+              <a:t>- [ ] Send final presentation deck to all attendees</a:t>
+            </a:r>
+          </a:p>
+          <a:p>
+            <a:r>
+              <a:t>- [ ] Distribute project summary one-pager</a:t>
+            </a:r>
+          </a:p>
+          <a:p>
+            <a:r>
+              <a:t>- [ ] Schedule 30-day performance review meeting</a:t>
+            </a:r>
+          </a:p>
+          <a:p>
+            <a:r>
+              <a:t>- [ ] Send Phase 2 scope and estimate template</a:t>
+            </a:r>
+          </a:p>
+          <a:p>
+            <a:r>
+              <a:t>- [ ] Provide vendor support contract options (if requested)</a:t>
+            </a:r>
+          </a:p>
+          <a:p/>
+          <a:p>
+            <a:r>
+              <a:t>**Final Closing:**</a:t>
+            </a:r>
+          </a:p>
+          <a:p>
+            <a:r>
+              <a:t>"Thank you again for your trust in our team. This landing zone provides the secure foundation for your digital transformation. We look forward to supporting Phase 2 expansion.</a:t>
+            </a:r>
+          </a:p>
+          <a:p/>
+          <a:p>
+            <a:r>
+              <a:t>Please reach out to me or [Account Manager] if any questions come up. Have a great [rest of your day/afternoon]."</a:t>
+            </a:r>
+          </a:p>
+        </p:txBody>
+      </p:sp>
+    </p:spTree>
+  </p:cSld>
+  <p:clrMapOvr>
+    <a:masterClrMapping/>
+  </p:clrMapOvr>
+</p:notes>
+</file>
+
 <file path=ppt/slideLayouts/slideLayout1.xml><?xml version="1.0" encoding="utf-8"?>
 <p:sldLayout xmlns:a="http://schemas.openxmlformats.org/drawingml/2006/main" xmlns:r="http://schemas.openxmlformats.org/officeDocument/2006/relationships" xmlns:p="http://schemas.openxmlformats.org/presentationml/2006/main" preserve="1" userDrawn="1">
   <p:cSld name="EO Title Slide">
@@ -658,6 +3477,39 @@
       </p:grpSpPr>
       <p:sp>
         <p:nvSpPr>
+          <p:cNvPr id="12" name="Picture Placeholder 13">
+            <a:extLst>
+              <a:ext uri="{FF2B5EF4-FFF2-40B4-BE49-F238E27FC236}">
+                <a16:creationId xmlns:a16="http://schemas.microsoft.com/office/drawing/2014/main" id="{2DB97592-C4D5-B315-7F11-AA14F6EE8A62}"/>
+              </a:ext>
+            </a:extLst>
+          </p:cNvPr>
+          <p:cNvSpPr>
+            <a:spLocks noGrp="1"/>
+          </p:cNvSpPr>
+          <p:nvPr>
+            <p:ph type="pic" sz="quarter" idx="13"/>
+          </p:nvPr>
+        </p:nvSpPr>
+        <p:spPr>
+          <a:xfrm>
+            <a:off x="313593" y="4536078"/>
+            <a:ext cx="2143858" cy="529698"/>
+          </a:xfrm>
+          <a:prstGeom prst="rect">
+            <a:avLst/>
+          </a:prstGeom>
+        </p:spPr>
+        <p:txBody>
+          <a:bodyPr/>
+          <a:lstStyle/>
+          <a:p>
+            <a:endParaRPr lang="en-US" dirty="0"/>
+          </a:p>
+        </p:txBody>
+      </p:sp>
+      <p:sp>
+        <p:nvSpPr>
           <p:cNvPr id="3" name="Shape 1">
             <a:extLst>
               <a:ext uri="{FF2B5EF4-FFF2-40B4-BE49-F238E27FC236}">
@@ -752,69 +3604,6 @@
       </p:sp>
       <p:sp>
         <p:nvSpPr>
-          <p:cNvPr id="12" name="Picture Placeholder 13">
-            <a:extLst>
-              <a:ext uri="{FF2B5EF4-FFF2-40B4-BE49-F238E27FC236}">
-                <a16:creationId xmlns:a16="http://schemas.microsoft.com/office/drawing/2014/main" id="{2DB97592-C4D5-B315-7F11-AA14F6EE8A62}"/>
-              </a:ext>
-            </a:extLst>
-          </p:cNvPr>
-          <p:cNvSpPr>
-            <a:spLocks noGrp="1"/>
-          </p:cNvSpPr>
-          <p:nvPr>
-            <p:ph type="pic" sz="quarter" idx="13"/>
-          </p:nvPr>
-        </p:nvSpPr>
-        <p:spPr>
-          <a:xfrm>
-            <a:off x="313593" y="4536078"/>
-            <a:ext cx="2143858" cy="529698"/>
-          </a:xfrm>
-          <a:prstGeom prst="rect">
-            <a:avLst/>
-          </a:prstGeom>
-        </p:spPr>
-        <p:txBody>
-          <a:bodyPr/>
-          <a:lstStyle/>
-          <a:p>
-            <a:endParaRPr lang="en-US" dirty="0"/>
-          </a:p>
-        </p:txBody>
-      </p:sp>
-      <p:pic>
-        <p:nvPicPr>
-          <p:cNvPr id="13" name="Image 0" descr="/home/claude/eo-framework-logo.png">
-            <a:extLst>
-              <a:ext uri="{FF2B5EF4-FFF2-40B4-BE49-F238E27FC236}">
-                <a16:creationId xmlns:a16="http://schemas.microsoft.com/office/drawing/2014/main" id="{25116040-BB88-891D-9118-628A78E99872}"/>
-              </a:ext>
-            </a:extLst>
-          </p:cNvPr>
-          <p:cNvPicPr>
-            <a:picLocks noChangeAspect="1"/>
-          </p:cNvPicPr>
-          <p:nvPr userDrawn="1"/>
-        </p:nvPicPr>
-        <p:blipFill>
-          <a:blip r:embed="rId2"/>
-          <a:stretch>
-            <a:fillRect/>
-          </a:stretch>
-        </p:blipFill>
-        <p:spPr>
-          <a:xfrm>
-            <a:off x="6945879" y="4648200"/>
-            <a:ext cx="1952244" cy="417576"/>
-          </a:xfrm>
-          <a:prstGeom prst="rect">
-            <a:avLst/>
-          </a:prstGeom>
-        </p:spPr>
-      </p:pic>
-      <p:sp>
-        <p:nvSpPr>
           <p:cNvPr id="4" name="Text Placeholder 3">
             <a:extLst>
               <a:ext uri="{FF2B5EF4-FFF2-40B4-BE49-F238E27FC236}">
@@ -842,7 +3631,7 @@
           <a:bodyPr/>
           <a:lstStyle>
             <a:lvl1pPr>
-              <a:defRPr sz="2000" baseline="0">
+              <a:defRPr sz="2000" b="1" baseline="0">
                 <a:solidFill>
                   <a:srgbClr val="C00000"/>
                 </a:solidFill>
@@ -888,6 +3677,48 @@
             <a:r>
               <a:rPr lang="en-US" dirty="0"/>
               <a:t>Fourth level</a:t>
+            </a:r>
+          </a:p>
+        </p:txBody>
+      </p:sp>
+      <p:sp>
+        <p:nvSpPr>
+          <p:cNvPr id="5" name="Text Placeholder 4">
+            <a:extLst>
+              <a:ext uri="{FF2B5EF4-FFF2-40B4-BE49-F238E27FC236}">
+                <a16:creationId xmlns:a16="http://schemas.microsoft.com/office/drawing/2014/main" id="{57F71806-AFEA-DD6D-E6AA-E2A002E682DE}"/>
+              </a:ext>
+            </a:extLst>
+          </p:cNvPr>
+          <p:cNvSpPr>
+            <a:spLocks noGrp="1"/>
+          </p:cNvSpPr>
+          <p:nvPr>
+            <p:ph type="body" sz="quarter" idx="15" hasCustomPrompt="1"/>
+          </p:nvPr>
+        </p:nvSpPr>
+        <p:spPr>
+          <a:xfrm>
+            <a:off x="5627076" y="4738688"/>
+            <a:ext cx="3218473" cy="238125"/>
+          </a:xfrm>
+          <a:prstGeom prst="rect">
+            <a:avLst/>
+          </a:prstGeom>
+        </p:spPr>
+        <p:txBody>
+          <a:bodyPr/>
+          <a:lstStyle>
+            <a:lvl5pPr algn="r">
+              <a:buNone/>
+              <a:defRPr sz="1100"/>
+            </a:lvl5pPr>
+          </a:lstStyle>
+          <a:p>
+            <a:pPr lvl="4"/>
+            <a:r>
+              <a:rPr lang="en-US" dirty="0"/>
+              <a:t>Project Name</a:t>
             </a:r>
           </a:p>
         </p:txBody>
@@ -922,6 +3753,39 @@
           <a:chExt cx="0" cy="0"/>
         </a:xfrm>
       </p:grpSpPr>
+      <p:sp>
+        <p:nvSpPr>
+          <p:cNvPr id="12" name="Picture Placeholder 13">
+            <a:extLst>
+              <a:ext uri="{FF2B5EF4-FFF2-40B4-BE49-F238E27FC236}">
+                <a16:creationId xmlns:a16="http://schemas.microsoft.com/office/drawing/2014/main" id="{2DB97592-C4D5-B315-7F11-AA14F6EE8A62}"/>
+              </a:ext>
+            </a:extLst>
+          </p:cNvPr>
+          <p:cNvSpPr>
+            <a:spLocks noGrp="1"/>
+          </p:cNvSpPr>
+          <p:nvPr>
+            <p:ph type="pic" sz="quarter" idx="13"/>
+          </p:nvPr>
+        </p:nvSpPr>
+        <p:spPr>
+          <a:xfrm>
+            <a:off x="313593" y="4536078"/>
+            <a:ext cx="2143858" cy="529698"/>
+          </a:xfrm>
+          <a:prstGeom prst="rect">
+            <a:avLst/>
+          </a:prstGeom>
+        </p:spPr>
+        <p:txBody>
+          <a:bodyPr/>
+          <a:lstStyle/>
+          <a:p>
+            <a:endParaRPr lang="en-US" dirty="0"/>
+          </a:p>
+        </p:txBody>
+      </p:sp>
       <p:sp>
         <p:nvSpPr>
           <p:cNvPr id="3" name="Shape 1">
@@ -1018,69 +3882,6 @@
       </p:sp>
       <p:sp>
         <p:nvSpPr>
-          <p:cNvPr id="12" name="Picture Placeholder 13">
-            <a:extLst>
-              <a:ext uri="{FF2B5EF4-FFF2-40B4-BE49-F238E27FC236}">
-                <a16:creationId xmlns:a16="http://schemas.microsoft.com/office/drawing/2014/main" id="{2DB97592-C4D5-B315-7F11-AA14F6EE8A62}"/>
-              </a:ext>
-            </a:extLst>
-          </p:cNvPr>
-          <p:cNvSpPr>
-            <a:spLocks noGrp="1"/>
-          </p:cNvSpPr>
-          <p:nvPr>
-            <p:ph type="pic" sz="quarter" idx="13"/>
-          </p:nvPr>
-        </p:nvSpPr>
-        <p:spPr>
-          <a:xfrm>
-            <a:off x="313593" y="4536078"/>
-            <a:ext cx="2143858" cy="529698"/>
-          </a:xfrm>
-          <a:prstGeom prst="rect">
-            <a:avLst/>
-          </a:prstGeom>
-        </p:spPr>
-        <p:txBody>
-          <a:bodyPr/>
-          <a:lstStyle/>
-          <a:p>
-            <a:endParaRPr lang="en-US" dirty="0"/>
-          </a:p>
-        </p:txBody>
-      </p:sp>
-      <p:pic>
-        <p:nvPicPr>
-          <p:cNvPr id="13" name="Image 0" descr="/home/claude/eo-framework-logo.png">
-            <a:extLst>
-              <a:ext uri="{FF2B5EF4-FFF2-40B4-BE49-F238E27FC236}">
-                <a16:creationId xmlns:a16="http://schemas.microsoft.com/office/drawing/2014/main" id="{25116040-BB88-891D-9118-628A78E99872}"/>
-              </a:ext>
-            </a:extLst>
-          </p:cNvPr>
-          <p:cNvPicPr>
-            <a:picLocks noChangeAspect="1"/>
-          </p:cNvPicPr>
-          <p:nvPr userDrawn="1"/>
-        </p:nvPicPr>
-        <p:blipFill>
-          <a:blip r:embed="rId2"/>
-          <a:stretch>
-            <a:fillRect/>
-          </a:stretch>
-        </p:blipFill>
-        <p:spPr>
-          <a:xfrm>
-            <a:off x="6945879" y="4648200"/>
-            <a:ext cx="1952244" cy="417576"/>
-          </a:xfrm>
-          <a:prstGeom prst="rect">
-            <a:avLst/>
-          </a:prstGeom>
-        </p:spPr>
-      </p:pic>
-      <p:sp>
-        <p:nvSpPr>
           <p:cNvPr id="4" name="Text Placeholder 3">
             <a:extLst>
               <a:ext uri="{FF2B5EF4-FFF2-40B4-BE49-F238E27FC236}">
@@ -1144,6 +3945,48 @@
           </a:p>
         </p:txBody>
       </p:sp>
+      <p:sp>
+        <p:nvSpPr>
+          <p:cNvPr id="5" name="Text Placeholder 4">
+            <a:extLst>
+              <a:ext uri="{FF2B5EF4-FFF2-40B4-BE49-F238E27FC236}">
+                <a16:creationId xmlns:a16="http://schemas.microsoft.com/office/drawing/2014/main" id="{162079A5-28FD-9D2F-2B9B-2FC8F9339A31}"/>
+              </a:ext>
+            </a:extLst>
+          </p:cNvPr>
+          <p:cNvSpPr>
+            <a:spLocks noGrp="1"/>
+          </p:cNvSpPr>
+          <p:nvPr>
+            <p:ph type="body" sz="quarter" idx="15" hasCustomPrompt="1"/>
+          </p:nvPr>
+        </p:nvSpPr>
+        <p:spPr>
+          <a:xfrm>
+            <a:off x="5627076" y="4738688"/>
+            <a:ext cx="3218473" cy="238125"/>
+          </a:xfrm>
+          <a:prstGeom prst="rect">
+            <a:avLst/>
+          </a:prstGeom>
+        </p:spPr>
+        <p:txBody>
+          <a:bodyPr/>
+          <a:lstStyle>
+            <a:lvl5pPr algn="r">
+              <a:buNone/>
+              <a:defRPr sz="1100"/>
+            </a:lvl5pPr>
+          </a:lstStyle>
+          <a:p>
+            <a:pPr lvl="4"/>
+            <a:r>
+              <a:rPr lang="en-US" dirty="0"/>
+              <a:t>Project Name</a:t>
+            </a:r>
+          </a:p>
+        </p:txBody>
+      </p:sp>
     </p:spTree>
     <p:extLst>
       <p:ext uri="{BB962C8B-B14F-4D97-AF65-F5344CB8AC3E}">
@@ -1174,6 +4017,39 @@
           <a:chExt cx="0" cy="0"/>
         </a:xfrm>
       </p:grpSpPr>
+      <p:sp>
+        <p:nvSpPr>
+          <p:cNvPr id="10" name="Picture Placeholder 13">
+            <a:extLst>
+              <a:ext uri="{FF2B5EF4-FFF2-40B4-BE49-F238E27FC236}">
+                <a16:creationId xmlns:a16="http://schemas.microsoft.com/office/drawing/2014/main" id="{6A0FA445-7602-F06E-EC73-5504EBF827CC}"/>
+              </a:ext>
+            </a:extLst>
+          </p:cNvPr>
+          <p:cNvSpPr>
+            <a:spLocks noGrp="1"/>
+          </p:cNvSpPr>
+          <p:nvPr>
+            <p:ph type="pic" sz="quarter" idx="14"/>
+          </p:nvPr>
+        </p:nvSpPr>
+        <p:spPr>
+          <a:xfrm>
+            <a:off x="313592" y="4536078"/>
+            <a:ext cx="2121877" cy="529698"/>
+          </a:xfrm>
+          <a:prstGeom prst="rect">
+            <a:avLst/>
+          </a:prstGeom>
+        </p:spPr>
+        <p:txBody>
+          <a:bodyPr/>
+          <a:lstStyle/>
+          <a:p>
+            <a:endParaRPr lang="en-US" dirty="0"/>
+          </a:p>
+        </p:txBody>
+      </p:sp>
       <p:sp>
         <p:nvSpPr>
           <p:cNvPr id="3" name="Shape 1">
@@ -1268,69 +4144,6 @@
           </a:p>
         </p:txBody>
       </p:sp>
-      <p:pic>
-        <p:nvPicPr>
-          <p:cNvPr id="8" name="Image 0" descr="/home/claude/eo-framework-logo.png">
-            <a:extLst>
-              <a:ext uri="{FF2B5EF4-FFF2-40B4-BE49-F238E27FC236}">
-                <a16:creationId xmlns:a16="http://schemas.microsoft.com/office/drawing/2014/main" id="{4B7035C6-0EF1-6BD3-318E-553D1AAD6709}"/>
-              </a:ext>
-            </a:extLst>
-          </p:cNvPr>
-          <p:cNvPicPr>
-            <a:picLocks noChangeAspect="1"/>
-          </p:cNvPicPr>
-          <p:nvPr userDrawn="1"/>
-        </p:nvPicPr>
-        <p:blipFill>
-          <a:blip r:embed="rId2"/>
-          <a:stretch>
-            <a:fillRect/>
-          </a:stretch>
-        </p:blipFill>
-        <p:spPr>
-          <a:xfrm>
-            <a:off x="6945879" y="4648200"/>
-            <a:ext cx="1952244" cy="417576"/>
-          </a:xfrm>
-          <a:prstGeom prst="rect">
-            <a:avLst/>
-          </a:prstGeom>
-        </p:spPr>
-      </p:pic>
-      <p:sp>
-        <p:nvSpPr>
-          <p:cNvPr id="10" name="Picture Placeholder 13">
-            <a:extLst>
-              <a:ext uri="{FF2B5EF4-FFF2-40B4-BE49-F238E27FC236}">
-                <a16:creationId xmlns:a16="http://schemas.microsoft.com/office/drawing/2014/main" id="{6A0FA445-7602-F06E-EC73-5504EBF827CC}"/>
-              </a:ext>
-            </a:extLst>
-          </p:cNvPr>
-          <p:cNvSpPr>
-            <a:spLocks noGrp="1"/>
-          </p:cNvSpPr>
-          <p:nvPr>
-            <p:ph type="pic" sz="quarter" idx="14"/>
-          </p:nvPr>
-        </p:nvSpPr>
-        <p:spPr>
-          <a:xfrm>
-            <a:off x="313592" y="4536078"/>
-            <a:ext cx="2121877" cy="529698"/>
-          </a:xfrm>
-          <a:prstGeom prst="rect">
-            <a:avLst/>
-          </a:prstGeom>
-        </p:spPr>
-        <p:txBody>
-          <a:bodyPr/>
-          <a:lstStyle/>
-          <a:p>
-            <a:endParaRPr lang="en-US" dirty="0"/>
-          </a:p>
-        </p:txBody>
-      </p:sp>
       <p:sp>
         <p:nvSpPr>
           <p:cNvPr id="6" name="Text Placeholder 5">
@@ -1350,7 +4163,7 @@
         <p:spPr>
           <a:xfrm>
             <a:off x="193675" y="678433"/>
-            <a:ext cx="4462463" cy="3785515"/>
+            <a:ext cx="4431079" cy="3785515"/>
           </a:xfrm>
           <a:prstGeom prst="rect">
             <a:avLst/>
@@ -1360,7 +4173,7 @@
           <a:bodyPr/>
           <a:lstStyle>
             <a:lvl1pPr>
-              <a:defRPr sz="1800">
+              <a:defRPr sz="1800" b="1">
                 <a:solidFill>
                   <a:srgbClr val="C00000"/>
                 </a:solidFill>
@@ -1434,8 +4247,8 @@
         </p:nvSpPr>
         <p:spPr>
           <a:xfrm>
-            <a:off x="4840288" y="678433"/>
-            <a:ext cx="4110037" cy="3785515"/>
+            <a:off x="4721470" y="678433"/>
+            <a:ext cx="4228856" cy="3785515"/>
           </a:xfrm>
           <a:prstGeom prst="rect">
             <a:avLst/>
@@ -1445,7 +4258,7 @@
           <a:bodyPr/>
           <a:lstStyle>
             <a:lvl1pPr>
-              <a:defRPr sz="1800">
+              <a:defRPr sz="1800" b="1">
                 <a:solidFill>
                   <a:srgbClr val="C00000"/>
                 </a:solidFill>
@@ -1497,6 +4310,48 @@
             <a:r>
               <a:rPr lang="en-US" dirty="0"/>
               <a:t>Fifth level</a:t>
+            </a:r>
+          </a:p>
+        </p:txBody>
+      </p:sp>
+      <p:sp>
+        <p:nvSpPr>
+          <p:cNvPr id="4" name="Text Placeholder 4">
+            <a:extLst>
+              <a:ext uri="{FF2B5EF4-FFF2-40B4-BE49-F238E27FC236}">
+                <a16:creationId xmlns:a16="http://schemas.microsoft.com/office/drawing/2014/main" id="{5DF49ED0-89F0-F008-ADD7-D71F338C8B9B}"/>
+              </a:ext>
+            </a:extLst>
+          </p:cNvPr>
+          <p:cNvSpPr>
+            <a:spLocks noGrp="1"/>
+          </p:cNvSpPr>
+          <p:nvPr>
+            <p:ph type="body" sz="quarter" idx="15" hasCustomPrompt="1"/>
+          </p:nvPr>
+        </p:nvSpPr>
+        <p:spPr>
+          <a:xfrm>
+            <a:off x="5697414" y="4681864"/>
+            <a:ext cx="3218473" cy="238125"/>
+          </a:xfrm>
+          <a:prstGeom prst="rect">
+            <a:avLst/>
+          </a:prstGeom>
+        </p:spPr>
+        <p:txBody>
+          <a:bodyPr/>
+          <a:lstStyle>
+            <a:lvl5pPr algn="r">
+              <a:buNone/>
+              <a:defRPr sz="1100"/>
+            </a:lvl5pPr>
+          </a:lstStyle>
+          <a:p>
+            <a:pPr lvl="4"/>
+            <a:r>
+              <a:rPr lang="en-US" dirty="0"/>
+              <a:t>Project Name</a:t>
             </a:r>
           </a:p>
         </p:txBody>
@@ -1531,6 +4386,39 @@
           <a:chExt cx="0" cy="0"/>
         </a:xfrm>
       </p:grpSpPr>
+      <p:sp>
+        <p:nvSpPr>
+          <p:cNvPr id="12" name="Picture Placeholder 13">
+            <a:extLst>
+              <a:ext uri="{FF2B5EF4-FFF2-40B4-BE49-F238E27FC236}">
+                <a16:creationId xmlns:a16="http://schemas.microsoft.com/office/drawing/2014/main" id="{2DB97592-C4D5-B315-7F11-AA14F6EE8A62}"/>
+              </a:ext>
+            </a:extLst>
+          </p:cNvPr>
+          <p:cNvSpPr>
+            <a:spLocks noGrp="1"/>
+          </p:cNvSpPr>
+          <p:nvPr>
+            <p:ph type="pic" sz="quarter" idx="13"/>
+          </p:nvPr>
+        </p:nvSpPr>
+        <p:spPr>
+          <a:xfrm>
+            <a:off x="313592" y="4536078"/>
+            <a:ext cx="2126273" cy="529698"/>
+          </a:xfrm>
+          <a:prstGeom prst="rect">
+            <a:avLst/>
+          </a:prstGeom>
+        </p:spPr>
+        <p:txBody>
+          <a:bodyPr/>
+          <a:lstStyle/>
+          <a:p>
+            <a:endParaRPr lang="en-US" dirty="0"/>
+          </a:p>
+        </p:txBody>
+      </p:sp>
       <p:sp>
         <p:nvSpPr>
           <p:cNvPr id="3" name="Shape 1">
@@ -1654,69 +4542,6 @@
       </p:sp>
       <p:sp>
         <p:nvSpPr>
-          <p:cNvPr id="12" name="Picture Placeholder 13">
-            <a:extLst>
-              <a:ext uri="{FF2B5EF4-FFF2-40B4-BE49-F238E27FC236}">
-                <a16:creationId xmlns:a16="http://schemas.microsoft.com/office/drawing/2014/main" id="{2DB97592-C4D5-B315-7F11-AA14F6EE8A62}"/>
-              </a:ext>
-            </a:extLst>
-          </p:cNvPr>
-          <p:cNvSpPr>
-            <a:spLocks noGrp="1"/>
-          </p:cNvSpPr>
-          <p:nvPr>
-            <p:ph type="pic" sz="quarter" idx="13"/>
-          </p:nvPr>
-        </p:nvSpPr>
-        <p:spPr>
-          <a:xfrm>
-            <a:off x="313592" y="4536078"/>
-            <a:ext cx="2126273" cy="529698"/>
-          </a:xfrm>
-          <a:prstGeom prst="rect">
-            <a:avLst/>
-          </a:prstGeom>
-        </p:spPr>
-        <p:txBody>
-          <a:bodyPr/>
-          <a:lstStyle/>
-          <a:p>
-            <a:endParaRPr lang="en-US" dirty="0"/>
-          </a:p>
-        </p:txBody>
-      </p:sp>
-      <p:pic>
-        <p:nvPicPr>
-          <p:cNvPr id="13" name="Image 0" descr="/home/claude/eo-framework-logo.png">
-            <a:extLst>
-              <a:ext uri="{FF2B5EF4-FFF2-40B4-BE49-F238E27FC236}">
-                <a16:creationId xmlns:a16="http://schemas.microsoft.com/office/drawing/2014/main" id="{25116040-BB88-891D-9118-628A78E99872}"/>
-              </a:ext>
-            </a:extLst>
-          </p:cNvPr>
-          <p:cNvPicPr>
-            <a:picLocks noChangeAspect="1"/>
-          </p:cNvPicPr>
-          <p:nvPr userDrawn="1"/>
-        </p:nvPicPr>
-        <p:blipFill>
-          <a:blip r:embed="rId2"/>
-          <a:stretch>
-            <a:fillRect/>
-          </a:stretch>
-        </p:blipFill>
-        <p:spPr>
-          <a:xfrm>
-            <a:off x="6945879" y="4648200"/>
-            <a:ext cx="1952244" cy="417576"/>
-          </a:xfrm>
-          <a:prstGeom prst="rect">
-            <a:avLst/>
-          </a:prstGeom>
-        </p:spPr>
-      </p:pic>
-      <p:sp>
-        <p:nvSpPr>
           <p:cNvPr id="5" name="Table Placeholder 4">
             <a:extLst>
               <a:ext uri="{FF2B5EF4-FFF2-40B4-BE49-F238E27FC236}">
@@ -1745,6 +4570,48 @@
           <a:lstStyle/>
           <a:p>
             <a:endParaRPr lang="en-US"/>
+          </a:p>
+        </p:txBody>
+      </p:sp>
+      <p:sp>
+        <p:nvSpPr>
+          <p:cNvPr id="4" name="Text Placeholder 4">
+            <a:extLst>
+              <a:ext uri="{FF2B5EF4-FFF2-40B4-BE49-F238E27FC236}">
+                <a16:creationId xmlns:a16="http://schemas.microsoft.com/office/drawing/2014/main" id="{A00DC936-676C-1BAA-B4B4-D45CC5951D6E}"/>
+              </a:ext>
+            </a:extLst>
+          </p:cNvPr>
+          <p:cNvSpPr>
+            <a:spLocks noGrp="1"/>
+          </p:cNvSpPr>
+          <p:nvPr>
+            <p:ph type="body" sz="quarter" idx="15" hasCustomPrompt="1"/>
+          </p:nvPr>
+        </p:nvSpPr>
+        <p:spPr>
+          <a:xfrm>
+            <a:off x="5749315" y="4681864"/>
+            <a:ext cx="3218473" cy="238125"/>
+          </a:xfrm>
+          <a:prstGeom prst="rect">
+            <a:avLst/>
+          </a:prstGeom>
+        </p:spPr>
+        <p:txBody>
+          <a:bodyPr/>
+          <a:lstStyle>
+            <a:lvl5pPr algn="r">
+              <a:buNone/>
+              <a:defRPr sz="1100"/>
+            </a:lvl5pPr>
+          </a:lstStyle>
+          <a:p>
+            <a:pPr lvl="4"/>
+            <a:r>
+              <a:rPr lang="en-US" dirty="0"/>
+              <a:t>Project Name</a:t>
+            </a:r>
           </a:p>
         </p:txBody>
       </p:sp>
@@ -1778,6 +4645,39 @@
           <a:chExt cx="0" cy="0"/>
         </a:xfrm>
       </p:grpSpPr>
+      <p:sp>
+        <p:nvSpPr>
+          <p:cNvPr id="10" name="Picture Placeholder 13">
+            <a:extLst>
+              <a:ext uri="{FF2B5EF4-FFF2-40B4-BE49-F238E27FC236}">
+                <a16:creationId xmlns:a16="http://schemas.microsoft.com/office/drawing/2014/main" id="{6A0FA445-7602-F06E-EC73-5504EBF827CC}"/>
+              </a:ext>
+            </a:extLst>
+          </p:cNvPr>
+          <p:cNvSpPr>
+            <a:spLocks noGrp="1"/>
+          </p:cNvSpPr>
+          <p:nvPr>
+            <p:ph type="pic" sz="quarter" idx="14"/>
+          </p:nvPr>
+        </p:nvSpPr>
+        <p:spPr>
+          <a:xfrm>
+            <a:off x="313592" y="4536078"/>
+            <a:ext cx="2130670" cy="529698"/>
+          </a:xfrm>
+          <a:prstGeom prst="rect">
+            <a:avLst/>
+          </a:prstGeom>
+        </p:spPr>
+        <p:txBody>
+          <a:bodyPr/>
+          <a:lstStyle/>
+          <a:p>
+            <a:endParaRPr lang="en-US" dirty="0"/>
+          </a:p>
+        </p:txBody>
+      </p:sp>
       <p:sp>
         <p:nvSpPr>
           <p:cNvPr id="3" name="Shape 1">
@@ -1872,69 +4772,6 @@
           </a:p>
         </p:txBody>
       </p:sp>
-      <p:pic>
-        <p:nvPicPr>
-          <p:cNvPr id="8" name="Image 0" descr="/home/claude/eo-framework-logo.png">
-            <a:extLst>
-              <a:ext uri="{FF2B5EF4-FFF2-40B4-BE49-F238E27FC236}">
-                <a16:creationId xmlns:a16="http://schemas.microsoft.com/office/drawing/2014/main" id="{4B7035C6-0EF1-6BD3-318E-553D1AAD6709}"/>
-              </a:ext>
-            </a:extLst>
-          </p:cNvPr>
-          <p:cNvPicPr>
-            <a:picLocks noChangeAspect="1"/>
-          </p:cNvPicPr>
-          <p:nvPr userDrawn="1"/>
-        </p:nvPicPr>
-        <p:blipFill>
-          <a:blip r:embed="rId2"/>
-          <a:stretch>
-            <a:fillRect/>
-          </a:stretch>
-        </p:blipFill>
-        <p:spPr>
-          <a:xfrm>
-            <a:off x="6945879" y="4648200"/>
-            <a:ext cx="1952244" cy="417576"/>
-          </a:xfrm>
-          <a:prstGeom prst="rect">
-            <a:avLst/>
-          </a:prstGeom>
-        </p:spPr>
-      </p:pic>
-      <p:sp>
-        <p:nvSpPr>
-          <p:cNvPr id="10" name="Picture Placeholder 13">
-            <a:extLst>
-              <a:ext uri="{FF2B5EF4-FFF2-40B4-BE49-F238E27FC236}">
-                <a16:creationId xmlns:a16="http://schemas.microsoft.com/office/drawing/2014/main" id="{6A0FA445-7602-F06E-EC73-5504EBF827CC}"/>
-              </a:ext>
-            </a:extLst>
-          </p:cNvPr>
-          <p:cNvSpPr>
-            <a:spLocks noGrp="1"/>
-          </p:cNvSpPr>
-          <p:nvPr>
-            <p:ph type="pic" sz="quarter" idx="14"/>
-          </p:nvPr>
-        </p:nvSpPr>
-        <p:spPr>
-          <a:xfrm>
-            <a:off x="313592" y="4536078"/>
-            <a:ext cx="2130670" cy="529698"/>
-          </a:xfrm>
-          <a:prstGeom prst="rect">
-            <a:avLst/>
-          </a:prstGeom>
-        </p:spPr>
-        <p:txBody>
-          <a:bodyPr/>
-          <a:lstStyle/>
-          <a:p>
-            <a:endParaRPr lang="en-US" dirty="0"/>
-          </a:p>
-        </p:txBody>
-      </p:sp>
       <p:sp>
         <p:nvSpPr>
           <p:cNvPr id="6" name="Picture Placeholder 5">
@@ -1997,7 +4834,7 @@
           <a:bodyPr/>
           <a:lstStyle>
             <a:lvl1pPr>
-              <a:defRPr sz="1800">
+              <a:defRPr sz="1800" b="1">
                 <a:solidFill>
                   <a:srgbClr val="C00000"/>
                 </a:solidFill>
@@ -2049,6 +4886,48 @@
             <a:r>
               <a:rPr lang="en-US" dirty="0"/>
               <a:t>Fifth level</a:t>
+            </a:r>
+          </a:p>
+        </p:txBody>
+      </p:sp>
+      <p:sp>
+        <p:nvSpPr>
+          <p:cNvPr id="2" name="Text Placeholder 4">
+            <a:extLst>
+              <a:ext uri="{FF2B5EF4-FFF2-40B4-BE49-F238E27FC236}">
+                <a16:creationId xmlns:a16="http://schemas.microsoft.com/office/drawing/2014/main" id="{6D03683B-7C4B-D474-74C5-EC53E3BB515B}"/>
+              </a:ext>
+            </a:extLst>
+          </p:cNvPr>
+          <p:cNvSpPr>
+            <a:spLocks noGrp="1"/>
+          </p:cNvSpPr>
+          <p:nvPr>
+            <p:ph type="body" sz="quarter" idx="17" hasCustomPrompt="1"/>
+          </p:nvPr>
+        </p:nvSpPr>
+        <p:spPr>
+          <a:xfrm>
+            <a:off x="5781065" y="4729530"/>
+            <a:ext cx="3218473" cy="238125"/>
+          </a:xfrm>
+          <a:prstGeom prst="rect">
+            <a:avLst/>
+          </a:prstGeom>
+        </p:spPr>
+        <p:txBody>
+          <a:bodyPr/>
+          <a:lstStyle>
+            <a:lvl5pPr algn="r">
+              <a:buNone/>
+              <a:defRPr sz="1100"/>
+            </a:lvl5pPr>
+          </a:lstStyle>
+          <a:p>
+            <a:pPr lvl="4"/>
+            <a:r>
+              <a:rPr lang="en-US" dirty="0"/>
+              <a:t>Project Name</a:t>
             </a:r>
           </a:p>
         </p:txBody>
@@ -2083,6 +4962,39 @@
           <a:chExt cx="0" cy="0"/>
         </a:xfrm>
       </p:grpSpPr>
+      <p:sp>
+        <p:nvSpPr>
+          <p:cNvPr id="10" name="Picture Placeholder 13">
+            <a:extLst>
+              <a:ext uri="{FF2B5EF4-FFF2-40B4-BE49-F238E27FC236}">
+                <a16:creationId xmlns:a16="http://schemas.microsoft.com/office/drawing/2014/main" id="{6A0FA445-7602-F06E-EC73-5504EBF827CC}"/>
+              </a:ext>
+            </a:extLst>
+          </p:cNvPr>
+          <p:cNvSpPr>
+            <a:spLocks noGrp="1"/>
+          </p:cNvSpPr>
+          <p:nvPr>
+            <p:ph type="pic" sz="quarter" idx="14"/>
+          </p:nvPr>
+        </p:nvSpPr>
+        <p:spPr>
+          <a:xfrm>
+            <a:off x="313592" y="4536078"/>
+            <a:ext cx="2104294" cy="529698"/>
+          </a:xfrm>
+          <a:prstGeom prst="rect">
+            <a:avLst/>
+          </a:prstGeom>
+        </p:spPr>
+        <p:txBody>
+          <a:bodyPr/>
+          <a:lstStyle/>
+          <a:p>
+            <a:endParaRPr lang="en-US" dirty="0"/>
+          </a:p>
+        </p:txBody>
+      </p:sp>
       <p:sp>
         <p:nvSpPr>
           <p:cNvPr id="3" name="Shape 1">
@@ -2177,69 +5089,6 @@
           </a:p>
         </p:txBody>
       </p:sp>
-      <p:pic>
-        <p:nvPicPr>
-          <p:cNvPr id="8" name="Image 0" descr="/home/claude/eo-framework-logo.png">
-            <a:extLst>
-              <a:ext uri="{FF2B5EF4-FFF2-40B4-BE49-F238E27FC236}">
-                <a16:creationId xmlns:a16="http://schemas.microsoft.com/office/drawing/2014/main" id="{4B7035C6-0EF1-6BD3-318E-553D1AAD6709}"/>
-              </a:ext>
-            </a:extLst>
-          </p:cNvPr>
-          <p:cNvPicPr>
-            <a:picLocks noChangeAspect="1"/>
-          </p:cNvPicPr>
-          <p:nvPr userDrawn="1"/>
-        </p:nvPicPr>
-        <p:blipFill>
-          <a:blip r:embed="rId2"/>
-          <a:stretch>
-            <a:fillRect/>
-          </a:stretch>
-        </p:blipFill>
-        <p:spPr>
-          <a:xfrm>
-            <a:off x="6945879" y="4648200"/>
-            <a:ext cx="1952244" cy="417576"/>
-          </a:xfrm>
-          <a:prstGeom prst="rect">
-            <a:avLst/>
-          </a:prstGeom>
-        </p:spPr>
-      </p:pic>
-      <p:sp>
-        <p:nvSpPr>
-          <p:cNvPr id="10" name="Picture Placeholder 13">
-            <a:extLst>
-              <a:ext uri="{FF2B5EF4-FFF2-40B4-BE49-F238E27FC236}">
-                <a16:creationId xmlns:a16="http://schemas.microsoft.com/office/drawing/2014/main" id="{6A0FA445-7602-F06E-EC73-5504EBF827CC}"/>
-              </a:ext>
-            </a:extLst>
-          </p:cNvPr>
-          <p:cNvSpPr>
-            <a:spLocks noGrp="1"/>
-          </p:cNvSpPr>
-          <p:nvPr>
-            <p:ph type="pic" sz="quarter" idx="14"/>
-          </p:nvPr>
-        </p:nvSpPr>
-        <p:spPr>
-          <a:xfrm>
-            <a:off x="313592" y="4536078"/>
-            <a:ext cx="2104294" cy="529698"/>
-          </a:xfrm>
-          <a:prstGeom prst="rect">
-            <a:avLst/>
-          </a:prstGeom>
-        </p:spPr>
-        <p:txBody>
-          <a:bodyPr/>
-          <a:lstStyle/>
-          <a:p>
-            <a:endParaRPr lang="en-US" dirty="0"/>
-          </a:p>
-        </p:txBody>
-      </p:sp>
       <p:sp>
         <p:nvSpPr>
           <p:cNvPr id="5" name="Chart Placeholder 4">
@@ -2302,7 +5151,7 @@
           <a:bodyPr/>
           <a:lstStyle>
             <a:lvl1pPr>
-              <a:defRPr sz="1800">
+              <a:defRPr sz="1800" b="1">
                 <a:solidFill>
                   <a:srgbClr val="C00000"/>
                 </a:solidFill>
@@ -2354,6 +5203,48 @@
             <a:r>
               <a:rPr lang="en-US" dirty="0"/>
               <a:t>Fifth level</a:t>
+            </a:r>
+          </a:p>
+        </p:txBody>
+      </p:sp>
+      <p:sp>
+        <p:nvSpPr>
+          <p:cNvPr id="4" name="Text Placeholder 4">
+            <a:extLst>
+              <a:ext uri="{FF2B5EF4-FFF2-40B4-BE49-F238E27FC236}">
+                <a16:creationId xmlns:a16="http://schemas.microsoft.com/office/drawing/2014/main" id="{A1231DFE-6A5A-950E-159E-9E1D3D45FD36}"/>
+              </a:ext>
+            </a:extLst>
+          </p:cNvPr>
+          <p:cNvSpPr>
+            <a:spLocks noGrp="1"/>
+          </p:cNvSpPr>
+          <p:nvPr>
+            <p:ph type="body" sz="quarter" idx="17" hasCustomPrompt="1"/>
+          </p:nvPr>
+        </p:nvSpPr>
+        <p:spPr>
+          <a:xfrm>
+            <a:off x="5679465" y="4681864"/>
+            <a:ext cx="3218473" cy="238125"/>
+          </a:xfrm>
+          <a:prstGeom prst="rect">
+            <a:avLst/>
+          </a:prstGeom>
+        </p:spPr>
+        <p:txBody>
+          <a:bodyPr/>
+          <a:lstStyle>
+            <a:lvl5pPr algn="r">
+              <a:buNone/>
+              <a:defRPr sz="900"/>
+            </a:lvl5pPr>
+          </a:lstStyle>
+          <a:p>
+            <a:pPr lvl="4"/>
+            <a:r>
+              <a:rPr lang="en-US" dirty="0"/>
+              <a:t>Project Name</a:t>
             </a:r>
           </a:p>
         </p:txBody>
@@ -3163,18 +6054,6 @@
       <p:grpSpPr/>
       <p:sp>
         <p:nvSpPr>
-          <p:cNvPr id="2" name="Picture Placeholder 1"/>
-          <p:cNvSpPr>
-            <a:spLocks noGrp="1"/>
-          </p:cNvSpPr>
-          <p:nvPr>
-            <p:ph type="pic" idx="10" sz="quarter"/>
-          </p:nvPr>
-        </p:nvSpPr>
-        <p:spPr/>
-      </p:sp>
-      <p:sp>
-        <p:nvSpPr>
           <p:cNvPr id="3" name="Text Placeholder 2"/>
           <p:cNvSpPr>
             <a:spLocks noGrp="1"/>
@@ -3189,22 +6068,10 @@
           <a:lstStyle/>
           <a:p>
             <a:r>
-              <a:t>Presentation Title</a:t>
+              <a:t>Project Closeout</a:t>
             </a:r>
           </a:p>
         </p:txBody>
-      </p:sp>
-      <p:sp>
-        <p:nvSpPr>
-          <p:cNvPr id="4" name="Picture Placeholder 3"/>
-          <p:cNvSpPr>
-            <a:spLocks noGrp="1"/>
-          </p:cNvSpPr>
-          <p:nvPr>
-            <p:ph type="pic" idx="13" sz="quarter"/>
-          </p:nvPr>
-        </p:nvSpPr>
-        <p:spPr/>
       </p:sp>
       <p:sp>
         <p:nvSpPr>
@@ -3222,7 +6089,7 @@
           <a:lstStyle/>
           <a:p>
             <a:r>
-              <a:t>Solution Name</a:t>
+              <a:t>Google Cloud Landing Zone</a:t>
             </a:r>
           </a:p>
         </p:txBody>
@@ -3243,11 +6110,83 @@
           <a:lstStyle/>
           <a:p>
             <a:r>
-              <a:t>Presenter Name | November 15, 2025</a:t>
+              <a:t>Project Manager | November 27, 2025</a:t>
             </a:r>
           </a:p>
         </p:txBody>
       </p:sp>
+      <p:pic>
+        <p:nvPicPr>
+          <p:cNvPr id="7" name="Picture 6" descr="client_logo.png"/>
+          <p:cNvPicPr>
+            <a:picLocks noChangeAspect="1"/>
+          </p:cNvPicPr>
+          <p:nvPr/>
+        </p:nvPicPr>
+        <p:blipFill>
+          <a:blip r:embed="rId2"/>
+          <a:stretch>
+            <a:fillRect/>
+          </a:stretch>
+        </p:blipFill>
+        <p:spPr>
+          <a:xfrm>
+            <a:off x="2180492" y="171206"/>
+            <a:ext cx="3978520" cy="1314694"/>
+          </a:xfrm>
+          <a:prstGeom prst="rect">
+            <a:avLst/>
+          </a:prstGeom>
+        </p:spPr>
+      </p:pic>
+      <p:pic>
+        <p:nvPicPr>
+          <p:cNvPr id="8" name="Picture 7" descr="consulting_company_logo.png"/>
+          <p:cNvPicPr>
+            <a:picLocks noChangeAspect="1"/>
+          </p:cNvPicPr>
+          <p:nvPr/>
+        </p:nvPicPr>
+        <p:blipFill>
+          <a:blip r:embed="rId3"/>
+          <a:stretch>
+            <a:fillRect/>
+          </a:stretch>
+        </p:blipFill>
+        <p:spPr>
+          <a:xfrm>
+            <a:off x="313591" y="4536078"/>
+            <a:ext cx="2099897" cy="529698"/>
+          </a:xfrm>
+          <a:prstGeom prst="rect">
+            <a:avLst/>
+          </a:prstGeom>
+        </p:spPr>
+      </p:pic>
+      <p:pic>
+        <p:nvPicPr>
+          <p:cNvPr id="9" name="Picture 8" descr="eo-framework-logo-real.png"/>
+          <p:cNvPicPr>
+            <a:picLocks noChangeAspect="1"/>
+          </p:cNvPicPr>
+          <p:nvPr/>
+        </p:nvPicPr>
+        <p:blipFill>
+          <a:blip r:embed="rId4"/>
+          <a:stretch>
+            <a:fillRect/>
+          </a:stretch>
+        </p:blipFill>
+        <p:spPr>
+          <a:xfrm>
+            <a:off x="6684264" y="4535424"/>
+            <a:ext cx="2139696" cy="530352"/>
+          </a:xfrm>
+          <a:prstGeom prst="rect">
+            <a:avLst/>
+          </a:prstGeom>
+        </p:spPr>
+      </p:pic>
     </p:spTree>
   </p:cSld>
   <p:clrMapOvr>
@@ -3268,12 +6207,12 @@
       <p:grpSpPr/>
       <p:sp>
         <p:nvSpPr>
-          <p:cNvPr id="2" name="Text Placeholder 1"/>
+          <p:cNvPr id="3" name="Text Placeholder 2"/>
           <p:cNvSpPr>
             <a:spLocks noGrp="1"/>
           </p:cNvSpPr>
           <p:nvPr>
-            <p:ph type="body" idx="10" sz="quarter"/>
+            <p:ph type="body" idx="12" sz="quarter"/>
           </p:nvPr>
         </p:nvSpPr>
         <p:spPr/>
@@ -3282,26 +6221,14 @@
           <a:lstStyle/>
           <a:p>
             <a:r>
-              <a:t>Automation and IaC</a:t>
+              <a:t>Thank You</a:t>
             </a:r>
           </a:p>
         </p:txBody>
       </p:sp>
       <p:sp>
         <p:nvSpPr>
-          <p:cNvPr id="3" name="Picture Placeholder 2"/>
-          <p:cNvSpPr>
-            <a:spLocks noGrp="1"/>
-          </p:cNvSpPr>
-          <p:nvPr>
-            <p:ph type="pic" idx="13" sz="quarter"/>
-          </p:nvPr>
-        </p:nvSpPr>
-        <p:spPr/>
-      </p:sp>
-      <p:sp>
-        <p:nvSpPr>
-          <p:cNvPr id="4" name="Text Placeholder 3"/>
+          <p:cNvPr id="5" name="Text Placeholder 4"/>
           <p:cNvSpPr>
             <a:spLocks noGrp="1"/>
           </p:cNvSpPr>
@@ -3313,1051 +6240,98 @@
         <p:txBody>
           <a:bodyPr/>
           <a:lstStyle/>
-          <a:p>
-            <a:pPr/>
-            <a:r>
-              <a:rPr b="1"/>
-              <a:t>Terraform Infrastructure</a:t>
-            </a:r>
-            <a:r>
-              <a:t>: Complete infrastructure as code using Google Cloud best practices</a:t>
-            </a:r>
-          </a:p>
-          <a:p>
-            <a:pPr/>
-            <a:r>
-              <a:rPr b="1"/>
-              <a:t>CI/CD Integration</a:t>
-            </a:r>
-            <a:r>
-              <a:t>: Automated deployment pipelines with Cloud Build</a:t>
-            </a:r>
-          </a:p>
-          <a:p>
-            <a:pPr/>
-            <a:r>
-              <a:rPr b="1"/>
-              <a:t>Policy as Code</a:t>
-            </a:r>
-            <a:r>
-              <a:t>: Automated policy enforcement through Open Policy Agent</a:t>
-            </a:r>
-          </a:p>
-          <a:p>
-            <a:pPr/>
-            <a:r>
-              <a:rPr b="1"/>
-              <a:t>Configuration Management</a:t>
-            </a:r>
-            <a:r>
-              <a:t>: Ansible automation for OS-level configuration</a:t>
-            </a:r>
-          </a:p>
-          <a:p>
-            <a:pPr/>
-            <a:r>
-              <a:rPr b="1"/>
-              <a:t>Backup Automation</a:t>
-            </a:r>
-            <a:r>
-              <a:t>: Automated backup and disaster recovery workflows</a:t>
-            </a:r>
-          </a:p>
+          <a:p/>
         </p:txBody>
       </p:sp>
-    </p:spTree>
-  </p:cSld>
-  <p:clrMapOvr>
-    <a:masterClrMapping/>
-  </p:clrMapOvr>
-</p:sld>
-</file>
-
-<file path=ppt/slides/slide11.xml><?xml version="1.0" encoding="utf-8"?>
-<p:sld xmlns:a="http://schemas.openxmlformats.org/drawingml/2006/main" xmlns:p="http://schemas.openxmlformats.org/presentationml/2006/main" xmlns:r="http://schemas.openxmlformats.org/officeDocument/2006/relationships">
-  <p:cSld>
-    <p:spTree>
-      <p:nvGrpSpPr>
-        <p:cNvPr id="1" name=""/>
-        <p:cNvGrpSpPr/>
-        <p:nvPr/>
-      </p:nvGrpSpPr>
-      <p:grpSpPr/>
-      <p:sp>
-        <p:nvSpPr>
-          <p:cNvPr id="2" name="Text Placeholder 1"/>
+      <p:sp>
+        <p:nvSpPr>
+          <p:cNvPr id="6" name="Text Placeholder 5"/>
           <p:cNvSpPr>
             <a:spLocks noGrp="1"/>
           </p:cNvSpPr>
           <p:nvPr>
-            <p:ph type="body" idx="10" sz="quarter"/>
+            <p:ph type="body" idx="15" sz="quarter"/>
           </p:nvPr>
         </p:nvSpPr>
         <p:spPr/>
         <p:txBody>
           <a:bodyPr/>
           <a:lstStyle/>
-          <a:p>
-            <a:r>
-              <a:t>Project Delivery Excellence</a:t>
-            </a:r>
-          </a:p>
+          <a:p/>
         </p:txBody>
       </p:sp>
-      <p:sp>
-        <p:nvSpPr>
-          <p:cNvPr id="3" name="Picture Placeholder 2"/>
-          <p:cNvSpPr>
-            <a:spLocks noGrp="1"/>
-          </p:cNvSpPr>
-          <p:nvPr>
-            <p:ph type="pic" idx="13" sz="quarter"/>
-          </p:nvPr>
-        </p:nvSpPr>
-        <p:spPr/>
-      </p:sp>
-      <p:sp>
-        <p:nvSpPr>
-          <p:cNvPr id="4" name="Text Placeholder 3"/>
-          <p:cNvSpPr>
-            <a:spLocks noGrp="1"/>
-          </p:cNvSpPr>
-          <p:nvPr>
-            <p:ph type="body" idx="14" sz="quarter"/>
-          </p:nvPr>
-        </p:nvSpPr>
-        <p:spPr/>
-        <p:txBody>
-          <a:bodyPr/>
-          <a:lstStyle/>
-          <a:p>
-            <a:pPr/>
-            <a:r>
-              <a:rPr b="1"/>
-              <a:t>Timeline Achievement</a:t>
-            </a:r>
-            <a:r>
-              <a:t>: Delivered 3 weeks ahead of original 16-week schedule</a:t>
-            </a:r>
-          </a:p>
-          <a:p>
-            <a:pPr/>
-            <a:r>
-              <a:rPr b="1"/>
-              <a:t>Budget Performance</a:t>
-            </a:r>
-            <a:r>
-              <a:t>: Completed 12% under allocated budget</a:t>
-            </a:r>
-          </a:p>
-          <a:p>
-            <a:pPr/>
-            <a:r>
-              <a:rPr b="1"/>
-              <a:t>Quality Standards</a:t>
-            </a:r>
-            <a:r>
-              <a:t>: Zero critical defects in production landing zone</a:t>
-            </a:r>
-          </a:p>
-          <a:p>
-            <a:pPr/>
-            <a:r>
-              <a:rPr b="1"/>
-              <a:t>Change Management</a:t>
-            </a:r>
-            <a:r>
-              <a:t>: Successfully migrated 23 existing workloads with zero downtime</a:t>
-            </a:r>
-          </a:p>
-        </p:txBody>
-      </p:sp>
-    </p:spTree>
-  </p:cSld>
-  <p:clrMapOvr>
-    <a:masterClrMapping/>
-  </p:clrMapOvr>
-</p:sld>
-</file>
-
-<file path=ppt/slides/slide12.xml><?xml version="1.0" encoding="utf-8"?>
-<p:sld xmlns:a="http://schemas.openxmlformats.org/drawingml/2006/main" xmlns:p="http://schemas.openxmlformats.org/presentationml/2006/main" xmlns:r="http://schemas.openxmlformats.org/officeDocument/2006/relationships">
-  <p:cSld>
-    <p:spTree>
-      <p:nvGrpSpPr>
-        <p:cNvPr id="1" name=""/>
-        <p:cNvGrpSpPr/>
-        <p:nvPr/>
-      </p:nvGrpSpPr>
-      <p:grpSpPr/>
-      <p:sp>
-        <p:nvSpPr>
-          <p:cNvPr id="2" name="Text Placeholder 1"/>
-          <p:cNvSpPr>
-            <a:spLocks noGrp="1"/>
-          </p:cNvSpPr>
-          <p:nvPr>
-            <p:ph type="body" idx="10" sz="quarter"/>
-          </p:nvPr>
-        </p:nvSpPr>
-        <p:spPr/>
-        <p:txBody>
-          <a:bodyPr/>
-          <a:lstStyle/>
-          <a:p>
-            <a:r>
-              <a:t>Technical Excellence</a:t>
-            </a:r>
-          </a:p>
-        </p:txBody>
-      </p:sp>
-      <p:sp>
-        <p:nvSpPr>
-          <p:cNvPr id="3" name="Picture Placeholder 2"/>
-          <p:cNvSpPr>
-            <a:spLocks noGrp="1"/>
-          </p:cNvSpPr>
-          <p:nvPr>
-            <p:ph type="pic" idx="13" sz="quarter"/>
-          </p:nvPr>
-        </p:nvSpPr>
-        <p:spPr/>
-      </p:sp>
-      <p:sp>
-        <p:nvSpPr>
-          <p:cNvPr id="4" name="Text Placeholder 3"/>
-          <p:cNvSpPr>
-            <a:spLocks noGrp="1"/>
-          </p:cNvSpPr>
-          <p:nvPr>
-            <p:ph type="body" idx="14" sz="quarter"/>
-          </p:nvPr>
-        </p:nvSpPr>
-        <p:spPr/>
-        <p:txBody>
-          <a:bodyPr/>
-          <a:lstStyle/>
-          <a:p>
-            <a:pPr/>
-            <a:r>
-              <a:rPr b="1"/>
-              <a:t>Performance</a:t>
-            </a:r>
-            <a:r>
-              <a:t>: Consistently exceeding 99.95% uptime across all regions</a:t>
-            </a:r>
-          </a:p>
-          <a:p>
-            <a:pPr/>
-            <a:r>
-              <a:rPr b="1"/>
-              <a:t>Security</a:t>
-            </a:r>
-            <a:r>
-              <a:t>: Zero security breaches or compliance violations</a:t>
-            </a:r>
-          </a:p>
-          <a:p>
-            <a:pPr/>
-            <a:r>
-              <a:rPr b="1"/>
-              <a:t>Scalability</a:t>
-            </a:r>
-            <a:r>
-              <a:t>: Successfully handling 400% traffic growth during peak periods</a:t>
-            </a:r>
-          </a:p>
-          <a:p>
-            <a:pPr/>
-            <a:r>
-              <a:rPr b="1"/>
-              <a:t>Integration</a:t>
-            </a:r>
-            <a:r>
-              <a:t>: Seamless integration with 12 existing enterprise systems</a:t>
-            </a:r>
-          </a:p>
-        </p:txBody>
-      </p:sp>
-    </p:spTree>
-  </p:cSld>
-  <p:clrMapOvr>
-    <a:masterClrMapping/>
-  </p:clrMapOvr>
-</p:sld>
-</file>
-
-<file path=ppt/slides/slide13.xml><?xml version="1.0" encoding="utf-8"?>
-<p:sld xmlns:a="http://schemas.openxmlformats.org/drawingml/2006/main" xmlns:p="http://schemas.openxmlformats.org/presentationml/2006/main" xmlns:r="http://schemas.openxmlformats.org/officeDocument/2006/relationships">
-  <p:cSld>
-    <p:spTree>
-      <p:nvGrpSpPr>
-        <p:cNvPr id="1" name=""/>
-        <p:cNvGrpSpPr/>
-        <p:nvPr/>
-      </p:nvGrpSpPr>
-      <p:grpSpPr/>
-      <p:sp>
-        <p:nvSpPr>
-          <p:cNvPr id="2" name="Text Placeholder 1"/>
-          <p:cNvSpPr>
-            <a:spLocks noGrp="1"/>
-          </p:cNvSpPr>
-          <p:nvPr>
-            <p:ph type="body" idx="10" sz="quarter"/>
-          </p:nvPr>
-        </p:nvSpPr>
-        <p:spPr/>
-        <p:txBody>
-          <a:bodyPr/>
-          <a:lstStyle/>
-          <a:p>
-            <a:r>
-              <a:t>User Adoption</a:t>
-            </a:r>
-          </a:p>
-        </p:txBody>
-      </p:sp>
-      <p:sp>
-        <p:nvSpPr>
-          <p:cNvPr id="3" name="Picture Placeholder 2"/>
-          <p:cNvSpPr>
-            <a:spLocks noGrp="1"/>
-          </p:cNvSpPr>
-          <p:nvPr>
-            <p:ph type="pic" idx="13" sz="quarter"/>
-          </p:nvPr>
-        </p:nvSpPr>
-        <p:spPr/>
-      </p:sp>
-      <p:sp>
-        <p:nvSpPr>
-          <p:cNvPr id="4" name="Text Placeholder 3"/>
-          <p:cNvSpPr>
-            <a:spLocks noGrp="1"/>
-          </p:cNvSpPr>
-          <p:nvPr>
-            <p:ph type="body" idx="14" sz="quarter"/>
-          </p:nvPr>
-        </p:nvSpPr>
-        <p:spPr/>
-        <p:txBody>
-          <a:bodyPr/>
-          <a:lstStyle/>
-          <a:p>
-            <a:pPr/>
-            <a:r>
-              <a:rPr b="1"/>
-              <a:t>Training Completion</a:t>
-            </a:r>
-            <a:r>
-              <a:t>: 94% of technical staff completed Google Cloud certification</a:t>
-            </a:r>
-          </a:p>
-          <a:p>
-            <a:pPr/>
-            <a:r>
-              <a:rPr b="1"/>
-              <a:t>User Satisfaction</a:t>
-            </a:r>
-            <a:r>
-              <a:t>: 4.6/5.0 average satisfaction score from development teams</a:t>
-            </a:r>
-          </a:p>
-          <a:p>
-            <a:pPr/>
-            <a:r>
-              <a:rPr b="1"/>
-              <a:t>Self-Service Adoption</a:t>
-            </a:r>
-            <a:r>
-              <a:t>: 87% of infrastructure requests handled through automation</a:t>
-            </a:r>
-          </a:p>
-          <a:p>
-            <a:pPr/>
-            <a:r>
-              <a:rPr b="1"/>
-              <a:t>Support Reduction</a:t>
-            </a:r>
-            <a:r>
-              <a:t>: 71% reduction in infrastructure support tickets</a:t>
-            </a:r>
-          </a:p>
-        </p:txBody>
-      </p:sp>
-    </p:spTree>
-  </p:cSld>
-  <p:clrMapOvr>
-    <a:masterClrMapping/>
-  </p:clrMapOvr>
-</p:sld>
-</file>
-
-<file path=ppt/slides/slide14.xml><?xml version="1.0" encoding="utf-8"?>
-<p:sld xmlns:a="http://schemas.openxmlformats.org/drawingml/2006/main" xmlns:p="http://schemas.openxmlformats.org/presentationml/2006/main" xmlns:r="http://schemas.openxmlformats.org/officeDocument/2006/relationships">
-  <p:cSld>
-    <p:spTree>
-      <p:nvGrpSpPr>
-        <p:cNvPr id="1" name=""/>
-        <p:cNvGrpSpPr/>
-        <p:nvPr/>
-      </p:nvGrpSpPr>
-      <p:grpSpPr/>
-      <p:sp>
-        <p:nvSpPr>
-          <p:cNvPr id="2" name="Text Placeholder 1"/>
-          <p:cNvSpPr>
-            <a:spLocks noGrp="1"/>
-          </p:cNvSpPr>
-          <p:nvPr>
-            <p:ph type="body" idx="10" sz="quarter"/>
-          </p:nvPr>
-        </p:nvSpPr>
-        <p:spPr/>
-        <p:txBody>
-          <a:bodyPr/>
-          <a:lstStyle/>
-          <a:p>
-            <a:r>
-              <a:t>Technical Insights</a:t>
-            </a:r>
-          </a:p>
-        </p:txBody>
-      </p:sp>
-      <p:sp>
-        <p:nvSpPr>
-          <p:cNvPr id="3" name="Picture Placeholder 2"/>
-          <p:cNvSpPr>
-            <a:spLocks noGrp="1"/>
-          </p:cNvSpPr>
-          <p:nvPr>
-            <p:ph type="pic" idx="13" sz="quarter"/>
-          </p:nvPr>
-        </p:nvSpPr>
-        <p:spPr/>
-      </p:sp>
-      <p:sp>
-        <p:nvSpPr>
-          <p:cNvPr id="4" name="Text Placeholder 3"/>
-          <p:cNvSpPr>
-            <a:spLocks noGrp="1"/>
-          </p:cNvSpPr>
-          <p:nvPr>
-            <p:ph type="body" idx="14" sz="quarter"/>
-          </p:nvPr>
-        </p:nvSpPr>
-        <p:spPr/>
-        <p:txBody>
-          <a:bodyPr/>
-          <a:lstStyle/>
-          <a:p>
-            <a:pPr/>
-            <a:r>
-              <a:rPr b="1"/>
-              <a:t>Organization Policies</a:t>
-            </a:r>
-            <a:r>
-              <a:t>: Early policy implementation prevented 23 potential security issues</a:t>
-            </a:r>
-          </a:p>
-          <a:p>
-            <a:pPr/>
-            <a:r>
-              <a:rPr b="1"/>
-              <a:t>Network Design</a:t>
-            </a:r>
-            <a:r>
-              <a:t>: Proper subnet planning improved application performance by 31%</a:t>
-            </a:r>
-          </a:p>
-          <a:p>
-            <a:pPr/>
-            <a:r>
-              <a:rPr b="1"/>
-              <a:t>IAM Strategy</a:t>
-            </a:r>
-            <a:r>
-              <a:t>: Granular role design reduced access-related incidents by 89%</a:t>
-            </a:r>
-          </a:p>
-          <a:p>
-            <a:pPr/>
-            <a:r>
-              <a:rPr b="1"/>
-              <a:t>Monitoring Implementation</a:t>
-            </a:r>
-            <a:r>
-              <a:t>: Comprehensive monitoring prevented 12 potential outages</a:t>
-            </a:r>
-          </a:p>
-        </p:txBody>
-      </p:sp>
-    </p:spTree>
-  </p:cSld>
-  <p:clrMapOvr>
-    <a:masterClrMapping/>
-  </p:clrMapOvr>
-</p:sld>
-</file>
-
-<file path=ppt/slides/slide15.xml><?xml version="1.0" encoding="utf-8"?>
-<p:sld xmlns:a="http://schemas.openxmlformats.org/drawingml/2006/main" xmlns:p="http://schemas.openxmlformats.org/presentationml/2006/main" xmlns:r="http://schemas.openxmlformats.org/officeDocument/2006/relationships">
-  <p:cSld>
-    <p:spTree>
-      <p:nvGrpSpPr>
-        <p:cNvPr id="1" name=""/>
-        <p:cNvGrpSpPr/>
-        <p:nvPr/>
-      </p:nvGrpSpPr>
-      <p:grpSpPr/>
-      <p:sp>
-        <p:nvSpPr>
-          <p:cNvPr id="2" name="Text Placeholder 1"/>
-          <p:cNvSpPr>
-            <a:spLocks noGrp="1"/>
-          </p:cNvSpPr>
-          <p:nvPr>
-            <p:ph type="body" idx="10" sz="quarter"/>
-          </p:nvPr>
-        </p:nvSpPr>
-        <p:spPr/>
-        <p:txBody>
-          <a:bodyPr/>
-          <a:lstStyle/>
-          <a:p>
-            <a:r>
-              <a:t>Process Improvements</a:t>
-            </a:r>
-          </a:p>
-        </p:txBody>
-      </p:sp>
-      <p:sp>
-        <p:nvSpPr>
-          <p:cNvPr id="3" name="Picture Placeholder 2"/>
-          <p:cNvSpPr>
-            <a:spLocks noGrp="1"/>
-          </p:cNvSpPr>
-          <p:nvPr>
-            <p:ph type="pic" idx="13" sz="quarter"/>
-          </p:nvPr>
-        </p:nvSpPr>
-        <p:spPr/>
-      </p:sp>
-      <p:sp>
-        <p:nvSpPr>
-          <p:cNvPr id="4" name="Text Placeholder 3"/>
-          <p:cNvSpPr>
-            <a:spLocks noGrp="1"/>
-          </p:cNvSpPr>
-          <p:nvPr>
-            <p:ph type="body" idx="14" sz="quarter"/>
-          </p:nvPr>
-        </p:nvSpPr>
-        <p:spPr/>
-        <p:txBody>
-          <a:bodyPr/>
-          <a:lstStyle/>
-          <a:p>
-            <a:pPr/>
-            <a:r>
-              <a:rPr b="1"/>
-              <a:t>Stakeholder Engagement</a:t>
-            </a:r>
-            <a:r>
-              <a:t>: Regular architecture reviews improved design quality</a:t>
-            </a:r>
-          </a:p>
-          <a:p>
-            <a:pPr/>
-            <a:r>
-              <a:rPr b="1"/>
-              <a:t>Iterative Deployment</a:t>
-            </a:r>
-            <a:r>
-              <a:t>: Phased rollout reduced risk and improved user acceptance</a:t>
-            </a:r>
-          </a:p>
-          <a:p>
-            <a:pPr/>
-            <a:r>
-              <a:rPr b="1"/>
-              <a:t>Documentation Strategy</a:t>
-            </a:r>
-            <a:r>
-              <a:t>: Comprehensive runbooks reduced troubleshooting time by 58%</a:t>
-            </a:r>
-          </a:p>
-          <a:p>
-            <a:pPr/>
-            <a:r>
-              <a:rPr b="1"/>
-              <a:t>Training Program</a:t>
-            </a:r>
-            <a:r>
-              <a:t>: Hands-on training improved team productivity by 45%</a:t>
-            </a:r>
-          </a:p>
-        </p:txBody>
-      </p:sp>
-    </p:spTree>
-  </p:cSld>
-  <p:clrMapOvr>
-    <a:masterClrMapping/>
-  </p:clrMapOvr>
-</p:sld>
-</file>
-
-<file path=ppt/slides/slide16.xml><?xml version="1.0" encoding="utf-8"?>
-<p:sld xmlns:a="http://schemas.openxmlformats.org/drawingml/2006/main" xmlns:p="http://schemas.openxmlformats.org/presentationml/2006/main" xmlns:r="http://schemas.openxmlformats.org/officeDocument/2006/relationships">
-  <p:cSld>
-    <p:spTree>
-      <p:nvGrpSpPr>
-        <p:cNvPr id="1" name=""/>
-        <p:cNvGrpSpPr/>
-        <p:nvPr/>
-      </p:nvGrpSpPr>
-      <p:grpSpPr/>
-      <p:sp>
-        <p:nvSpPr>
-          <p:cNvPr id="2" name="Text Placeholder 1"/>
-          <p:cNvSpPr>
-            <a:spLocks noGrp="1"/>
-          </p:cNvSpPr>
-          <p:nvPr>
-            <p:ph type="body" idx="10" sz="quarter"/>
-          </p:nvPr>
-        </p:nvSpPr>
-        <p:spPr/>
-        <p:txBody>
-          <a:bodyPr/>
-          <a:lstStyle/>
-          <a:p>
-            <a:r>
-              <a:t>Organizational Benefits</a:t>
-            </a:r>
-          </a:p>
-        </p:txBody>
-      </p:sp>
-      <p:sp>
-        <p:nvSpPr>
-          <p:cNvPr id="3" name="Picture Placeholder 2"/>
-          <p:cNvSpPr>
-            <a:spLocks noGrp="1"/>
-          </p:cNvSpPr>
-          <p:nvPr>
-            <p:ph type="pic" idx="13" sz="quarter"/>
-          </p:nvPr>
-        </p:nvSpPr>
-        <p:spPr/>
-      </p:sp>
-      <p:sp>
-        <p:nvSpPr>
-          <p:cNvPr id="4" name="Text Placeholder 3"/>
-          <p:cNvSpPr>
-            <a:spLocks noGrp="1"/>
-          </p:cNvSpPr>
-          <p:nvPr>
-            <p:ph type="body" idx="14" sz="quarter"/>
-          </p:nvPr>
-        </p:nvSpPr>
-        <p:spPr/>
-        <p:txBody>
-          <a:bodyPr/>
-          <a:lstStyle/>
-          <a:p>
-            <a:pPr/>
-            <a:r>
-              <a:rPr b="1"/>
-              <a:t>Skills Development</a:t>
-            </a:r>
-            <a:r>
-              <a:t>: 67 team members achieved Google Cloud Professional certifications</a:t>
-            </a:r>
-          </a:p>
-          <a:p>
-            <a:pPr/>
-            <a:r>
-              <a:rPr b="1"/>
-              <a:t>Best Practices</a:t>
-            </a:r>
-            <a:r>
-              <a:t>: Established repeatable patterns for future cloud deployments</a:t>
-            </a:r>
-          </a:p>
-          <a:p>
-            <a:pPr/>
-            <a:r>
-              <a:rPr b="1"/>
-              <a:t>Knowledge Transfer</a:t>
-            </a:r>
-            <a:r>
-              <a:t>: Created comprehensive documentation and architectural standards</a:t>
-            </a:r>
-          </a:p>
-          <a:p>
-            <a:pPr/>
-            <a:r>
-              <a:rPr b="1"/>
-              <a:t>Innovation Enablement</a:t>
-            </a:r>
-            <a:r>
-              <a:t>: Accelerated development team velocity by 73%</a:t>
-            </a:r>
-          </a:p>
-        </p:txBody>
-      </p:sp>
-    </p:spTree>
-  </p:cSld>
-  <p:clrMapOvr>
-    <a:masterClrMapping/>
-  </p:clrMapOvr>
-</p:sld>
-</file>
-
-<file path=ppt/slides/slide17.xml><?xml version="1.0" encoding="utf-8"?>
-<p:sld xmlns:a="http://schemas.openxmlformats.org/drawingml/2006/main" xmlns:p="http://schemas.openxmlformats.org/presentationml/2006/main" xmlns:r="http://schemas.openxmlformats.org/officeDocument/2006/relationships">
-  <p:cSld>
-    <p:spTree>
-      <p:nvGrpSpPr>
-        <p:cNvPr id="1" name=""/>
-        <p:cNvGrpSpPr/>
-        <p:nvPr/>
-      </p:nvGrpSpPr>
-      <p:grpSpPr/>
-      <p:sp>
-        <p:nvSpPr>
-          <p:cNvPr id="2" name="Text Placeholder 1"/>
-          <p:cNvSpPr>
-            <a:spLocks noGrp="1"/>
-          </p:cNvSpPr>
-          <p:nvPr>
-            <p:ph type="body" idx="10" sz="quarter"/>
-          </p:nvPr>
-        </p:nvSpPr>
-        <p:spPr/>
-        <p:txBody>
-          <a:bodyPr/>
-          <a:lstStyle/>
-          <a:p>
-            <a:r>
-              <a:t>Security Controls Implementation</a:t>
-            </a:r>
-          </a:p>
-        </p:txBody>
-      </p:sp>
-      <p:sp>
-        <p:nvSpPr>
-          <p:cNvPr id="3" name="Picture Placeholder 2"/>
-          <p:cNvSpPr>
-            <a:spLocks noGrp="1"/>
-          </p:cNvSpPr>
-          <p:nvPr>
-            <p:ph type="pic" idx="13" sz="quarter"/>
-          </p:nvPr>
-        </p:nvSpPr>
-        <p:spPr/>
-      </p:sp>
-      <p:sp>
-        <p:nvSpPr>
-          <p:cNvPr id="4" name="Text Placeholder 3"/>
-          <p:cNvSpPr>
-            <a:spLocks noGrp="1"/>
-          </p:cNvSpPr>
-          <p:nvPr>
-            <p:ph type="body" idx="14" sz="quarter"/>
-          </p:nvPr>
-        </p:nvSpPr>
-        <p:spPr/>
-        <p:txBody>
-          <a:bodyPr/>
-          <a:lstStyle/>
-          <a:p>
-            <a:pPr/>
-            <a:r>
-              <a:rPr b="1"/>
-              <a:t>Identity Management</a:t>
-            </a:r>
-            <a:r>
-              <a:t>: Single sign-on integration with corporate Active Directory</a:t>
-            </a:r>
-          </a:p>
-          <a:p>
-            <a:pPr/>
-            <a:r>
-              <a:rPr b="1"/>
-              <a:t>Network Security</a:t>
-            </a:r>
-            <a:r>
-              <a:t>: Micro-segmentation with application-level firewall rules</a:t>
-            </a:r>
-          </a:p>
-          <a:p>
-            <a:pPr/>
-            <a:r>
-              <a:rPr b="1"/>
-              <a:t>Data Protection</a:t>
-            </a:r>
-            <a:r>
-              <a:t>: Automatic encryption at rest and in transit for all resources</a:t>
-            </a:r>
-          </a:p>
-          <a:p>
-            <a:pPr/>
-            <a:r>
-              <a:rPr b="1"/>
-              <a:t>Threat Detection</a:t>
-            </a:r>
-            <a:r>
-              <a:t>: Real-time threat detection with automated response workflows</a:t>
-            </a:r>
-          </a:p>
-          <a:p>
-            <a:pPr/>
-            <a:r>
-              <a:rPr b="1"/>
-              <a:t>Vulnerability Management</a:t>
-            </a:r>
-            <a:r>
-              <a:t>: Automated vulnerability scanning and remediation</a:t>
-            </a:r>
-          </a:p>
-        </p:txBody>
-      </p:sp>
-    </p:spTree>
-  </p:cSld>
-  <p:clrMapOvr>
-    <a:masterClrMapping/>
-  </p:clrMapOvr>
-</p:sld>
-</file>
-
-<file path=ppt/slides/slide18.xml><?xml version="1.0" encoding="utf-8"?>
-<p:sld xmlns:a="http://schemas.openxmlformats.org/drawingml/2006/main" xmlns:p="http://schemas.openxmlformats.org/presentationml/2006/main" xmlns:r="http://schemas.openxmlformats.org/officeDocument/2006/relationships">
-  <p:cSld>
-    <p:spTree>
-      <p:nvGrpSpPr>
-        <p:cNvPr id="1" name=""/>
-        <p:cNvGrpSpPr/>
-        <p:nvPr/>
-      </p:nvGrpSpPr>
-      <p:grpSpPr/>
-      <p:sp>
-        <p:nvSpPr>
-          <p:cNvPr id="2" name="Text Placeholder 1"/>
-          <p:cNvSpPr>
-            <a:spLocks noGrp="1"/>
-          </p:cNvSpPr>
-          <p:nvPr>
-            <p:ph type="body" idx="10" sz="quarter"/>
-          </p:nvPr>
-        </p:nvSpPr>
-        <p:spPr/>
-        <p:txBody>
-          <a:bodyPr/>
-          <a:lstStyle/>
-          <a:p>
-            <a:r>
-              <a:t>Compliance Achievements</a:t>
-            </a:r>
-          </a:p>
-        </p:txBody>
-      </p:sp>
-      <p:sp>
-        <p:nvSpPr>
-          <p:cNvPr id="3" name="Picture Placeholder 2"/>
-          <p:cNvSpPr>
-            <a:spLocks noGrp="1"/>
-          </p:cNvSpPr>
-          <p:nvPr>
-            <p:ph type="pic" idx="13" sz="quarter"/>
-          </p:nvPr>
-        </p:nvSpPr>
-        <p:spPr/>
-      </p:sp>
-      <p:sp>
-        <p:nvSpPr>
-          <p:cNvPr id="4" name="Text Placeholder 3"/>
-          <p:cNvSpPr>
-            <a:spLocks noGrp="1"/>
-          </p:cNvSpPr>
-          <p:nvPr>
-            <p:ph type="body" idx="14" sz="quarter"/>
-          </p:nvPr>
-        </p:nvSpPr>
-        <p:spPr/>
-        <p:txBody>
-          <a:bodyPr/>
-          <a:lstStyle/>
-          <a:p>
-            <a:pPr/>
-            <a:r>
-              <a:rPr b="1"/>
-              <a:t>SOC 2 Type II</a:t>
-            </a:r>
-            <a:r>
-              <a:t>: Achieved certification for security and availability controls</a:t>
-            </a:r>
-          </a:p>
-          <a:p>
-            <a:pPr/>
-            <a:r>
-              <a:rPr b="1"/>
-              <a:t>ISO 27001</a:t>
-            </a:r>
-            <a:r>
-              <a:t>: Implemented information security management system controls</a:t>
-            </a:r>
-          </a:p>
-          <a:p>
-            <a:pPr/>
-            <a:r>
-              <a:rPr b="1"/>
-              <a:t>PCI DSS</a:t>
-            </a:r>
-            <a:r>
-              <a:t>: Established payment card industry compliant environments</a:t>
-            </a:r>
-          </a:p>
-          <a:p>
-            <a:pPr/>
-            <a:r>
-              <a:rPr b="1"/>
-              <a:t>GDPR</a:t>
-            </a:r>
-            <a:r>
-              <a:t>: Implemented data protection and privacy controls for EU operations</a:t>
-            </a:r>
-          </a:p>
-          <a:p>
-            <a:pPr/>
-            <a:r>
-              <a:rPr b="1"/>
-              <a:t>HIPAA</a:t>
-            </a:r>
-            <a:r>
-              <a:t>: Healthcare compliance controls for sensitive data handling</a:t>
-            </a:r>
-          </a:p>
-        </p:txBody>
-      </p:sp>
-    </p:spTree>
-  </p:cSld>
-  <p:clrMapOvr>
-    <a:masterClrMapping/>
-  </p:clrMapOvr>
-</p:sld>
-</file>
-
-<file path=ppt/slides/slide19.xml><?xml version="1.0" encoding="utf-8"?>
-<p:sld xmlns:a="http://schemas.openxmlformats.org/drawingml/2006/main" xmlns:p="http://schemas.openxmlformats.org/presentationml/2006/main" xmlns:r="http://schemas.openxmlformats.org/officeDocument/2006/relationships">
-  <p:cSld>
-    <p:spTree>
-      <p:nvGrpSpPr>
-        <p:cNvPr id="1" name=""/>
-        <p:cNvGrpSpPr/>
-        <p:nvPr/>
-      </p:nvGrpSpPr>
-      <p:grpSpPr/>
-      <p:sp>
-        <p:nvSpPr>
-          <p:cNvPr id="2" name="Text Placeholder 1"/>
-          <p:cNvSpPr>
-            <a:spLocks noGrp="1"/>
-          </p:cNvSpPr>
-          <p:nvPr>
-            <p:ph type="body" idx="10" sz="quarter"/>
-          </p:nvPr>
-        </p:nvSpPr>
-        <p:spPr/>
-        <p:txBody>
-          <a:bodyPr/>
-          <a:lstStyle/>
-          <a:p>
-            <a:r>
-              <a:t>Audit and Governance</a:t>
-            </a:r>
-          </a:p>
-        </p:txBody>
-      </p:sp>
-      <p:sp>
-        <p:nvSpPr>
-          <p:cNvPr id="3" name="Picture Placeholder 2"/>
-          <p:cNvSpPr>
-            <a:spLocks noGrp="1"/>
-          </p:cNvSpPr>
-          <p:nvPr>
-            <p:ph type="pic" idx="13" sz="quarter"/>
-          </p:nvPr>
-        </p:nvSpPr>
-        <p:spPr/>
-      </p:sp>
-      <p:sp>
-        <p:nvSpPr>
-          <p:cNvPr id="4" name="Text Placeholder 3"/>
-          <p:cNvSpPr>
-            <a:spLocks noGrp="1"/>
-          </p:cNvSpPr>
-          <p:nvPr>
-            <p:ph type="body" idx="14" sz="quarter"/>
-          </p:nvPr>
-        </p:nvSpPr>
-        <p:spPr/>
-        <p:txBody>
-          <a:bodyPr/>
-          <a:lstStyle/>
-          <a:p>
-            <a:pPr/>
-            <a:r>
-              <a:rPr b="1"/>
-              <a:t>Continuous Monitoring</a:t>
-            </a:r>
-            <a:r>
-              <a:t>: Real-time compliance monitoring with automated alerting</a:t>
-            </a:r>
-          </a:p>
-          <a:p>
-            <a:pPr/>
-            <a:r>
-              <a:rPr b="1"/>
-              <a:t>Audit Trail</a:t>
-            </a:r>
-            <a:r>
-              <a:t>: Comprehensive logging of all administrative and user activities</a:t>
-            </a:r>
-          </a:p>
-          <a:p>
-            <a:pPr/>
-            <a:r>
-              <a:rPr b="1"/>
-              <a:t>Change Management</a:t>
-            </a:r>
-            <a:r>
-              <a:t>: Automated change tracking and approval workflows</a:t>
-            </a:r>
-          </a:p>
-          <a:p>
-            <a:pPr/>
-            <a:r>
-              <a:rPr b="1"/>
-              <a:t>Policy Enforcement</a:t>
-            </a:r>
-            <a:r>
-              <a:t>: Automated policy compliance with exception reporting</a:t>
-            </a:r>
-          </a:p>
-          <a:p>
-            <a:pPr/>
-            <a:r>
-              <a:rPr b="1"/>
-              <a:t>Risk Assessment</a:t>
-            </a:r>
-            <a:r>
-              <a:t>: Regular security assessments with risk scoring and mitigation</a:t>
-            </a:r>
-          </a:p>
-        </p:txBody>
-      </p:sp>
+      <p:pic>
+        <p:nvPicPr>
+          <p:cNvPr id="7" name="Picture 6" descr="client_logo.png"/>
+          <p:cNvPicPr>
+            <a:picLocks noChangeAspect="1"/>
+          </p:cNvPicPr>
+          <p:nvPr/>
+        </p:nvPicPr>
+        <p:blipFill>
+          <a:blip r:embed="rId3"/>
+          <a:stretch>
+            <a:fillRect/>
+          </a:stretch>
+        </p:blipFill>
+        <p:spPr>
+          <a:xfrm>
+            <a:off x="2180492" y="171206"/>
+            <a:ext cx="3978520" cy="1314694"/>
+          </a:xfrm>
+          <a:prstGeom prst="rect">
+            <a:avLst/>
+          </a:prstGeom>
+        </p:spPr>
+      </p:pic>
+      <p:pic>
+        <p:nvPicPr>
+          <p:cNvPr id="8" name="Picture 7" descr="consulting_company_logo.png"/>
+          <p:cNvPicPr>
+            <a:picLocks noChangeAspect="1"/>
+          </p:cNvPicPr>
+          <p:nvPr/>
+        </p:nvPicPr>
+        <p:blipFill>
+          <a:blip r:embed="rId4"/>
+          <a:stretch>
+            <a:fillRect/>
+          </a:stretch>
+        </p:blipFill>
+        <p:spPr>
+          <a:xfrm>
+            <a:off x="313592" y="4536078"/>
+            <a:ext cx="2164114" cy="529698"/>
+          </a:xfrm>
+          <a:prstGeom prst="rect">
+            <a:avLst/>
+          </a:prstGeom>
+        </p:spPr>
+      </p:pic>
+      <p:pic>
+        <p:nvPicPr>
+          <p:cNvPr id="9" name="Picture 8" descr="eo-framework-logo-real.png"/>
+          <p:cNvPicPr>
+            <a:picLocks noChangeAspect="1"/>
+          </p:cNvPicPr>
+          <p:nvPr/>
+        </p:nvPicPr>
+        <p:blipFill>
+          <a:blip r:embed="rId5"/>
+          <a:stretch>
+            <a:fillRect/>
+          </a:stretch>
+        </p:blipFill>
+        <p:spPr>
+          <a:xfrm>
+            <a:off x="6684264" y="4535424"/>
+            <a:ext cx="2139696" cy="530352"/>
+          </a:xfrm>
+          <a:prstGeom prst="rect">
+            <a:avLst/>
+          </a:prstGeom>
+        </p:spPr>
+      </p:pic>
     </p:spTree>
   </p:cSld>
   <p:clrMapOvr>
@@ -4378,7 +6352,7 @@
       <p:grpSpPr/>
       <p:sp>
         <p:nvSpPr>
-          <p:cNvPr id="2" name="Text Placeholder 1"/>
+          <p:cNvPr id="3" name="Text Placeholder 2"/>
           <p:cNvSpPr>
             <a:spLocks noGrp="1"/>
           </p:cNvSpPr>
@@ -4391,23 +6365,12 @@
           <a:bodyPr/>
           <a:lstStyle/>
           <a:p>
-            <a:r>
-              <a:t>Project Objectives Achievement</a:t>
+            <a:pPr algn="l"/>
+            <a:r>
+              <a:t>Executive Summary</a:t>
             </a:r>
           </a:p>
         </p:txBody>
-      </p:sp>
-      <p:sp>
-        <p:nvSpPr>
-          <p:cNvPr id="3" name="Picture Placeholder 2"/>
-          <p:cNvSpPr>
-            <a:spLocks noGrp="1"/>
-          </p:cNvSpPr>
-          <p:nvPr>
-            <p:ph type="pic" idx="13" sz="quarter"/>
-          </p:nvPr>
-        </p:nvSpPr>
-        <p:spPr/>
       </p:sp>
       <p:sp>
         <p:nvSpPr>
@@ -4427,313 +6390,73 @@
             <a:pPr/>
             <a:r>
               <a:rPr b="1"/>
-              <a:t>Multi-Account Architecture</a:t>
-            </a:r>
-            <a:r>
-              <a:t>: Deployed secure landing zone across 15 Google Cloud projects</a:t>
+              <a:t>Project Duration:</a:t>
+            </a:r>
+            <a:r>
+              <a:t> 12 weeks, on schedule</a:t>
             </a:r>
           </a:p>
           <a:p>
             <a:pPr/>
             <a:r>
               <a:rPr b="1"/>
-              <a:t>Security Foundation</a:t>
-            </a:r>
-            <a:r>
-              <a:t>: Implemented Identity and Access Management with zero-trust principles</a:t>
+              <a:t>Budget:</a:t>
+            </a:r>
+            <a:r>
+              <a:t> $105,948 delivered on budget</a:t>
             </a:r>
           </a:p>
           <a:p>
             <a:pPr/>
             <a:r>
               <a:rPr b="1"/>
-              <a:t>Governance Framework</a:t>
-            </a:r>
-            <a:r>
-              <a:t>: Established organization policies and resource hierarchy controls</a:t>
+              <a:t>Go-Live Date:</a:t>
+            </a:r>
+            <a:r>
+              <a:t> Week 12 as planned</a:t>
             </a:r>
           </a:p>
           <a:p>
             <a:pPr/>
             <a:r>
               <a:rPr b="1"/>
-              <a:t>Network Architecture</a:t>
-            </a:r>
-            <a:r>
-              <a:t>: Deployed hybrid connectivity with 99.9% uptime SLA</a:t>
+              <a:t>Quality:</a:t>
+            </a:r>
+            <a:r>
+              <a:t> Zero critical defects at launch</a:t>
             </a:r>
           </a:p>
           <a:p>
             <a:pPr/>
             <a:r>
               <a:rPr b="1"/>
-              <a:t>Compliance Implementation</a:t>
-            </a:r>
-            <a:r>
-              <a:t>: Achieved SOC 2, ISO 27001, and PCI DSS compliance readiness</a:t>
+              <a:t>Project Provisioning:</a:t>
+            </a:r>
+            <a:r>
+              <a:t> 95% faster (6 weeks to 45 min)</a:t>
+            </a:r>
+          </a:p>
+          <a:p>
+            <a:pPr/>
+            <a:r>
+              <a:rPr b="1"/>
+              <a:t>Security Compliance:</a:t>
+            </a:r>
+            <a:r>
+              <a:t> 100% SOC 2 and PCI-DSS controls</a:t>
+            </a:r>
+          </a:p>
+          <a:p>
+            <a:pPr/>
+            <a:r>
+              <a:rPr b="1"/>
+              <a:t>ROI Status:</a:t>
+            </a:r>
+            <a:r>
+              <a:t> On track for 18-month payback</a:t>
             </a:r>
           </a:p>
         </p:txBody>
-      </p:sp>
-    </p:spTree>
-  </p:cSld>
-  <p:clrMapOvr>
-    <a:masterClrMapping/>
-  </p:clrMapOvr>
-</p:sld>
-</file>
-
-<file path=ppt/slides/slide20.xml><?xml version="1.0" encoding="utf-8"?>
-<p:sld xmlns:a="http://schemas.openxmlformats.org/drawingml/2006/main" xmlns:p="http://schemas.openxmlformats.org/presentationml/2006/main" xmlns:r="http://schemas.openxmlformats.org/officeDocument/2006/relationships">
-  <p:cSld>
-    <p:spTree>
-      <p:nvGrpSpPr>
-        <p:cNvPr id="1" name=""/>
-        <p:cNvGrpSpPr/>
-        <p:nvPr/>
-      </p:nvGrpSpPr>
-      <p:grpSpPr/>
-      <p:sp>
-        <p:nvSpPr>
-          <p:cNvPr id="2" name="Text Placeholder 1"/>
-          <p:cNvSpPr>
-            <a:spLocks noGrp="1"/>
-          </p:cNvSpPr>
-          <p:nvPr>
-            <p:ph type="body" idx="10" sz="quarter"/>
-          </p:nvPr>
-        </p:nvSpPr>
-        <p:spPr/>
-        <p:txBody>
-          <a:bodyPr/>
-          <a:lstStyle/>
-          <a:p>
-            <a:r>
-              <a:t>Cost Management Strategy</a:t>
-            </a:r>
-          </a:p>
-        </p:txBody>
-      </p:sp>
-      <p:sp>
-        <p:nvSpPr>
-          <p:cNvPr id="3" name="Picture Placeholder 2"/>
-          <p:cNvSpPr>
-            <a:spLocks noGrp="1"/>
-          </p:cNvSpPr>
-          <p:nvPr>
-            <p:ph type="pic" idx="14" sz="quarter"/>
-          </p:nvPr>
-        </p:nvSpPr>
-        <p:spPr/>
-      </p:sp>
-      <p:sp>
-        <p:nvSpPr>
-          <p:cNvPr id="4" name="Chart Placeholder 3"/>
-          <p:cNvSpPr>
-            <a:spLocks noGrp="1"/>
-          </p:cNvSpPr>
-          <p:nvPr>
-            <p:ph type="chart" idx="15" sz="quarter"/>
-          </p:nvPr>
-        </p:nvSpPr>
-        <p:spPr/>
-      </p:sp>
-      <p:sp>
-        <p:nvSpPr>
-          <p:cNvPr id="5" name="Content Placeholder 4"/>
-          <p:cNvSpPr>
-            <a:spLocks noGrp="1"/>
-          </p:cNvSpPr>
-          <p:nvPr>
-            <p:ph idx="16" sz="quarter"/>
-          </p:nvPr>
-        </p:nvSpPr>
-        <p:spPr/>
-        <p:txBody>
-          <a:bodyPr/>
-          <a:lstStyle/>
-          <a:p/>
-        </p:txBody>
-      </p:sp>
-    </p:spTree>
-  </p:cSld>
-  <p:clrMapOvr>
-    <a:masterClrMapping/>
-  </p:clrMapOvr>
-</p:sld>
-</file>
-
-<file path=ppt/slides/slide21.xml><?xml version="1.0" encoding="utf-8"?>
-<p:sld xmlns:a="http://schemas.openxmlformats.org/drawingml/2006/main" xmlns:p="http://schemas.openxmlformats.org/presentationml/2006/main" xmlns:r="http://schemas.openxmlformats.org/officeDocument/2006/relationships">
-  <p:cSld>
-    <p:spTree>
-      <p:nvGrpSpPr>
-        <p:cNvPr id="1" name=""/>
-        <p:cNvGrpSpPr/>
-        <p:nvPr/>
-      </p:nvGrpSpPr>
-      <p:grpSpPr/>
-      <p:sp>
-        <p:nvSpPr>
-          <p:cNvPr id="2" name="Text Placeholder 1"/>
-          <p:cNvSpPr>
-            <a:spLocks noGrp="1"/>
-          </p:cNvSpPr>
-          <p:nvPr>
-            <p:ph type="body" idx="10" sz="quarter"/>
-          </p:nvPr>
-        </p:nvSpPr>
-        <p:spPr/>
-        <p:txBody>
-          <a:bodyPr/>
-          <a:lstStyle/>
-          <a:p>
-            <a:r>
-              <a:t>Financial Governance</a:t>
-            </a:r>
-          </a:p>
-        </p:txBody>
-      </p:sp>
-      <p:sp>
-        <p:nvSpPr>
-          <p:cNvPr id="3" name="Picture Placeholder 2"/>
-          <p:cNvSpPr>
-            <a:spLocks noGrp="1"/>
-          </p:cNvSpPr>
-          <p:nvPr>
-            <p:ph type="pic" idx="13" sz="quarter"/>
-          </p:nvPr>
-        </p:nvSpPr>
-        <p:spPr/>
-      </p:sp>
-      <p:sp>
-        <p:nvSpPr>
-          <p:cNvPr id="4" name="Text Placeholder 3"/>
-          <p:cNvSpPr>
-            <a:spLocks noGrp="1"/>
-          </p:cNvSpPr>
-          <p:nvPr>
-            <p:ph type="body" idx="14" sz="quarter"/>
-          </p:nvPr>
-        </p:nvSpPr>
-        <p:spPr/>
-        <p:txBody>
-          <a:bodyPr/>
-          <a:lstStyle/>
-          <a:p>
-            <a:pPr/>
-            <a:r>
-              <a:rPr b="1"/>
-              <a:t>Budget Management</a:t>
-            </a:r>
-            <a:r>
-              <a:t>: Project-level budgets with automated alerting and controls</a:t>
-            </a:r>
-          </a:p>
-          <a:p>
-            <a:pPr/>
-            <a:r>
-              <a:rPr b="1"/>
-              <a:t>Cost Forecasting</a:t>
-            </a:r>
-            <a:r>
-              <a:t>: Predictive analytics for capacity planning and budget forecasting</a:t>
-            </a:r>
-          </a:p>
-          <a:p>
-            <a:pPr/>
-            <a:r>
-              <a:rPr b="1"/>
-              <a:t>Spend Analysis</a:t>
-            </a:r>
-            <a:r>
-              <a:t>: Detailed spend analysis with optimization recommendations</a:t>
-            </a:r>
-          </a:p>
-          <a:p>
-            <a:pPr/>
-            <a:r>
-              <a:rPr b="1"/>
-              <a:t>Chargebacks</a:t>
-            </a:r>
-            <a:r>
-              <a:t>: Automated chargeback system for accurate cost attribution</a:t>
-            </a:r>
-          </a:p>
-          <a:p>
-            <a:pPr/>
-            <a:r>
-              <a:rPr b="1"/>
-              <a:t>Financial Reporting</a:t>
-            </a:r>
-            <a:r>
-              <a:t>: Executive dashboards with real-time cost and usage metrics</a:t>
-            </a:r>
-          </a:p>
-        </p:txBody>
-      </p:sp>
-    </p:spTree>
-  </p:cSld>
-  <p:clrMapOvr>
-    <a:masterClrMapping/>
-  </p:clrMapOvr>
-</p:sld>
-</file>
-
-<file path=ppt/slides/slide22.xml><?xml version="1.0" encoding="utf-8"?>
-<p:sld xmlns:a="http://schemas.openxmlformats.org/drawingml/2006/main" xmlns:p="http://schemas.openxmlformats.org/presentationml/2006/main" xmlns:r="http://schemas.openxmlformats.org/officeDocument/2006/relationships">
-  <p:cSld>
-    <p:spTree>
-      <p:nvGrpSpPr>
-        <p:cNvPr id="1" name=""/>
-        <p:cNvGrpSpPr/>
-        <p:nvPr/>
-      </p:nvGrpSpPr>
-      <p:grpSpPr/>
-      <p:sp>
-        <p:nvSpPr>
-          <p:cNvPr id="2" name="Text Placeholder 1"/>
-          <p:cNvSpPr>
-            <a:spLocks noGrp="1"/>
-          </p:cNvSpPr>
-          <p:nvPr>
-            <p:ph type="body" idx="10" sz="quarter"/>
-          </p:nvPr>
-        </p:nvSpPr>
-        <p:spPr/>
-        <p:txBody>
-          <a:bodyPr/>
-          <a:lstStyle/>
-          <a:p>
-            <a:r>
-              <a:t>Resilience Architecture</a:t>
-            </a:r>
-          </a:p>
-        </p:txBody>
-      </p:sp>
-      <p:sp>
-        <p:nvSpPr>
-          <p:cNvPr id="3" name="Picture Placeholder 2"/>
-          <p:cNvSpPr>
-            <a:spLocks noGrp="1"/>
-          </p:cNvSpPr>
-          <p:nvPr>
-            <p:ph type="pic" idx="14" sz="quarter"/>
-          </p:nvPr>
-        </p:nvSpPr>
-        <p:spPr/>
-      </p:sp>
-      <p:sp>
-        <p:nvSpPr>
-          <p:cNvPr id="4" name="Picture Placeholder 3"/>
-          <p:cNvSpPr>
-            <a:spLocks noGrp="1"/>
-          </p:cNvSpPr>
-          <p:nvPr>
-            <p:ph type="pic" idx="15" sz="quarter"/>
-          </p:nvPr>
-        </p:nvSpPr>
-        <p:spPr/>
       </p:sp>
       <p:sp>
         <p:nvSpPr>
@@ -4742,7 +6465,7 @@
             <a:spLocks noGrp="1"/>
           </p:cNvSpPr>
           <p:nvPr>
-            <p:ph type="body" idx="16" sz="quarter"/>
+            <p:ph type="body" idx="15" sz="quarter"/>
           </p:nvPr>
         </p:nvSpPr>
         <p:spPr/>
@@ -4750,784 +6473,44 @@
           <a:bodyPr/>
           <a:lstStyle/>
           <a:p>
-            <a:pPr/>
-            <a:r>
-              <a:rPr b="1"/>
-              <a:t>Multi-Region Deployment</a:t>
-            </a:r>
-            <a:r>
-              <a:t>: Active-active deployment across primary and secondary regions</a:t>
-            </a:r>
-          </a:p>
-          <a:p>
-            <a:pPr/>
-            <a:r>
-              <a:rPr b="1"/>
-              <a:t>Automated Failover</a:t>
-            </a:r>
-            <a:r>
-              <a:t>: Automated failover with 15-minute recovery time objective</a:t>
-            </a:r>
-          </a:p>
-          <a:p>
-            <a:pPr/>
-            <a:r>
-              <a:rPr b="1"/>
-              <a:t>Data Replication</a:t>
-            </a:r>
-            <a:r>
-              <a:t>: Cross-region data replication with 1-hour recovery point objective</a:t>
-            </a:r>
-          </a:p>
-          <a:p>
-            <a:pPr/>
-            <a:r>
-              <a:rPr b="1"/>
-              <a:t>Backup Strategy</a:t>
-            </a:r>
-            <a:r>
-              <a:t>: Automated backup with configurable retention policies</a:t>
-            </a:r>
-          </a:p>
-          <a:p>
-            <a:pPr/>
-            <a:r>
-              <a:rPr b="1"/>
-              <a:t>Testing Program</a:t>
-            </a:r>
-            <a:r>
-              <a:t>: Quarterly disaster recovery testing with documented procedures</a:t>
+            <a:pPr algn="r">
+              <a:buNone/>
+            </a:pPr>
+            <a:r>
+              <a:rPr sz="1100">
+                <a:solidFill>
+                  <a:srgbClr val="CC0000"/>
+                </a:solidFill>
+              </a:rPr>
+              <a:t>Google Cloud Landing Zone</a:t>
             </a:r>
           </a:p>
         </p:txBody>
       </p:sp>
-    </p:spTree>
-  </p:cSld>
-  <p:clrMapOvr>
-    <a:masterClrMapping/>
-  </p:clrMapOvr>
-</p:sld>
-</file>
-
-<file path=ppt/slides/slide23.xml><?xml version="1.0" encoding="utf-8"?>
-<p:sld xmlns:a="http://schemas.openxmlformats.org/drawingml/2006/main" xmlns:p="http://schemas.openxmlformats.org/presentationml/2006/main" xmlns:r="http://schemas.openxmlformats.org/officeDocument/2006/relationships">
-  <p:cSld>
-    <p:spTree>
-      <p:nvGrpSpPr>
-        <p:cNvPr id="1" name=""/>
-        <p:cNvGrpSpPr/>
-        <p:nvPr/>
-      </p:nvGrpSpPr>
-      <p:grpSpPr/>
-      <p:sp>
-        <p:nvSpPr>
-          <p:cNvPr id="2" name="Text Placeholder 1"/>
-          <p:cNvSpPr>
-            <a:spLocks noGrp="1"/>
-          </p:cNvSpPr>
-          <p:nvPr>
-            <p:ph type="body" idx="10" sz="quarter"/>
-          </p:nvPr>
-        </p:nvSpPr>
-        <p:spPr/>
-        <p:txBody>
-          <a:bodyPr/>
-          <a:lstStyle/>
-          <a:p>
-            <a:r>
-              <a:t>Business Continuity Planning</a:t>
-            </a:r>
-          </a:p>
-        </p:txBody>
-      </p:sp>
-      <p:sp>
-        <p:nvSpPr>
-          <p:cNvPr id="3" name="Picture Placeholder 2"/>
-          <p:cNvSpPr>
-            <a:spLocks noGrp="1"/>
-          </p:cNvSpPr>
-          <p:nvPr>
-            <p:ph type="pic" idx="13" sz="quarter"/>
-          </p:nvPr>
-        </p:nvSpPr>
-        <p:spPr/>
-      </p:sp>
-      <p:sp>
-        <p:nvSpPr>
-          <p:cNvPr id="4" name="Text Placeholder 3"/>
-          <p:cNvSpPr>
-            <a:spLocks noGrp="1"/>
-          </p:cNvSpPr>
-          <p:nvPr>
-            <p:ph type="body" idx="14" sz="quarter"/>
-          </p:nvPr>
-        </p:nvSpPr>
-        <p:spPr/>
-        <p:txBody>
-          <a:bodyPr/>
-          <a:lstStyle/>
-          <a:p>
-            <a:pPr/>
-            <a:r>
-              <a:rPr b="1"/>
-              <a:t>Critical Application Identification</a:t>
-            </a:r>
-            <a:r>
-              <a:t>: Prioritized recovery plan for business-critical applications</a:t>
-            </a:r>
-          </a:p>
-          <a:p>
-            <a:pPr/>
-            <a:r>
-              <a:rPr b="1"/>
-              <a:t>Communication Plan</a:t>
-            </a:r>
-            <a:r>
-              <a:t>: Automated stakeholder communication during incidents</a:t>
-            </a:r>
-          </a:p>
-          <a:p>
-            <a:pPr/>
-            <a:r>
-              <a:rPr b="1"/>
-              <a:t>Recovery Procedures</a:t>
-            </a:r>
-            <a:r>
-              <a:t>: Detailed recovery procedures with automated execution</a:t>
-            </a:r>
-          </a:p>
-          <a:p>
-            <a:pPr/>
-            <a:r>
-              <a:rPr b="1"/>
-              <a:t>Training Program</a:t>
-            </a:r>
-            <a:r>
-              <a:t>: Regular training for incident response team members</a:t>
-            </a:r>
-          </a:p>
-          <a:p>
-            <a:pPr/>
-            <a:r>
-              <a:rPr b="1"/>
-              <a:t>Continuous Improvement</a:t>
-            </a:r>
-            <a:r>
-              <a:t>: Post-incident reviews with process improvements</a:t>
-            </a:r>
-          </a:p>
-        </p:txBody>
-      </p:sp>
-    </p:spTree>
-  </p:cSld>
-  <p:clrMapOvr>
-    <a:masterClrMapping/>
-  </p:clrMapOvr>
-</p:sld>
-</file>
-
-<file path=ppt/slides/slide24.xml><?xml version="1.0" encoding="utf-8"?>
-<p:sld xmlns:a="http://schemas.openxmlformats.org/drawingml/2006/main" xmlns:p="http://schemas.openxmlformats.org/presentationml/2006/main" xmlns:r="http://schemas.openxmlformats.org/officeDocument/2006/relationships">
-  <p:cSld>
-    <p:spTree>
-      <p:nvGrpSpPr>
-        <p:cNvPr id="1" name=""/>
-        <p:cNvGrpSpPr/>
-        <p:nvPr/>
-      </p:nvGrpSpPr>
-      <p:grpSpPr/>
-      <p:sp>
-        <p:nvSpPr>
-          <p:cNvPr id="2" name="Text Placeholder 1"/>
-          <p:cNvSpPr>
-            <a:spLocks noGrp="1"/>
-          </p:cNvSpPr>
-          <p:nvPr>
-            <p:ph type="body" idx="10" sz="quarter"/>
-          </p:nvPr>
-        </p:nvSpPr>
-        <p:spPr/>
-        <p:txBody>
-          <a:bodyPr/>
-          <a:lstStyle/>
-          <a:p>
-            <a:r>
-              <a:t>Operational Excellence</a:t>
-            </a:r>
-          </a:p>
-        </p:txBody>
-      </p:sp>
-      <p:sp>
-        <p:nvSpPr>
-          <p:cNvPr id="3" name="Picture Placeholder 2"/>
-          <p:cNvSpPr>
-            <a:spLocks noGrp="1"/>
-          </p:cNvSpPr>
-          <p:nvPr>
-            <p:ph type="pic" idx="13" sz="quarter"/>
-          </p:nvPr>
-        </p:nvSpPr>
-        <p:spPr/>
-      </p:sp>
-      <p:sp>
-        <p:nvSpPr>
-          <p:cNvPr id="4" name="Text Placeholder 3"/>
-          <p:cNvSpPr>
-            <a:spLocks noGrp="1"/>
-          </p:cNvSpPr>
-          <p:nvPr>
-            <p:ph type="body" idx="14" sz="quarter"/>
-          </p:nvPr>
-        </p:nvSpPr>
-        <p:spPr/>
-        <p:txBody>
-          <a:bodyPr/>
-          <a:lstStyle/>
-          <a:p>
-            <a:pPr/>
-            <a:r>
-              <a:rPr b="1"/>
-              <a:t>24/7 Monitoring</a:t>
-            </a:r>
-            <a:r>
-              <a:t>: Comprehensive monitoring with intelligent alerting</a:t>
-            </a:r>
-          </a:p>
-          <a:p>
-            <a:pPr/>
-            <a:r>
-              <a:rPr b="1"/>
-              <a:t>Automated Remediation</a:t>
-            </a:r>
-            <a:r>
-              <a:t>: Self-healing capabilities for common infrastructure issues</a:t>
-            </a:r>
-          </a:p>
-          <a:p>
-            <a:pPr/>
-            <a:r>
-              <a:rPr b="1"/>
-              <a:t>Capacity Planning</a:t>
-            </a:r>
-            <a:r>
-              <a:t>: Proactive capacity planning based on usage trends and forecasts</a:t>
-            </a:r>
-          </a:p>
-          <a:p>
-            <a:pPr/>
-            <a:r>
-              <a:rPr b="1"/>
-              <a:t>Performance Optimization</a:t>
-            </a:r>
-            <a:r>
-              <a:t>: Continuous performance tuning and optimization</a:t>
-            </a:r>
-          </a:p>
-          <a:p>
-            <a:pPr/>
-            <a:r>
-              <a:rPr b="1"/>
-              <a:t>Security Updates</a:t>
-            </a:r>
-            <a:r>
-              <a:t>: Automated security patching and vulnerability remediation</a:t>
-            </a:r>
-          </a:p>
-        </p:txBody>
-      </p:sp>
-    </p:spTree>
-  </p:cSld>
-  <p:clrMapOvr>
-    <a:masterClrMapping/>
-  </p:clrMapOvr>
-</p:sld>
-</file>
-
-<file path=ppt/slides/slide25.xml><?xml version="1.0" encoding="utf-8"?>
-<p:sld xmlns:a="http://schemas.openxmlformats.org/drawingml/2006/main" xmlns:p="http://schemas.openxmlformats.org/presentationml/2006/main" xmlns:r="http://schemas.openxmlformats.org/officeDocument/2006/relationships">
-  <p:cSld>
-    <p:spTree>
-      <p:nvGrpSpPr>
-        <p:cNvPr id="1" name=""/>
-        <p:cNvGrpSpPr/>
-        <p:nvPr/>
-      </p:nvGrpSpPr>
-      <p:grpSpPr/>
-      <p:sp>
-        <p:nvSpPr>
-          <p:cNvPr id="2" name="Text Placeholder 1"/>
-          <p:cNvSpPr>
-            <a:spLocks noGrp="1"/>
-          </p:cNvSpPr>
-          <p:nvPr>
-            <p:ph type="body" idx="10" sz="quarter"/>
-          </p:nvPr>
-        </p:nvSpPr>
-        <p:spPr/>
-        <p:txBody>
-          <a:bodyPr/>
-          <a:lstStyle/>
-          <a:p>
-            <a:r>
-              <a:t>Support Framework</a:t>
-            </a:r>
-          </a:p>
-        </p:txBody>
-      </p:sp>
-      <p:sp>
-        <p:nvSpPr>
-          <p:cNvPr id="3" name="Picture Placeholder 2"/>
-          <p:cNvSpPr>
-            <a:spLocks noGrp="1"/>
-          </p:cNvSpPr>
-          <p:nvPr>
-            <p:ph type="pic" idx="13" sz="quarter"/>
-          </p:nvPr>
-        </p:nvSpPr>
-        <p:spPr/>
-      </p:sp>
-      <p:sp>
-        <p:nvSpPr>
-          <p:cNvPr id="4" name="Text Placeholder 3"/>
-          <p:cNvSpPr>
-            <a:spLocks noGrp="1"/>
-          </p:cNvSpPr>
-          <p:nvPr>
-            <p:ph type="body" idx="14" sz="quarter"/>
-          </p:nvPr>
-        </p:nvSpPr>
-        <p:spPr/>
-        <p:txBody>
-          <a:bodyPr/>
-          <a:lstStyle/>
-          <a:p>
-            <a:pPr/>
-            <a:r>
-              <a:rPr b="1"/>
-              <a:t>Technical Support</a:t>
-            </a:r>
-            <a:r>
-              <a:t>: Dedicated Google Cloud support with 2-hour response SLA</a:t>
-            </a:r>
-          </a:p>
-          <a:p>
-            <a:pPr/>
-            <a:r>
-              <a:rPr b="1"/>
-              <a:t>Expert Services</a:t>
-            </a:r>
-            <a:r>
-              <a:t>: Access to Google Cloud Professional Services for complex issues</a:t>
-            </a:r>
-          </a:p>
-          <a:p>
-            <a:pPr/>
-            <a:r>
-              <a:rPr b="1"/>
-              <a:t>Documentation</a:t>
-            </a:r>
-            <a:r>
-              <a:t>: Comprehensive operational runbooks and troubleshooting guides</a:t>
-            </a:r>
-          </a:p>
-          <a:p>
-            <a:pPr/>
-            <a:r>
-              <a:rPr b="1"/>
-              <a:t>Training Program</a:t>
-            </a:r>
-            <a:r>
-              <a:t>: Ongoing certification program for operations team</a:t>
-            </a:r>
-          </a:p>
-          <a:p>
-            <a:pPr/>
-            <a:r>
-              <a:rPr b="1"/>
-              <a:t>Community Engagement</a:t>
-            </a:r>
-            <a:r>
-              <a:t>: Active participation in Google Cloud user community</a:t>
-            </a:r>
-          </a:p>
-        </p:txBody>
-      </p:sp>
-    </p:spTree>
-  </p:cSld>
-  <p:clrMapOvr>
-    <a:masterClrMapping/>
-  </p:clrMapOvr>
-</p:sld>
-</file>
-
-<file path=ppt/slides/slide26.xml><?xml version="1.0" encoding="utf-8"?>
-<p:sld xmlns:a="http://schemas.openxmlformats.org/drawingml/2006/main" xmlns:p="http://schemas.openxmlformats.org/presentationml/2006/main" xmlns:r="http://schemas.openxmlformats.org/officeDocument/2006/relationships">
-  <p:cSld>
-    <p:spTree>
-      <p:nvGrpSpPr>
-        <p:cNvPr id="1" name=""/>
-        <p:cNvGrpSpPr/>
-        <p:nvPr/>
-      </p:nvGrpSpPr>
-      <p:grpSpPr/>
-      <p:sp>
-        <p:nvSpPr>
-          <p:cNvPr id="2" name="Text Placeholder 1"/>
-          <p:cNvSpPr>
-            <a:spLocks noGrp="1"/>
-          </p:cNvSpPr>
-          <p:nvPr>
-            <p:ph type="body" idx="10" sz="quarter"/>
-          </p:nvPr>
-        </p:nvSpPr>
-        <p:spPr/>
-        <p:txBody>
-          <a:bodyPr/>
-          <a:lstStyle/>
-          <a:p>
-            <a:pPr algn="l"/>
-            <a:r>
-              <a:rPr b="1"/>
-              <a:t>Future Enhancement Roadmap</a:t>
-            </a:r>
-          </a:p>
-        </p:txBody>
-      </p:sp>
-      <p:sp>
-        <p:nvSpPr>
-          <p:cNvPr id="3" name="Picture Placeholder 2"/>
-          <p:cNvSpPr>
-            <a:spLocks noGrp="1"/>
-          </p:cNvSpPr>
-          <p:nvPr>
-            <p:ph type="pic" idx="13" sz="quarter"/>
-          </p:nvPr>
-        </p:nvSpPr>
-        <p:spPr/>
-      </p:sp>
-      <p:sp>
-        <p:nvSpPr>
-          <p:cNvPr id="4" name="Table Placeholder 3"/>
-          <p:cNvSpPr>
-            <a:spLocks noGrp="1"/>
-          </p:cNvSpPr>
-          <p:nvPr>
-            <p:ph type="tbl" idx="14" sz="quarter"/>
-          </p:nvPr>
-        </p:nvSpPr>
-        <p:spPr/>
-      </p:sp>
-    </p:spTree>
-  </p:cSld>
-  <p:clrMapOvr>
-    <a:masterClrMapping/>
-  </p:clrMapOvr>
-</p:sld>
-</file>
-
-<file path=ppt/slides/slide27.xml><?xml version="1.0" encoding="utf-8"?>
-<p:sld xmlns:a="http://schemas.openxmlformats.org/drawingml/2006/main" xmlns:p="http://schemas.openxmlformats.org/presentationml/2006/main" xmlns:r="http://schemas.openxmlformats.org/officeDocument/2006/relationships">
-  <p:cSld>
-    <p:spTree>
-      <p:nvGrpSpPr>
-        <p:cNvPr id="1" name=""/>
-        <p:cNvGrpSpPr/>
-        <p:nvPr/>
-      </p:nvGrpSpPr>
-      <p:grpSpPr/>
-      <p:sp>
-        <p:nvSpPr>
-          <p:cNvPr id="2" name="Text Placeholder 1"/>
-          <p:cNvSpPr>
-            <a:spLocks noGrp="1"/>
-          </p:cNvSpPr>
-          <p:nvPr>
-            <p:ph type="body" idx="10" sz="quarter"/>
-          </p:nvPr>
-        </p:nvSpPr>
-        <p:spPr/>
-        <p:txBody>
-          <a:bodyPr/>
-          <a:lstStyle/>
-          <a:p>
-            <a:r>
-              <a:t>Operational Risk Controls</a:t>
-            </a:r>
-          </a:p>
-        </p:txBody>
-      </p:sp>
-      <p:sp>
-        <p:nvSpPr>
-          <p:cNvPr id="3" name="Picture Placeholder 2"/>
-          <p:cNvSpPr>
-            <a:spLocks noGrp="1"/>
-          </p:cNvSpPr>
-          <p:nvPr>
-            <p:ph type="pic" idx="13" sz="quarter"/>
-          </p:nvPr>
-        </p:nvSpPr>
-        <p:spPr/>
-      </p:sp>
-      <p:sp>
-        <p:nvSpPr>
-          <p:cNvPr id="4" name="Text Placeholder 3"/>
-          <p:cNvSpPr>
-            <a:spLocks noGrp="1"/>
-          </p:cNvSpPr>
-          <p:nvPr>
-            <p:ph type="body" idx="14" sz="quarter"/>
-          </p:nvPr>
-        </p:nvSpPr>
-        <p:spPr/>
-        <p:txBody>
-          <a:bodyPr/>
-          <a:lstStyle/>
-          <a:p>
-            <a:pPr/>
-            <a:r>
-              <a:rPr b="1"/>
-              <a:t>Change Management</a:t>
-            </a:r>
-            <a:r>
-              <a:t>: Rigorous change control with automated testing and rollback</a:t>
-            </a:r>
-          </a:p>
-          <a:p>
-            <a:pPr/>
-            <a:r>
-              <a:rPr b="1"/>
-              <a:t>Access Management</a:t>
-            </a:r>
-            <a:r>
-              <a:t>: Regular access reviews with automated deprovisioning</a:t>
-            </a:r>
-          </a:p>
-          <a:p>
-            <a:pPr/>
-            <a:r>
-              <a:rPr b="1"/>
-              <a:t>Incident Response</a:t>
-            </a:r>
-            <a:r>
-              <a:t>: Defined incident response procedures with automated escalation</a:t>
-            </a:r>
-          </a:p>
-          <a:p>
-            <a:pPr/>
-            <a:r>
-              <a:rPr b="1"/>
-              <a:t>Business Continuity</a:t>
-            </a:r>
-            <a:r>
-              <a:t>: Comprehensive business continuity planning with regular testing</a:t>
-            </a:r>
-          </a:p>
-        </p:txBody>
-      </p:sp>
-    </p:spTree>
-  </p:cSld>
-  <p:clrMapOvr>
-    <a:masterClrMapping/>
-  </p:clrMapOvr>
-</p:sld>
-</file>
-
-<file path=ppt/slides/slide28.xml><?xml version="1.0" encoding="utf-8"?>
-<p:sld xmlns:a="http://schemas.openxmlformats.org/drawingml/2006/main" xmlns:p="http://schemas.openxmlformats.org/presentationml/2006/main" xmlns:r="http://schemas.openxmlformats.org/officeDocument/2006/relationships">
-  <p:cSld>
-    <p:spTree>
-      <p:nvGrpSpPr>
-        <p:cNvPr id="1" name=""/>
-        <p:cNvGrpSpPr/>
-        <p:nvPr/>
-      </p:nvGrpSpPr>
-      <p:grpSpPr/>
-      <p:sp>
-        <p:nvSpPr>
-          <p:cNvPr id="2" name="Text Placeholder 1"/>
-          <p:cNvSpPr>
-            <a:spLocks noGrp="1"/>
-          </p:cNvSpPr>
-          <p:nvPr>
-            <p:ph type="body" idx="10" sz="quarter"/>
-          </p:nvPr>
-        </p:nvSpPr>
-        <p:spPr/>
-        <p:txBody>
-          <a:bodyPr/>
-          <a:lstStyle/>
-          <a:p>
-            <a:r>
-              <a:t>Technology Risk Management</a:t>
-            </a:r>
-          </a:p>
-        </p:txBody>
-      </p:sp>
-      <p:sp>
-        <p:nvSpPr>
-          <p:cNvPr id="3" name="Picture Placeholder 2"/>
-          <p:cNvSpPr>
-            <a:spLocks noGrp="1"/>
-          </p:cNvSpPr>
-          <p:nvPr>
-            <p:ph type="pic" idx="13" sz="quarter"/>
-          </p:nvPr>
-        </p:nvSpPr>
-        <p:spPr/>
-      </p:sp>
-      <p:sp>
-        <p:nvSpPr>
-          <p:cNvPr id="4" name="Text Placeholder 3"/>
-          <p:cNvSpPr>
-            <a:spLocks noGrp="1"/>
-          </p:cNvSpPr>
-          <p:nvPr>
-            <p:ph type="body" idx="14" sz="quarter"/>
-          </p:nvPr>
-        </p:nvSpPr>
-        <p:spPr/>
-        <p:txBody>
-          <a:bodyPr/>
-          <a:lstStyle/>
-          <a:p>
-            <a:pPr/>
-            <a:r>
-              <a:rPr b="1"/>
-              <a:t>Vendor Management</a:t>
-            </a:r>
-            <a:r>
-              <a:t>: Diversified cloud strategy reducing vendor lock-in risk</a:t>
-            </a:r>
-          </a:p>
-          <a:p>
-            <a:pPr/>
-            <a:r>
-              <a:rPr b="1"/>
-              <a:t>Technology Currency</a:t>
-            </a:r>
-            <a:r>
-              <a:t>: Regular technology refresh cycles maintaining current versions</a:t>
-            </a:r>
-          </a:p>
-          <a:p>
-            <a:pPr/>
-            <a:r>
-              <a:rPr b="1"/>
-              <a:t>Security Monitoring</a:t>
-            </a:r>
-            <a:r>
-              <a:t>: Continuous security monitoring with threat intelligence integration</a:t>
-            </a:r>
-          </a:p>
-          <a:p>
-            <a:pPr/>
-            <a:r>
-              <a:rPr b="1"/>
-              <a:t>Compliance Monitoring</a:t>
-            </a:r>
-            <a:r>
-              <a:t>: Automated compliance monitoring with exception reporting</a:t>
-            </a:r>
-          </a:p>
-        </p:txBody>
-      </p:sp>
-    </p:spTree>
-  </p:cSld>
-  <p:clrMapOvr>
-    <a:masterClrMapping/>
-  </p:clrMapOvr>
-</p:sld>
-</file>
-
-<file path=ppt/slides/slide29.xml><?xml version="1.0" encoding="utf-8"?>
-<p:sld xmlns:a="http://schemas.openxmlformats.org/drawingml/2006/main" xmlns:p="http://schemas.openxmlformats.org/presentationml/2006/main" xmlns:r="http://schemas.openxmlformats.org/officeDocument/2006/relationships">
-  <p:cSld>
-    <p:spTree>
-      <p:nvGrpSpPr>
-        <p:cNvPr id="1" name=""/>
-        <p:cNvGrpSpPr/>
-        <p:nvPr/>
-      </p:nvGrpSpPr>
-      <p:grpSpPr/>
-      <p:sp>
-        <p:nvSpPr>
-          <p:cNvPr id="2" name="Text Placeholder 1"/>
-          <p:cNvSpPr>
-            <a:spLocks noGrp="1"/>
-          </p:cNvSpPr>
-          <p:nvPr>
-            <p:ph type="body" idx="10" sz="quarter"/>
-          </p:nvPr>
-        </p:nvSpPr>
-        <p:spPr/>
-        <p:txBody>
-          <a:bodyPr/>
-          <a:lstStyle/>
-          <a:p>
-            <a:r>
-              <a:t>Executive Endorsements</a:t>
-            </a:r>
-          </a:p>
-        </p:txBody>
-      </p:sp>
-      <p:sp>
-        <p:nvSpPr>
-          <p:cNvPr id="3" name="Picture Placeholder 2"/>
-          <p:cNvSpPr>
-            <a:spLocks noGrp="1"/>
-          </p:cNvSpPr>
-          <p:nvPr>
-            <p:ph type="pic" idx="13" sz="quarter"/>
-          </p:nvPr>
-        </p:nvSpPr>
-        <p:spPr/>
-      </p:sp>
-      <p:sp>
-        <p:nvSpPr>
-          <p:cNvPr id="4" name="Text Placeholder 3"/>
-          <p:cNvSpPr>
-            <a:spLocks noGrp="1"/>
-          </p:cNvSpPr>
-          <p:nvPr>
-            <p:ph type="body" idx="14" sz="quarter"/>
-          </p:nvPr>
-        </p:nvSpPr>
-        <p:spPr/>
-        <p:txBody>
-          <a:bodyPr/>
-          <a:lstStyle/>
-          <a:p>
-            <a:pPr/>
-            <a:r>
-              <a:rPr b="1"/>
-              <a:t>CEO</a:t>
-            </a:r>
-            <a:r>
-              <a:t>: "This landing zone provides the secure foundation for our digital transformation"</a:t>
-            </a:r>
-          </a:p>
-          <a:p>
-            <a:pPr/>
-            <a:r>
-              <a:rPr b="1"/>
-              <a:t>CTO</a:t>
-            </a:r>
-            <a:r>
-              <a:t>: "Exemplary implementation of cloud best practices at enterprise scale"</a:t>
-            </a:r>
-          </a:p>
-          <a:p>
-            <a:pPr/>
-            <a:r>
-              <a:rPr b="1"/>
-              <a:t>CISO</a:t>
-            </a:r>
-            <a:r>
-              <a:t>: "Outstanding security implementation exceeding our compliance requirements"</a:t>
-            </a:r>
-          </a:p>
-        </p:txBody>
-      </p:sp>
+      <p:pic>
+        <p:nvPicPr>
+          <p:cNvPr id="6" name="Picture 5" descr="consulting_company_logo.png"/>
+          <p:cNvPicPr>
+            <a:picLocks noChangeAspect="1"/>
+          </p:cNvPicPr>
+          <p:nvPr/>
+        </p:nvPicPr>
+        <p:blipFill>
+          <a:blip r:embed="rId3"/>
+          <a:stretch>
+            <a:fillRect/>
+          </a:stretch>
+        </p:blipFill>
+        <p:spPr>
+          <a:xfrm>
+            <a:off x="313593" y="4536078"/>
+            <a:ext cx="2143858" cy="529698"/>
+          </a:xfrm>
+          <a:prstGeom prst="rect">
+            <a:avLst/>
+          </a:prstGeom>
+        </p:spPr>
+      </p:pic>
     </p:spTree>
   </p:cSld>
   <p:clrMapOvr>
@@ -5548,7 +6531,7 @@
       <p:grpSpPr/>
       <p:sp>
         <p:nvSpPr>
-          <p:cNvPr id="2" name="Text Placeholder 1"/>
+          <p:cNvPr id="3" name="Text Placeholder 2"/>
           <p:cNvSpPr>
             <a:spLocks noGrp="1"/>
           </p:cNvSpPr>
@@ -5561,32 +6544,112 @@
           <a:bodyPr/>
           <a:lstStyle/>
           <a:p>
-            <a:r>
-              <a:t>Core Google Cloud Components</a:t>
+            <a:pPr algn="l"/>
+            <a:r>
+              <a:t>Solution Architecture</a:t>
             </a:r>
           </a:p>
         </p:txBody>
       </p:sp>
       <p:sp>
         <p:nvSpPr>
-          <p:cNvPr id="3" name="Picture Placeholder 2"/>
+          <p:cNvPr id="5" name="Text Placeholder 4"/>
           <p:cNvSpPr>
             <a:spLocks noGrp="1"/>
           </p:cNvSpPr>
           <p:nvPr>
-            <p:ph type="pic" idx="13" sz="quarter"/>
+            <p:ph type="body" idx="16" sz="quarter"/>
           </p:nvPr>
         </p:nvSpPr>
         <p:spPr/>
-      </p:sp>
-      <p:sp>
-        <p:nvSpPr>
-          <p:cNvPr id="4" name="Text Placeholder 3"/>
+        <p:txBody>
+          <a:bodyPr/>
+          <a:lstStyle/>
+          <a:p>
+            <a:pPr/>
+            <a:r>
+              <a:rPr b="1"/>
+              <a:t>Platform Foundation</a:t>
+            </a:r>
+          </a:p>
+          <a:p>
+            <a:pPr lvl="1"/>
+            <a:r>
+              <a:t>GCP Organization with folder hierarchy</a:t>
+            </a:r>
+          </a:p>
+          <a:p>
+            <a:pPr lvl="1"/>
+            <a:r>
+              <a:t>Cloud Foundation Toolkit modules</a:t>
+            </a:r>
+          </a:p>
+          <a:p>
+            <a:pPr lvl="1"/>
+            <a:r>
+              <a:t>Centralized billing and chargeback</a:t>
+            </a:r>
+          </a:p>
+          <a:p>
+            <a:pPr/>
+            <a:r>
+              <a:rPr b="1"/>
+              <a:t>Security &amp; Governance</a:t>
+            </a:r>
+          </a:p>
+          <a:p>
+            <a:pPr lvl="1"/>
+            <a:r>
+              <a:t>SCC Premium and Chronicle SIEM</a:t>
+            </a:r>
+          </a:p>
+          <a:p>
+            <a:pPr lvl="1"/>
+            <a:r>
+              <a:t>50+ organization policy constraints</a:t>
+            </a:r>
+          </a:p>
+          <a:p>
+            <a:pPr lvl="1"/>
+            <a:r>
+              <a:t>Cloud KMS encryption keys</a:t>
+            </a:r>
+          </a:p>
+          <a:p>
+            <a:pPr/>
+            <a:r>
+              <a:rPr b="1"/>
+              <a:t>Network &amp; Connectivity</a:t>
+            </a:r>
+          </a:p>
+          <a:p>
+            <a:pPr lvl="1"/>
+            <a:r>
+              <a:t>Shared VPC hub-spoke (3 regions)</a:t>
+            </a:r>
+          </a:p>
+          <a:p>
+            <a:pPr lvl="1"/>
+            <a:r>
+              <a:t>Dedicated Interconnect 10 Gbps</a:t>
+            </a:r>
+          </a:p>
+          <a:p>
+            <a:pPr lvl="1"/>
+            <a:r>
+              <a:t>Cloud NAT and load balancers</a:t>
+            </a:r>
+          </a:p>
+        </p:txBody>
+      </p:sp>
+      <p:sp>
+        <p:nvSpPr>
+          <p:cNvPr id="6" name="Text Placeholder 5"/>
           <p:cNvSpPr>
             <a:spLocks noGrp="1"/>
           </p:cNvSpPr>
           <p:nvPr>
-            <p:ph type="body" idx="14" sz="quarter"/>
+            <p:ph type="body" idx="17" sz="quarter"/>
           </p:nvPr>
         </p:nvSpPr>
         <p:spPr/>
@@ -5594,398 +6657,74 @@
           <a:bodyPr/>
           <a:lstStyle/>
           <a:p>
-            <a:pPr/>
-            <a:r>
-              <a:rPr b="1"/>
-              <a:t>Google Cloud Organization</a:t>
-            </a:r>
-            <a:r>
-              <a:t>: Hierarchical resource management and policy inheritance</a:t>
-            </a:r>
-          </a:p>
-          <a:p>
-            <a:pPr/>
-            <a:r>
-              <a:rPr b="1"/>
-              <a:t>Cloud Identity</a:t>
-            </a:r>
-            <a:r>
-              <a:t>: Enterprise identity and access management</a:t>
-            </a:r>
-          </a:p>
-          <a:p>
-            <a:pPr/>
-            <a:r>
-              <a:rPr b="1"/>
-              <a:t>Virtual Private Cloud (VPC)</a:t>
-            </a:r>
-            <a:r>
-              <a:t>: Secure network foundation with global reach</a:t>
-            </a:r>
-          </a:p>
-          <a:p>
-            <a:pPr/>
-            <a:r>
-              <a:rPr b="1"/>
-              <a:t>Cloud Interconnect</a:t>
-            </a:r>
-            <a:r>
-              <a:t>: Dedicated hybrid connectivity to on-premises infrastructure</a:t>
-            </a:r>
-          </a:p>
-          <a:p>
-            <a:pPr/>
-            <a:r>
-              <a:rPr b="1"/>
-              <a:t>Cloud Security Command Center</a:t>
-            </a:r>
-            <a:r>
-              <a:t>: Centralized security and compliance monitoring</a:t>
-            </a:r>
-          </a:p>
-          <a:p>
-            <a:pPr/>
-            <a:r>
-              <a:rPr b="1"/>
-              <a:t>Cloud Asset Inventory</a:t>
-            </a:r>
-            <a:r>
-              <a:t>: Comprehensive resource discovery and management</a:t>
-            </a:r>
-          </a:p>
-          <a:p>
-            <a:pPr/>
-            <a:r>
-              <a:rPr b="1"/>
-              <a:t>Cloud Logging</a:t>
-            </a:r>
-            <a:r>
-              <a:t>: Centralized log aggregation and analysis</a:t>
-            </a:r>
-          </a:p>
-          <a:p>
-            <a:pPr/>
-            <a:r>
-              <a:rPr b="1"/>
-              <a:t>Cloud Monitoring</a:t>
-            </a:r>
-            <a:r>
-              <a:t>: Infrastructure and application performance monitoring</a:t>
+            <a:pPr algn="r">
+              <a:buNone/>
+            </a:pPr>
+            <a:r>
+              <a:rPr sz="1100">
+                <a:solidFill>
+                  <a:srgbClr val="CC0000"/>
+                </a:solidFill>
+              </a:rPr>
+              <a:t>Google Cloud Landing Zone</a:t>
             </a:r>
           </a:p>
         </p:txBody>
       </p:sp>
-    </p:spTree>
-  </p:cSld>
-  <p:clrMapOvr>
-    <a:masterClrMapping/>
-  </p:clrMapOvr>
-</p:sld>
-</file>
-
-<file path=ppt/slides/slide30.xml><?xml version="1.0" encoding="utf-8"?>
-<p:sld xmlns:a="http://schemas.openxmlformats.org/drawingml/2006/main" xmlns:p="http://schemas.openxmlformats.org/presentationml/2006/main" xmlns:r="http://schemas.openxmlformats.org/officeDocument/2006/relationships">
-  <p:cSld>
-    <p:spTree>
-      <p:nvGrpSpPr>
-        <p:cNvPr id="1" name=""/>
-        <p:cNvGrpSpPr/>
-        <p:nvPr/>
-      </p:nvGrpSpPr>
-      <p:grpSpPr/>
-      <p:sp>
-        <p:nvSpPr>
-          <p:cNvPr id="2" name="Text Placeholder 1"/>
-          <p:cNvSpPr>
-            <a:spLocks noGrp="1"/>
-          </p:cNvSpPr>
-          <p:nvPr>
-            <p:ph type="body" idx="10" sz="quarter"/>
-          </p:nvPr>
-        </p:nvSpPr>
-        <p:spPr/>
-        <p:txBody>
-          <a:bodyPr/>
-          <a:lstStyle/>
-          <a:p>
-            <a:r>
-              <a:t>Industry Recognition</a:t>
-            </a:r>
-          </a:p>
-        </p:txBody>
-      </p:sp>
-      <p:sp>
-        <p:nvSpPr>
-          <p:cNvPr id="3" name="Picture Placeholder 2"/>
-          <p:cNvSpPr>
-            <a:spLocks noGrp="1"/>
-          </p:cNvSpPr>
-          <p:nvPr>
-            <p:ph type="pic" idx="13" sz="quarter"/>
-          </p:nvPr>
-        </p:nvSpPr>
-        <p:spPr/>
-      </p:sp>
-      <p:sp>
-        <p:nvSpPr>
-          <p:cNvPr id="4" name="Text Placeholder 3"/>
-          <p:cNvSpPr>
-            <a:spLocks noGrp="1"/>
-          </p:cNvSpPr>
-          <p:nvPr>
-            <p:ph type="body" idx="14" sz="quarter"/>
-          </p:nvPr>
-        </p:nvSpPr>
-        <p:spPr/>
-        <p:txBody>
-          <a:bodyPr/>
-          <a:lstStyle/>
-          <a:p>
-            <a:pPr/>
-            <a:r>
-              <a:rPr b="1"/>
-              <a:t>Google Cloud Partner Award</a:t>
-            </a:r>
-            <a:r>
-              <a:t>: Recognized as exemplary landing zone implementation</a:t>
-            </a:r>
-          </a:p>
-          <a:p>
-            <a:pPr/>
-            <a:r>
-              <a:rPr b="1"/>
-              <a:t>Industry Benchmarks</a:t>
-            </a:r>
-            <a:r>
-              <a:t>: Network performance in top 3% of enterprise implementations</a:t>
-            </a:r>
-          </a:p>
-          <a:p>
-            <a:pPr/>
-            <a:r>
-              <a:rPr b="1"/>
-              <a:t>Security Certification</a:t>
-            </a:r>
-            <a:r>
-              <a:t>: Achieved Google Cloud Security specialization recognition</a:t>
-            </a:r>
-          </a:p>
-        </p:txBody>
-      </p:sp>
-    </p:spTree>
-  </p:cSld>
-  <p:clrMapOvr>
-    <a:masterClrMapping/>
-  </p:clrMapOvr>
-</p:sld>
-</file>
-
-<file path=ppt/slides/slide31.xml><?xml version="1.0" encoding="utf-8"?>
-<p:sld xmlns:a="http://schemas.openxmlformats.org/drawingml/2006/main" xmlns:p="http://schemas.openxmlformats.org/presentationml/2006/main" xmlns:r="http://schemas.openxmlformats.org/officeDocument/2006/relationships">
-  <p:cSld>
-    <p:spTree>
-      <p:nvGrpSpPr>
-        <p:cNvPr id="1" name=""/>
-        <p:cNvGrpSpPr/>
-        <p:nvPr/>
-      </p:nvGrpSpPr>
-      <p:grpSpPr/>
-      <p:sp>
-        <p:nvSpPr>
-          <p:cNvPr id="2" name="Text Placeholder 1"/>
-          <p:cNvSpPr>
-            <a:spLocks noGrp="1"/>
-          </p:cNvSpPr>
-          <p:nvPr>
-            <p:ph type="body" idx="10" sz="quarter"/>
-          </p:nvPr>
-        </p:nvSpPr>
-        <p:spPr/>
-        <p:txBody>
-          <a:bodyPr/>
-          <a:lstStyle/>
-          <a:p>
-            <a:r>
-              <a:t>Key Success Factors for Replication</a:t>
-            </a:r>
-          </a:p>
-        </p:txBody>
-      </p:sp>
-      <p:sp>
-        <p:nvSpPr>
-          <p:cNvPr id="3" name="Picture Placeholder 2"/>
-          <p:cNvSpPr>
-            <a:spLocks noGrp="1"/>
-          </p:cNvSpPr>
-          <p:nvPr>
-            <p:ph type="pic" idx="13" sz="quarter"/>
-          </p:nvPr>
-        </p:nvSpPr>
-        <p:spPr/>
-      </p:sp>
-      <p:sp>
-        <p:nvSpPr>
-          <p:cNvPr id="4" name="Text Placeholder 3"/>
-          <p:cNvSpPr>
-            <a:spLocks noGrp="1"/>
-          </p:cNvSpPr>
-          <p:nvPr>
-            <p:ph type="body" idx="14" sz="quarter"/>
-          </p:nvPr>
-        </p:nvSpPr>
-        <p:spPr/>
-        <p:txBody>
-          <a:bodyPr/>
-          <a:lstStyle/>
-          <a:p>
-            <a:pPr/>
-            <a:r>
-              <a:t>Executive Alignment: Strong leadership support for cloud-first strategy</a:t>
-            </a:r>
-          </a:p>
-          <a:p>
-            <a:pPr/>
-            <a:r>
-              <a:t>Architecture Excellence: Adherence to Google Cloud best practices and reference architectures</a:t>
-            </a:r>
-          </a:p>
-          <a:p>
-            <a:pPr/>
-            <a:r>
-              <a:t>Security-First Design: Comprehensive security controls implemented from day one</a:t>
-            </a:r>
-          </a:p>
-          <a:p>
-            <a:pPr/>
-            <a:r>
-              <a:t>Iterative Approach: Phased implementation with continuous feedback and improvement</a:t>
-            </a:r>
-          </a:p>
-          <a:p>
-            <a:pPr/>
-            <a:r>
-              <a:t>Skills Investment: Comprehensive training and certification program for teams</a:t>
-            </a:r>
-          </a:p>
-        </p:txBody>
-      </p:sp>
-    </p:spTree>
-  </p:cSld>
-  <p:clrMapOvr>
-    <a:masterClrMapping/>
-  </p:clrMapOvr>
-</p:sld>
-</file>
-
-<file path=ppt/slides/slide32.xml><?xml version="1.0" encoding="utf-8"?>
-<p:sld xmlns:a="http://schemas.openxmlformats.org/drawingml/2006/main" xmlns:p="http://schemas.openxmlformats.org/presentationml/2006/main" xmlns:r="http://schemas.openxmlformats.org/officeDocument/2006/relationships">
-  <p:cSld>
-    <p:spTree>
-      <p:nvGrpSpPr>
-        <p:cNvPr id="1" name=""/>
-        <p:cNvGrpSpPr/>
-        <p:nvPr/>
-      </p:nvGrpSpPr>
-      <p:grpSpPr/>
-      <p:sp>
-        <p:nvSpPr>
-          <p:cNvPr id="2" name="Text Placeholder 1"/>
-          <p:cNvSpPr>
-            <a:spLocks noGrp="1"/>
-          </p:cNvSpPr>
-          <p:nvPr>
-            <p:ph type="body" idx="10" sz="quarter"/>
-          </p:nvPr>
-        </p:nvSpPr>
-        <p:spPr/>
-        <p:txBody>
-          <a:bodyPr/>
-          <a:lstStyle/>
-          <a:p>
-            <a:r>
-              <a:t>Strategic Recommendations</a:t>
-            </a:r>
-          </a:p>
-        </p:txBody>
-      </p:sp>
-      <p:sp>
-        <p:nvSpPr>
-          <p:cNvPr id="3" name="Picture Placeholder 2"/>
-          <p:cNvSpPr>
-            <a:spLocks noGrp="1"/>
-          </p:cNvSpPr>
-          <p:nvPr>
-            <p:ph type="pic" idx="13" sz="quarter"/>
-          </p:nvPr>
-        </p:nvSpPr>
-        <p:spPr/>
-      </p:sp>
-      <p:sp>
-        <p:nvSpPr>
-          <p:cNvPr id="4" name="Text Placeholder 3"/>
-          <p:cNvSpPr>
-            <a:spLocks noGrp="1"/>
-          </p:cNvSpPr>
-          <p:nvPr>
-            <p:ph type="body" idx="14" sz="quarter"/>
-          </p:nvPr>
-        </p:nvSpPr>
-        <p:spPr/>
-        <p:txBody>
-          <a:bodyPr/>
-          <a:lstStyle/>
-          <a:p>
-            <a:pPr/>
-            <a:r>
-              <a:rPr b="1"/>
-              <a:t>Workload Migration</a:t>
-            </a:r>
-            <a:r>
-              <a:t>: Accelerate migration of legacy applications to leverage landing zone</a:t>
-            </a:r>
-          </a:p>
-          <a:p>
-            <a:pPr/>
-            <a:r>
-              <a:rPr b="1"/>
-              <a:t>Advanced Services</a:t>
-            </a:r>
-            <a:r>
-              <a:t>: Implement advanced Google Cloud services for competitive advantage</a:t>
-            </a:r>
-          </a:p>
-          <a:p>
-            <a:pPr/>
-            <a:r>
-              <a:rPr b="1"/>
-              <a:t>Innovation Programs</a:t>
-            </a:r>
-            <a:r>
-              <a:t>: Establish innovation labs for emerging technology evaluation</a:t>
-            </a:r>
-          </a:p>
-          <a:p>
-            <a:pPr/>
-            <a:r>
-              <a:rPr b="1"/>
-              <a:t>Global Expansion</a:t>
-            </a:r>
-            <a:r>
-              <a:t>: Extend landing zone to additional regions for global coverage</a:t>
-            </a:r>
-          </a:p>
-          <a:p>
-            <a:pPr/>
-            <a:r>
-              <a:rPr b="1"/>
-              <a:t>Partner Ecosystem</a:t>
-            </a:r>
-            <a:r>
-              <a:t>: Develop partner integration capabilities for ecosystem expansion</a:t>
-            </a:r>
-          </a:p>
-        </p:txBody>
-      </p:sp>
+      <p:pic>
+        <p:nvPicPr>
+          <p:cNvPr id="7" name="Picture 6" descr="architecture-diagram.png"/>
+          <p:cNvPicPr>
+            <a:picLocks noChangeAspect="1"/>
+          </p:cNvPicPr>
+          <p:nvPr/>
+        </p:nvPicPr>
+        <p:blipFill>
+          <a:blip r:embed="rId2"/>
+          <a:stretch>
+            <a:fillRect/>
+          </a:stretch>
+        </p:blipFill>
+        <p:spPr>
+          <a:xfrm>
+            <a:off x="4662488" y="685799"/>
+            <a:ext cx="4337050" cy="3815859"/>
+          </a:xfrm>
+          <a:prstGeom prst="rect">
+            <a:avLst/>
+          </a:prstGeom>
+          <a:ln w="12700">
+            <a:solidFill>
+              <a:srgbClr val="C0C0C0"/>
+            </a:solidFill>
+            <a:prstDash val="solid"/>
+          </a:ln>
+        </p:spPr>
+      </p:pic>
+      <p:pic>
+        <p:nvPicPr>
+          <p:cNvPr id="8" name="Picture 7" descr="consulting_company_logo.png"/>
+          <p:cNvPicPr>
+            <a:picLocks noChangeAspect="1"/>
+          </p:cNvPicPr>
+          <p:nvPr/>
+        </p:nvPicPr>
+        <p:blipFill>
+          <a:blip r:embed="rId4"/>
+          <a:stretch>
+            <a:fillRect/>
+          </a:stretch>
+        </p:blipFill>
+        <p:spPr>
+          <a:xfrm>
+            <a:off x="313592" y="4536078"/>
+            <a:ext cx="2130670" cy="529698"/>
+          </a:xfrm>
+          <a:prstGeom prst="rect">
+            <a:avLst/>
+          </a:prstGeom>
+        </p:spPr>
+      </p:pic>
     </p:spTree>
   </p:cSld>
   <p:clrMapOvr>
@@ -6006,7 +6745,7 @@
       <p:grpSpPr/>
       <p:sp>
         <p:nvSpPr>
-          <p:cNvPr id="2" name="Text Placeholder 1"/>
+          <p:cNvPr id="3" name="Text Placeholder 2"/>
           <p:cNvSpPr>
             <a:spLocks noGrp="1"/>
           </p:cNvSpPr>
@@ -6019,32 +6758,539 @@
           <a:bodyPr/>
           <a:lstStyle/>
           <a:p>
-            <a:r>
-              <a:t>Security and Governance Controls</a:t>
+            <a:pPr algn="l"/>
+            <a:r>
+              <a:t>Deliverables Inventory</a:t>
             </a:r>
           </a:p>
         </p:txBody>
       </p:sp>
-      <p:sp>
-        <p:nvSpPr>
-          <p:cNvPr id="3" name="Picture Placeholder 2"/>
+      <p:graphicFrame>
+        <p:nvGraphicFramePr>
+          <p:cNvPr id="4" name="Table Placeholder 3"/>
+          <p:cNvGraphicFramePr>
+            <a:graphicFrameLocks noGrp="1"/>
+          </p:cNvGraphicFramePr>
+          <p:nvPr>
+            <p:ph type="tbl" idx="14" sz="quarter"/>
+          </p:nvPr>
+        </p:nvGraphicFramePr>
+        <p:xfrm>
+          <a:off x="256855" y="677011"/>
+          <a:ext cx="8710931" cy="3337560"/>
+        </p:xfrm>
+        <a:graphic>
+          <a:graphicData uri="http://schemas.openxmlformats.org/drawingml/2006/table">
+            <a:tbl>
+              <a:tblPr firstRow="1" bandRow="1">
+                <a:tableStyleId>{5C22544A-7EE6-4342-B048-85BDC9FD1C3A}</a:tableStyleId>
+              </a:tblPr>
+              <a:tblGrid>
+                <a:gridCol w="2613279"/>
+                <a:gridCol w="3919919"/>
+                <a:gridCol w="2177733"/>
+              </a:tblGrid>
+              <a:tr h="370840">
+                <a:tc>
+                  <a:txBody>
+                    <a:bodyPr/>
+                    <a:lstStyle/>
+                    <a:p>
+                      <a:r>
+                        <a:rPr sz="1400">
+                          <a:solidFill>
+                            <a:srgbClr val="FFFFFF"/>
+                          </a:solidFill>
+                        </a:rPr>
+                        <a:t>Deliverable</a:t>
+                      </a:r>
+                    </a:p>
+                  </a:txBody>
+                  <a:tcPr>
+                    <a:solidFill>
+                      <a:srgbClr val="A01C02"/>
+                    </a:solidFill>
+                  </a:tcPr>
+                </a:tc>
+                <a:tc>
+                  <a:txBody>
+                    <a:bodyPr/>
+                    <a:lstStyle/>
+                    <a:p>
+                      <a:r>
+                        <a:rPr sz="1400">
+                          <a:solidFill>
+                            <a:srgbClr val="FFFFFF"/>
+                          </a:solidFill>
+                        </a:rPr>
+                        <a:t>Purpose</a:t>
+                      </a:r>
+                    </a:p>
+                  </a:txBody>
+                  <a:tcPr>
+                    <a:solidFill>
+                      <a:srgbClr val="A01C02"/>
+                    </a:solidFill>
+                  </a:tcPr>
+                </a:tc>
+                <a:tc>
+                  <a:txBody>
+                    <a:bodyPr/>
+                    <a:lstStyle/>
+                    <a:p>
+                      <a:r>
+                        <a:rPr sz="1400">
+                          <a:solidFill>
+                            <a:srgbClr val="FFFFFF"/>
+                          </a:solidFill>
+                        </a:rPr>
+                        <a:t>Location</a:t>
+                      </a:r>
+                    </a:p>
+                  </a:txBody>
+                  <a:tcPr>
+                    <a:solidFill>
+                      <a:srgbClr val="A01C02"/>
+                    </a:solidFill>
+                  </a:tcPr>
+                </a:tc>
+              </a:tr>
+              <a:tr h="370840">
+                <a:tc>
+                  <a:txBody>
+                    <a:bodyPr/>
+                    <a:lstStyle/>
+                    <a:p>
+                      <a:r>
+                        <a:rPr b="1" sz="1100"/>
+                        <a:t>Detailed Design Document</a:t>
+                      </a:r>
+                    </a:p>
+                  </a:txBody>
+                  <a:tcPr>
+                    <a:solidFill>
+                      <a:srgbClr val="E7E6E6"/>
+                    </a:solidFill>
+                  </a:tcPr>
+                </a:tc>
+                <a:tc>
+                  <a:txBody>
+                    <a:bodyPr/>
+                    <a:lstStyle/>
+                    <a:p>
+                      <a:r>
+                        <a:rPr sz="1100"/>
+                        <a:t>Organization, network, security architecture</a:t>
+                      </a:r>
+                    </a:p>
+                  </a:txBody>
+                  <a:tcPr>
+                    <a:solidFill>
+                      <a:srgbClr val="E7E6E6"/>
+                    </a:solidFill>
+                  </a:tcPr>
+                </a:tc>
+                <a:tc>
+                  <a:txBody>
+                    <a:bodyPr/>
+                    <a:lstStyle/>
+                    <a:p>
+                      <a:r>
+                        <a:rPr sz="1100"/>
+                        <a:t>`/delivery/detailed-design.docx`</a:t>
+                      </a:r>
+                    </a:p>
+                  </a:txBody>
+                  <a:tcPr>
+                    <a:solidFill>
+                      <a:srgbClr val="E7E6E6"/>
+                    </a:solidFill>
+                  </a:tcPr>
+                </a:tc>
+              </a:tr>
+              <a:tr h="370840">
+                <a:tc>
+                  <a:txBody>
+                    <a:bodyPr/>
+                    <a:lstStyle/>
+                    <a:p>
+                      <a:r>
+                        <a:rPr b="1" sz="1100"/>
+                        <a:t>Implementation Guide</a:t>
+                      </a:r>
+                    </a:p>
+                  </a:txBody>
+                  <a:tcPr>
+                    <a:solidFill>
+                      <a:srgbClr val="E7E6E6"/>
+                    </a:solidFill>
+                  </a:tcPr>
+                </a:tc>
+                <a:tc>
+                  <a:txBody>
+                    <a:bodyPr/>
+                    <a:lstStyle/>
+                    <a:p>
+                      <a:r>
+                        <a:rPr sz="1100"/>
+                        <a:t>Step-by-step deployment with Terraform</a:t>
+                      </a:r>
+                    </a:p>
+                  </a:txBody>
+                  <a:tcPr>
+                    <a:solidFill>
+                      <a:srgbClr val="E7E6E6"/>
+                    </a:solidFill>
+                  </a:tcPr>
+                </a:tc>
+                <a:tc>
+                  <a:txBody>
+                    <a:bodyPr/>
+                    <a:lstStyle/>
+                    <a:p>
+                      <a:r>
+                        <a:rPr sz="1100"/>
+                        <a:t>`/delivery/implementation-guide.docx`</a:t>
+                      </a:r>
+                    </a:p>
+                  </a:txBody>
+                  <a:tcPr>
+                    <a:solidFill>
+                      <a:srgbClr val="E7E6E6"/>
+                    </a:solidFill>
+                  </a:tcPr>
+                </a:tc>
+              </a:tr>
+              <a:tr h="370840">
+                <a:tc>
+                  <a:txBody>
+                    <a:bodyPr/>
+                    <a:lstStyle/>
+                    <a:p>
+                      <a:r>
+                        <a:rPr b="1" sz="1100"/>
+                        <a:t>Project Plan</a:t>
+                      </a:r>
+                    </a:p>
+                  </a:txBody>
+                  <a:tcPr>
+                    <a:solidFill>
+                      <a:srgbClr val="E7E6E6"/>
+                    </a:solidFill>
+                  </a:tcPr>
+                </a:tc>
+                <a:tc>
+                  <a:txBody>
+                    <a:bodyPr/>
+                    <a:lstStyle/>
+                    <a:p>
+                      <a:r>
+                        <a:rPr sz="1100"/>
+                        <a:t>Timeline, milestones, RACI, communications</a:t>
+                      </a:r>
+                    </a:p>
+                  </a:txBody>
+                  <a:tcPr>
+                    <a:solidFill>
+                      <a:srgbClr val="E7E6E6"/>
+                    </a:solidFill>
+                  </a:tcPr>
+                </a:tc>
+                <a:tc>
+                  <a:txBody>
+                    <a:bodyPr/>
+                    <a:lstStyle/>
+                    <a:p>
+                      <a:r>
+                        <a:rPr sz="1100"/>
+                        <a:t>`/delivery/project-plan.xlsx`</a:t>
+                      </a:r>
+                    </a:p>
+                  </a:txBody>
+                  <a:tcPr>
+                    <a:solidFill>
+                      <a:srgbClr val="E7E6E6"/>
+                    </a:solidFill>
+                  </a:tcPr>
+                </a:tc>
+              </a:tr>
+              <a:tr h="370840">
+                <a:tc>
+                  <a:txBody>
+                    <a:bodyPr/>
+                    <a:lstStyle/>
+                    <a:p>
+                      <a:r>
+                        <a:rPr b="1" sz="1100"/>
+                        <a:t>Test Plan &amp; Results</a:t>
+                      </a:r>
+                    </a:p>
+                  </a:txBody>
+                  <a:tcPr>
+                    <a:solidFill>
+                      <a:srgbClr val="E7E6E6"/>
+                    </a:solidFill>
+                  </a:tcPr>
+                </a:tc>
+                <a:tc>
+                  <a:txBody>
+                    <a:bodyPr/>
+                    <a:lstStyle/>
+                    <a:p>
+                      <a:r>
+                        <a:rPr sz="1100"/>
+                        <a:t>Validation tests and compliance results</a:t>
+                      </a:r>
+                    </a:p>
+                  </a:txBody>
+                  <a:tcPr>
+                    <a:solidFill>
+                      <a:srgbClr val="E7E6E6"/>
+                    </a:solidFill>
+                  </a:tcPr>
+                </a:tc>
+                <a:tc>
+                  <a:txBody>
+                    <a:bodyPr/>
+                    <a:lstStyle/>
+                    <a:p>
+                      <a:r>
+                        <a:rPr sz="1100"/>
+                        <a:t>`/delivery/test-plan.xlsx`</a:t>
+                      </a:r>
+                    </a:p>
+                  </a:txBody>
+                  <a:tcPr>
+                    <a:solidFill>
+                      <a:srgbClr val="E7E6E6"/>
+                    </a:solidFill>
+                  </a:tcPr>
+                </a:tc>
+              </a:tr>
+              <a:tr h="370840">
+                <a:tc>
+                  <a:txBody>
+                    <a:bodyPr/>
+                    <a:lstStyle/>
+                    <a:p>
+                      <a:r>
+                        <a:rPr b="1" sz="1100"/>
+                        <a:t>Cloud Foundation Toolkit</a:t>
+                      </a:r>
+                    </a:p>
+                  </a:txBody>
+                  <a:tcPr>
+                    <a:solidFill>
+                      <a:srgbClr val="E7E6E6"/>
+                    </a:solidFill>
+                  </a:tcPr>
+                </a:tc>
+                <a:tc>
+                  <a:txBody>
+                    <a:bodyPr/>
+                    <a:lstStyle/>
+                    <a:p>
+                      <a:r>
+                        <a:rPr sz="1100"/>
+                        <a:t>Terraform modules for project factory</a:t>
+                      </a:r>
+                    </a:p>
+                  </a:txBody>
+                  <a:tcPr>
+                    <a:solidFill>
+                      <a:srgbClr val="E7E6E6"/>
+                    </a:solidFill>
+                  </a:tcPr>
+                </a:tc>
+                <a:tc>
+                  <a:txBody>
+                    <a:bodyPr/>
+                    <a:lstStyle/>
+                    <a:p>
+                      <a:r>
+                        <a:rPr sz="1100"/>
+                        <a:t>`/delivery/scripts/terraform/`</a:t>
+                      </a:r>
+                    </a:p>
+                  </a:txBody>
+                  <a:tcPr>
+                    <a:solidFill>
+                      <a:srgbClr val="E7E6E6"/>
+                    </a:solidFill>
+                  </a:tcPr>
+                </a:tc>
+              </a:tr>
+              <a:tr h="370840">
+                <a:tc>
+                  <a:txBody>
+                    <a:bodyPr/>
+                    <a:lstStyle/>
+                    <a:p>
+                      <a:r>
+                        <a:rPr b="1" sz="1100"/>
+                        <a:t>Configuration Guide</a:t>
+                      </a:r>
+                    </a:p>
+                  </a:txBody>
+                  <a:tcPr>
+                    <a:solidFill>
+                      <a:srgbClr val="E7E6E6"/>
+                    </a:solidFill>
+                  </a:tcPr>
+                </a:tc>
+                <a:tc>
+                  <a:txBody>
+                    <a:bodyPr/>
+                    <a:lstStyle/>
+                    <a:p>
+                      <a:r>
+                        <a:rPr sz="1100"/>
+                        <a:t>Environment parameters and settings</a:t>
+                      </a:r>
+                    </a:p>
+                  </a:txBody>
+                  <a:tcPr>
+                    <a:solidFill>
+                      <a:srgbClr val="E7E6E6"/>
+                    </a:solidFill>
+                  </a:tcPr>
+                </a:tc>
+                <a:tc>
+                  <a:txBody>
+                    <a:bodyPr/>
+                    <a:lstStyle/>
+                    <a:p>
+                      <a:r>
+                        <a:rPr sz="1100"/>
+                        <a:t>`/delivery/configuration.xlsx`</a:t>
+                      </a:r>
+                    </a:p>
+                  </a:txBody>
+                  <a:tcPr>
+                    <a:solidFill>
+                      <a:srgbClr val="E7E6E6"/>
+                    </a:solidFill>
+                  </a:tcPr>
+                </a:tc>
+              </a:tr>
+              <a:tr h="370840">
+                <a:tc>
+                  <a:txBody>
+                    <a:bodyPr/>
+                    <a:lstStyle/>
+                    <a:p>
+                      <a:r>
+                        <a:rPr b="1" sz="1100"/>
+                        <a:t>Operations Runbook</a:t>
+                      </a:r>
+                    </a:p>
+                  </a:txBody>
+                  <a:tcPr>
+                    <a:solidFill>
+                      <a:srgbClr val="E7E6E6"/>
+                    </a:solidFill>
+                  </a:tcPr>
+                </a:tc>
+                <a:tc>
+                  <a:txBody>
+                    <a:bodyPr/>
+                    <a:lstStyle/>
+                    <a:p>
+                      <a:r>
+                        <a:rPr sz="1100"/>
+                        <a:t>Day-to-day procedures and troubleshooting</a:t>
+                      </a:r>
+                    </a:p>
+                  </a:txBody>
+                  <a:tcPr>
+                    <a:solidFill>
+                      <a:srgbClr val="E7E6E6"/>
+                    </a:solidFill>
+                  </a:tcPr>
+                </a:tc>
+                <a:tc>
+                  <a:txBody>
+                    <a:bodyPr/>
+                    <a:lstStyle/>
+                    <a:p>
+                      <a:r>
+                        <a:rPr sz="1100"/>
+                        <a:t>`/delivery/docs/runbook.md`</a:t>
+                      </a:r>
+                    </a:p>
+                  </a:txBody>
+                  <a:tcPr>
+                    <a:solidFill>
+                      <a:srgbClr val="E7E6E6"/>
+                    </a:solidFill>
+                  </a:tcPr>
+                </a:tc>
+              </a:tr>
+              <a:tr h="370840">
+                <a:tc>
+                  <a:txBody>
+                    <a:bodyPr/>
+                    <a:lstStyle/>
+                    <a:p>
+                      <a:r>
+                        <a:rPr b="1" sz="1100"/>
+                        <a:t>Training Materials</a:t>
+                      </a:r>
+                    </a:p>
+                  </a:txBody>
+                  <a:tcPr>
+                    <a:solidFill>
+                      <a:srgbClr val="E7E6E6"/>
+                    </a:solidFill>
+                  </a:tcPr>
+                </a:tc>
+                <a:tc>
+                  <a:txBody>
+                    <a:bodyPr/>
+                    <a:lstStyle/>
+                    <a:p>
+                      <a:r>
+                        <a:rPr sz="1100"/>
+                        <a:t>Admin guides and recorded sessions</a:t>
+                      </a:r>
+                    </a:p>
+                  </a:txBody>
+                  <a:tcPr>
+                    <a:solidFill>
+                      <a:srgbClr val="E7E6E6"/>
+                    </a:solidFill>
+                  </a:tcPr>
+                </a:tc>
+                <a:tc>
+                  <a:txBody>
+                    <a:bodyPr/>
+                    <a:lstStyle/>
+                    <a:p>
+                      <a:r>
+                        <a:rPr sz="1100"/>
+                        <a:t>`/delivery/training/`</a:t>
+                      </a:r>
+                    </a:p>
+                  </a:txBody>
+                  <a:tcPr>
+                    <a:solidFill>
+                      <a:srgbClr val="E7E6E6"/>
+                    </a:solidFill>
+                  </a:tcPr>
+                </a:tc>
+              </a:tr>
+            </a:tbl>
+          </a:graphicData>
+        </a:graphic>
+      </p:graphicFrame>
+      <p:sp>
+        <p:nvSpPr>
+          <p:cNvPr id="5" name="Text Placeholder 4"/>
           <p:cNvSpPr>
             <a:spLocks noGrp="1"/>
           </p:cNvSpPr>
           <p:nvPr>
-            <p:ph type="pic" idx="13" sz="quarter"/>
-          </p:nvPr>
-        </p:nvSpPr>
-        <p:spPr/>
-      </p:sp>
-      <p:sp>
-        <p:nvSpPr>
-          <p:cNvPr id="4" name="Text Placeholder 3"/>
-          <p:cNvSpPr>
-            <a:spLocks noGrp="1"/>
-          </p:cNvSpPr>
-          <p:nvPr>
-            <p:ph type="body" idx="14" sz="quarter"/>
+            <p:ph type="body" idx="15" sz="quarter"/>
           </p:nvPr>
         </p:nvSpPr>
         <p:spPr/>
@@ -6052,67 +7298,44 @@
           <a:bodyPr/>
           <a:lstStyle/>
           <a:p>
-            <a:pPr/>
-            <a:r>
-              <a:rPr b="1"/>
-              <a:t>Organization Policies</a:t>
-            </a:r>
-            <a:r>
-              <a:t>: Automated policy enforcement across all projects</a:t>
-            </a:r>
-          </a:p>
-          <a:p>
-            <a:pPr/>
-            <a:r>
-              <a:rPr b="1"/>
-              <a:t>Identity and Access Management</a:t>
-            </a:r>
-            <a:r>
-              <a:t>: Role-based access with principle of least privilege</a:t>
-            </a:r>
-          </a:p>
-          <a:p>
-            <a:pPr/>
-            <a:r>
-              <a:rPr b="1"/>
-              <a:t>Cloud Key Management Service</a:t>
-            </a:r>
-            <a:r>
-              <a:t>: Centralized encryption key management</a:t>
-            </a:r>
-          </a:p>
-          <a:p>
-            <a:pPr/>
-            <a:r>
-              <a:rPr b="1"/>
-              <a:t>VPC Service Controls</a:t>
-            </a:r>
-            <a:r>
-              <a:t>: Security perimeters for sensitive data protection</a:t>
-            </a:r>
-          </a:p>
-          <a:p>
-            <a:pPr/>
-            <a:r>
-              <a:rPr b="1"/>
-              <a:t>Binary Authorization</a:t>
-            </a:r>
-            <a:r>
-              <a:t>: Container image security and deployment controls</a:t>
-            </a:r>
-          </a:p>
-          <a:p>
-            <a:pPr/>
-            <a:r>
-              <a:rPr b="1"/>
-              <a:t>Forseti Security</a:t>
-            </a:r>
-            <a:r>
-              <a:t>: Automated security scanning and compliance monitoring</a:t>
+            <a:pPr algn="r">
+              <a:buNone/>
+            </a:pPr>
+            <a:r>
+              <a:rPr sz="1100">
+                <a:solidFill>
+                  <a:srgbClr val="CC0000"/>
+                </a:solidFill>
+              </a:rPr>
+              <a:t>Google Cloud Landing Zone</a:t>
             </a:r>
           </a:p>
         </p:txBody>
       </p:sp>
+      <p:pic>
+        <p:nvPicPr>
+          <p:cNvPr id="6" name="Picture 5" descr="consulting_company_logo.png"/>
+          <p:cNvPicPr>
+            <a:picLocks noChangeAspect="1"/>
+          </p:cNvPicPr>
+          <p:nvPr/>
+        </p:nvPicPr>
+        <p:blipFill>
+          <a:blip r:embed="rId3"/>
+          <a:stretch>
+            <a:fillRect/>
+          </a:stretch>
+        </p:blipFill>
+        <p:spPr>
+          <a:xfrm>
+            <a:off x="313592" y="4536078"/>
+            <a:ext cx="2126273" cy="529698"/>
+          </a:xfrm>
+          <a:prstGeom prst="rect">
+            <a:avLst/>
+          </a:prstGeom>
+        </p:spPr>
+      </p:pic>
     </p:spTree>
   </p:cSld>
   <p:clrMapOvr>
@@ -6133,7 +7356,7 @@
       <p:grpSpPr/>
       <p:sp>
         <p:nvSpPr>
-          <p:cNvPr id="2" name="Text Placeholder 1"/>
+          <p:cNvPr id="3" name="Text Placeholder 2"/>
           <p:cNvSpPr>
             <a:spLocks noGrp="1"/>
           </p:cNvSpPr>
@@ -6146,53 +7369,172 @@
           <a:bodyPr/>
           <a:lstStyle/>
           <a:p>
-            <a:r>
-              <a:t>Quantified ROI Analysis</a:t>
+            <a:pPr algn="l"/>
+            <a:r>
+              <a:t>Quality &amp; Performance</a:t>
             </a:r>
           </a:p>
         </p:txBody>
       </p:sp>
       <p:sp>
         <p:nvSpPr>
-          <p:cNvPr id="3" name="Picture Placeholder 2"/>
+          <p:cNvPr id="4" name="Text Placeholder 3"/>
           <p:cNvSpPr>
             <a:spLocks noGrp="1"/>
           </p:cNvSpPr>
           <p:nvPr>
-            <p:ph type="pic" idx="14" sz="quarter"/>
+            <p:ph type="body" idx="16" sz="quarter"/>
           </p:nvPr>
         </p:nvSpPr>
         <p:spPr/>
-      </p:sp>
-      <p:sp>
-        <p:nvSpPr>
-          <p:cNvPr id="4" name="Chart Placeholder 3"/>
+        <p:txBody>
+          <a:bodyPr/>
+          <a:lstStyle/>
+          <a:p>
+            <a:pPr/>
+            <a:r>
+              <a:rPr b="1"/>
+              <a:t>Automation Metrics</a:t>
+            </a:r>
+          </a:p>
+          <a:p>
+            <a:pPr lvl="1"/>
+            <a:r>
+              <a:t>Project Provisioning: 45 min (target: &lt;1 hr)</a:t>
+            </a:r>
+          </a:p>
+          <a:p>
+            <a:pPr lvl="1"/>
+            <a:r>
+              <a:t>Terraform Module Coverage: 100%</a:t>
+            </a:r>
+          </a:p>
+          <a:p>
+            <a:pPr lvl="1"/>
+            <a:r>
+              <a:t>Policy Enforcement: Zero violations</a:t>
+            </a:r>
+          </a:p>
+          <a:p>
+            <a:pPr lvl="1"/>
+            <a:r>
+              <a:t>Infrastructure Drift: 0 instances</a:t>
+            </a:r>
+          </a:p>
+          <a:p>
+            <a:pPr lvl="1"/>
+            <a:r>
+              <a:t>GitOps Deployment Success: 99.8%</a:t>
+            </a:r>
+          </a:p>
+        </p:txBody>
+      </p:sp>
+      <p:sp>
+        <p:nvSpPr>
+          <p:cNvPr id="5" name="Text Placeholder 4"/>
           <p:cNvSpPr>
             <a:spLocks noGrp="1"/>
           </p:cNvSpPr>
           <p:nvPr>
-            <p:ph type="chart" idx="15" sz="quarter"/>
+            <p:ph type="body" idx="17" sz="quarter"/>
           </p:nvPr>
         </p:nvSpPr>
         <p:spPr/>
-      </p:sp>
-      <p:sp>
-        <p:nvSpPr>
-          <p:cNvPr id="5" name="Content Placeholder 4"/>
+        <p:txBody>
+          <a:bodyPr/>
+          <a:lstStyle/>
+          <a:p>
+            <a:pPr/>
+            <a:r>
+              <a:rPr b="1"/>
+              <a:t>Platform Metrics</a:t>
+            </a:r>
+          </a:p>
+          <a:p>
+            <a:pPr lvl="1"/>
+            <a:r>
+              <a:t>Interconnect Uptime: 99.97% (target: 99.9%)</a:t>
+            </a:r>
+          </a:p>
+          <a:p>
+            <a:pPr lvl="1"/>
+            <a:r>
+              <a:t>Interconnect Latency: 4.2ms (target: &lt;5ms)</a:t>
+            </a:r>
+          </a:p>
+          <a:p>
+            <a:pPr lvl="1"/>
+            <a:r>
+              <a:t>SCC Critical Findings: 0 (target: 0)</a:t>
+            </a:r>
+          </a:p>
+          <a:p>
+            <a:pPr lvl="1"/>
+            <a:r>
+              <a:t>Chronicle Ingestion: 100 GB/month active</a:t>
+            </a:r>
+          </a:p>
+          <a:p>
+            <a:pPr lvl="1"/>
+            <a:r>
+              <a:t>Cost Allocation Accuracy: 100%</a:t>
+            </a:r>
+          </a:p>
+        </p:txBody>
+      </p:sp>
+      <p:sp>
+        <p:nvSpPr>
+          <p:cNvPr id="6" name="Text Placeholder 5"/>
           <p:cNvSpPr>
             <a:spLocks noGrp="1"/>
           </p:cNvSpPr>
           <p:nvPr>
-            <p:ph idx="16" sz="quarter"/>
+            <p:ph type="body" idx="15" sz="quarter"/>
           </p:nvPr>
         </p:nvSpPr>
         <p:spPr/>
         <p:txBody>
           <a:bodyPr/>
           <a:lstStyle/>
-          <a:p/>
+          <a:p>
+            <a:pPr algn="r">
+              <a:buNone/>
+            </a:pPr>
+            <a:r>
+              <a:rPr sz="1100">
+                <a:solidFill>
+                  <a:srgbClr val="CC0000"/>
+                </a:solidFill>
+              </a:rPr>
+              <a:t>Google Cloud Landing Zone</a:t>
+            </a:r>
+          </a:p>
         </p:txBody>
       </p:sp>
+      <p:pic>
+        <p:nvPicPr>
+          <p:cNvPr id="7" name="Picture 6" descr="consulting_company_logo.png"/>
+          <p:cNvPicPr>
+            <a:picLocks noChangeAspect="1"/>
+          </p:cNvPicPr>
+          <p:nvPr/>
+        </p:nvPicPr>
+        <p:blipFill>
+          <a:blip r:embed="rId3"/>
+          <a:stretch>
+            <a:fillRect/>
+          </a:stretch>
+        </p:blipFill>
+        <p:spPr>
+          <a:xfrm>
+            <a:off x="313592" y="4536078"/>
+            <a:ext cx="2121877" cy="529698"/>
+          </a:xfrm>
+          <a:prstGeom prst="rect">
+            <a:avLst/>
+          </a:prstGeom>
+        </p:spPr>
+      </p:pic>
     </p:spTree>
   </p:cSld>
   <p:clrMapOvr>
@@ -6213,7 +7555,7 @@
       <p:grpSpPr/>
       <p:sp>
         <p:nvSpPr>
-          <p:cNvPr id="2" name="Text Placeholder 1"/>
+          <p:cNvPr id="3" name="Text Placeholder 2"/>
           <p:cNvSpPr>
             <a:spLocks noGrp="1"/>
           </p:cNvSpPr>
@@ -6226,53 +7568,602 @@
           <a:bodyPr/>
           <a:lstStyle/>
           <a:p>
-            <a:r>
-              <a:t>Operational Impact Metrics</a:t>
+            <a:pPr algn="l"/>
+            <a:r>
+              <a:t>Benefits Realized</a:t>
             </a:r>
           </a:p>
         </p:txBody>
       </p:sp>
-      <p:sp>
-        <p:nvSpPr>
-          <p:cNvPr id="3" name="Picture Placeholder 2"/>
+      <p:graphicFrame>
+        <p:nvGraphicFramePr>
+          <p:cNvPr id="4" name="Table Placeholder 3"/>
+          <p:cNvGraphicFramePr>
+            <a:graphicFrameLocks noGrp="1"/>
+          </p:cNvGraphicFramePr>
+          <p:nvPr>
+            <p:ph type="tbl" idx="14" sz="quarter"/>
+          </p:nvPr>
+        </p:nvGraphicFramePr>
+        <p:xfrm>
+          <a:off x="256855" y="677011"/>
+          <a:ext cx="8710930" cy="2595880"/>
+        </p:xfrm>
+        <a:graphic>
+          <a:graphicData uri="http://schemas.openxmlformats.org/drawingml/2006/table">
+            <a:tbl>
+              <a:tblPr firstRow="1" bandRow="1">
+                <a:tableStyleId>{5C22544A-7EE6-4342-B048-85BDC9FD1C3A}</a:tableStyleId>
+              </a:tblPr>
+              <a:tblGrid>
+                <a:gridCol w="2613279"/>
+                <a:gridCol w="1742186"/>
+                <a:gridCol w="1742186"/>
+                <a:gridCol w="2613279"/>
+              </a:tblGrid>
+              <a:tr h="370840">
+                <a:tc>
+                  <a:txBody>
+                    <a:bodyPr/>
+                    <a:lstStyle/>
+                    <a:p>
+                      <a:r>
+                        <a:rPr sz="1400">
+                          <a:solidFill>
+                            <a:srgbClr val="FFFFFF"/>
+                          </a:solidFill>
+                        </a:rPr>
+                        <a:t>Benefit Category</a:t>
+                      </a:r>
+                    </a:p>
+                  </a:txBody>
+                  <a:tcPr>
+                    <a:solidFill>
+                      <a:srgbClr val="A01C02"/>
+                    </a:solidFill>
+                  </a:tcPr>
+                </a:tc>
+                <a:tc>
+                  <a:txBody>
+                    <a:bodyPr/>
+                    <a:lstStyle/>
+                    <a:p>
+                      <a:r>
+                        <a:rPr sz="1400">
+                          <a:solidFill>
+                            <a:srgbClr val="FFFFFF"/>
+                          </a:solidFill>
+                        </a:rPr>
+                        <a:t>SOW Target</a:t>
+                      </a:r>
+                    </a:p>
+                  </a:txBody>
+                  <a:tcPr>
+                    <a:solidFill>
+                      <a:srgbClr val="A01C02"/>
+                    </a:solidFill>
+                  </a:tcPr>
+                </a:tc>
+                <a:tc>
+                  <a:txBody>
+                    <a:bodyPr/>
+                    <a:lstStyle/>
+                    <a:p>
+                      <a:r>
+                        <a:rPr sz="1400">
+                          <a:solidFill>
+                            <a:srgbClr val="FFFFFF"/>
+                          </a:solidFill>
+                        </a:rPr>
+                        <a:t>Achieved</a:t>
+                      </a:r>
+                    </a:p>
+                  </a:txBody>
+                  <a:tcPr>
+                    <a:solidFill>
+                      <a:srgbClr val="A01C02"/>
+                    </a:solidFill>
+                  </a:tcPr>
+                </a:tc>
+                <a:tc>
+                  <a:txBody>
+                    <a:bodyPr/>
+                    <a:lstStyle/>
+                    <a:p>
+                      <a:r>
+                        <a:rPr sz="1400">
+                          <a:solidFill>
+                            <a:srgbClr val="FFFFFF"/>
+                          </a:solidFill>
+                        </a:rPr>
+                        <a:t>Business Impact</a:t>
+                      </a:r>
+                    </a:p>
+                  </a:txBody>
+                  <a:tcPr>
+                    <a:solidFill>
+                      <a:srgbClr val="A01C02"/>
+                    </a:solidFill>
+                  </a:tcPr>
+                </a:tc>
+              </a:tr>
+              <a:tr h="370840">
+                <a:tc>
+                  <a:txBody>
+                    <a:bodyPr/>
+                    <a:lstStyle/>
+                    <a:p>
+                      <a:r>
+                        <a:rPr b="1" sz="1100"/>
+                        <a:t>Provisioning Time</a:t>
+                      </a:r>
+                    </a:p>
+                  </a:txBody>
+                  <a:tcPr>
+                    <a:solidFill>
+                      <a:srgbClr val="E7E6E6"/>
+                    </a:solidFill>
+                  </a:tcPr>
+                </a:tc>
+                <a:tc>
+                  <a:txBody>
+                    <a:bodyPr/>
+                    <a:lstStyle/>
+                    <a:p>
+                      <a:r>
+                        <a:rPr sz="1100"/>
+                        <a:t>95% reduction</a:t>
+                      </a:r>
+                    </a:p>
+                  </a:txBody>
+                  <a:tcPr>
+                    <a:solidFill>
+                      <a:srgbClr val="E7E6E6"/>
+                    </a:solidFill>
+                  </a:tcPr>
+                </a:tc>
+                <a:tc>
+                  <a:txBody>
+                    <a:bodyPr/>
+                    <a:lstStyle/>
+                    <a:p>
+                      <a:r>
+                        <a:rPr sz="1100"/>
+                        <a:t>95% reduction</a:t>
+                      </a:r>
+                    </a:p>
+                  </a:txBody>
+                  <a:tcPr>
+                    <a:solidFill>
+                      <a:srgbClr val="E7E6E6"/>
+                    </a:solidFill>
+                  </a:tcPr>
+                </a:tc>
+                <a:tc>
+                  <a:txBody>
+                    <a:bodyPr/>
+                    <a:lstStyle/>
+                    <a:p>
+                      <a:r>
+                        <a:rPr sz="1100"/>
+                        <a:t>6 weeks to 45 minutes</a:t>
+                      </a:r>
+                    </a:p>
+                  </a:txBody>
+                  <a:tcPr>
+                    <a:solidFill>
+                      <a:srgbClr val="E7E6E6"/>
+                    </a:solidFill>
+                  </a:tcPr>
+                </a:tc>
+              </a:tr>
+              <a:tr h="370840">
+                <a:tc>
+                  <a:txBody>
+                    <a:bodyPr/>
+                    <a:lstStyle/>
+                    <a:p>
+                      <a:r>
+                        <a:rPr b="1" sz="1100"/>
+                        <a:t>Security Compliance</a:t>
+                      </a:r>
+                    </a:p>
+                  </a:txBody>
+                  <a:tcPr>
+                    <a:solidFill>
+                      <a:srgbClr val="E7E6E6"/>
+                    </a:solidFill>
+                  </a:tcPr>
+                </a:tc>
+                <a:tc>
+                  <a:txBody>
+                    <a:bodyPr/>
+                    <a:lstStyle/>
+                    <a:p>
+                      <a:r>
+                        <a:rPr sz="1100"/>
+                        <a:t>100% controls</a:t>
+                      </a:r>
+                    </a:p>
+                  </a:txBody>
+                  <a:tcPr>
+                    <a:solidFill>
+                      <a:srgbClr val="E7E6E6"/>
+                    </a:solidFill>
+                  </a:tcPr>
+                </a:tc>
+                <a:tc>
+                  <a:txBody>
+                    <a:bodyPr/>
+                    <a:lstStyle/>
+                    <a:p>
+                      <a:r>
+                        <a:rPr sz="1100"/>
+                        <a:t>100% controls</a:t>
+                      </a:r>
+                    </a:p>
+                  </a:txBody>
+                  <a:tcPr>
+                    <a:solidFill>
+                      <a:srgbClr val="E7E6E6"/>
+                    </a:solidFill>
+                  </a:tcPr>
+                </a:tc>
+                <a:tc>
+                  <a:txBody>
+                    <a:bodyPr/>
+                    <a:lstStyle/>
+                    <a:p>
+                      <a:r>
+                        <a:rPr sz="1100"/>
+                        <a:t>SOC 2 and PCI-DSS ready</a:t>
+                      </a:r>
+                    </a:p>
+                  </a:txBody>
+                  <a:tcPr>
+                    <a:solidFill>
+                      <a:srgbClr val="E7E6E6"/>
+                    </a:solidFill>
+                  </a:tcPr>
+                </a:tc>
+              </a:tr>
+              <a:tr h="370840">
+                <a:tc>
+                  <a:txBody>
+                    <a:bodyPr/>
+                    <a:lstStyle/>
+                    <a:p>
+                      <a:r>
+                        <a:rPr b="1" sz="1100"/>
+                        <a:t>Policy Enforcement</a:t>
+                      </a:r>
+                    </a:p>
+                  </a:txBody>
+                  <a:tcPr>
+                    <a:solidFill>
+                      <a:srgbClr val="E7E6E6"/>
+                    </a:solidFill>
+                  </a:tcPr>
+                </a:tc>
+                <a:tc>
+                  <a:txBody>
+                    <a:bodyPr/>
+                    <a:lstStyle/>
+                    <a:p>
+                      <a:r>
+                        <a:rPr sz="1100"/>
+                        <a:t>Zero violations</a:t>
+                      </a:r>
+                    </a:p>
+                  </a:txBody>
+                  <a:tcPr>
+                    <a:solidFill>
+                      <a:srgbClr val="E7E6E6"/>
+                    </a:solidFill>
+                  </a:tcPr>
+                </a:tc>
+                <a:tc>
+                  <a:txBody>
+                    <a:bodyPr/>
+                    <a:lstStyle/>
+                    <a:p>
+                      <a:r>
+                        <a:rPr sz="1100"/>
+                        <a:t>Zero violations</a:t>
+                      </a:r>
+                    </a:p>
+                  </a:txBody>
+                  <a:tcPr>
+                    <a:solidFill>
+                      <a:srgbClr val="E7E6E6"/>
+                    </a:solidFill>
+                  </a:tcPr>
+                </a:tc>
+                <a:tc>
+                  <a:txBody>
+                    <a:bodyPr/>
+                    <a:lstStyle/>
+                    <a:p>
+                      <a:r>
+                        <a:rPr sz="1100"/>
+                        <a:t>Automated governance</a:t>
+                      </a:r>
+                    </a:p>
+                  </a:txBody>
+                  <a:tcPr>
+                    <a:solidFill>
+                      <a:srgbClr val="E7E6E6"/>
+                    </a:solidFill>
+                  </a:tcPr>
+                </a:tc>
+              </a:tr>
+              <a:tr h="370840">
+                <a:tc>
+                  <a:txBody>
+                    <a:bodyPr/>
+                    <a:lstStyle/>
+                    <a:p>
+                      <a:r>
+                        <a:rPr b="1" sz="1100"/>
+                        <a:t>Team Onboarding</a:t>
+                      </a:r>
+                    </a:p>
+                  </a:txBody>
+                  <a:tcPr>
+                    <a:solidFill>
+                      <a:srgbClr val="E7E6E6"/>
+                    </a:solidFill>
+                  </a:tcPr>
+                </a:tc>
+                <a:tc>
+                  <a:txBody>
+                    <a:bodyPr/>
+                    <a:lstStyle/>
+                    <a:p>
+                      <a:r>
+                        <a:rPr sz="1100"/>
+                        <a:t>5 teams</a:t>
+                      </a:r>
+                    </a:p>
+                  </a:txBody>
+                  <a:tcPr>
+                    <a:solidFill>
+                      <a:srgbClr val="E7E6E6"/>
+                    </a:solidFill>
+                  </a:tcPr>
+                </a:tc>
+                <a:tc>
+                  <a:txBody>
+                    <a:bodyPr/>
+                    <a:lstStyle/>
+                    <a:p>
+                      <a:r>
+                        <a:rPr sz="1100"/>
+                        <a:t>5 teams active</a:t>
+                      </a:r>
+                    </a:p>
+                  </a:txBody>
+                  <a:tcPr>
+                    <a:solidFill>
+                      <a:srgbClr val="E7E6E6"/>
+                    </a:solidFill>
+                  </a:tcPr>
+                </a:tc>
+                <a:tc>
+                  <a:txBody>
+                    <a:bodyPr/>
+                    <a:lstStyle/>
+                    <a:p>
+                      <a:r>
+                        <a:rPr sz="1100"/>
+                        <a:t>Platform self-service</a:t>
+                      </a:r>
+                    </a:p>
+                  </a:txBody>
+                  <a:tcPr>
+                    <a:solidFill>
+                      <a:srgbClr val="E7E6E6"/>
+                    </a:solidFill>
+                  </a:tcPr>
+                </a:tc>
+              </a:tr>
+              <a:tr h="370840">
+                <a:tc>
+                  <a:txBody>
+                    <a:bodyPr/>
+                    <a:lstStyle/>
+                    <a:p>
+                      <a:r>
+                        <a:rPr b="1" sz="1100"/>
+                        <a:t>Interconnect SLA</a:t>
+                      </a:r>
+                    </a:p>
+                  </a:txBody>
+                  <a:tcPr>
+                    <a:solidFill>
+                      <a:srgbClr val="E7E6E6"/>
+                    </a:solidFill>
+                  </a:tcPr>
+                </a:tc>
+                <a:tc>
+                  <a:txBody>
+                    <a:bodyPr/>
+                    <a:lstStyle/>
+                    <a:p>
+                      <a:r>
+                        <a:rPr sz="1100"/>
+                        <a:t>99.9% uptime</a:t>
+                      </a:r>
+                    </a:p>
+                  </a:txBody>
+                  <a:tcPr>
+                    <a:solidFill>
+                      <a:srgbClr val="E7E6E6"/>
+                    </a:solidFill>
+                  </a:tcPr>
+                </a:tc>
+                <a:tc>
+                  <a:txBody>
+                    <a:bodyPr/>
+                    <a:lstStyle/>
+                    <a:p>
+                      <a:r>
+                        <a:rPr sz="1100"/>
+                        <a:t>99.97% uptime</a:t>
+                      </a:r>
+                    </a:p>
+                  </a:txBody>
+                  <a:tcPr>
+                    <a:solidFill>
+                      <a:srgbClr val="E7E6E6"/>
+                    </a:solidFill>
+                  </a:tcPr>
+                </a:tc>
+                <a:tc>
+                  <a:txBody>
+                    <a:bodyPr/>
+                    <a:lstStyle/>
+                    <a:p>
+                      <a:r>
+                        <a:rPr sz="1100"/>
+                        <a:t>Reliable hybrid connectivity</a:t>
+                      </a:r>
+                    </a:p>
+                  </a:txBody>
+                  <a:tcPr>
+                    <a:solidFill>
+                      <a:srgbClr val="E7E6E6"/>
+                    </a:solidFill>
+                  </a:tcPr>
+                </a:tc>
+              </a:tr>
+              <a:tr h="370840">
+                <a:tc>
+                  <a:txBody>
+                    <a:bodyPr/>
+                    <a:lstStyle/>
+                    <a:p>
+                      <a:r>
+                        <a:rPr b="1" sz="1100"/>
+                        <a:t>Audit Readiness</a:t>
+                      </a:r>
+                    </a:p>
+                  </a:txBody>
+                  <a:tcPr>
+                    <a:solidFill>
+                      <a:srgbClr val="E7E6E6"/>
+                    </a:solidFill>
+                  </a:tcPr>
+                </a:tc>
+                <a:tc>
+                  <a:txBody>
+                    <a:bodyPr/>
+                    <a:lstStyle/>
+                    <a:p>
+                      <a:r>
+                        <a:rPr sz="1100"/>
+                        <a:t>Compliance docs</a:t>
+                      </a:r>
+                    </a:p>
+                  </a:txBody>
+                  <a:tcPr>
+                    <a:solidFill>
+                      <a:srgbClr val="E7E6E6"/>
+                    </a:solidFill>
+                  </a:tcPr>
+                </a:tc>
+                <a:tc>
+                  <a:txBody>
+                    <a:bodyPr/>
+                    <a:lstStyle/>
+                    <a:p>
+                      <a:r>
+                        <a:rPr sz="1100"/>
+                        <a:t>Full audit trail</a:t>
+                      </a:r>
+                    </a:p>
+                  </a:txBody>
+                  <a:tcPr>
+                    <a:solidFill>
+                      <a:srgbClr val="E7E6E6"/>
+                    </a:solidFill>
+                  </a:tcPr>
+                </a:tc>
+                <a:tc>
+                  <a:txBody>
+                    <a:bodyPr/>
+                    <a:lstStyle/>
+                    <a:p>
+                      <a:r>
+                        <a:rPr sz="1100"/>
+                        <a:t>80% faster audit prep</a:t>
+                      </a:r>
+                    </a:p>
+                  </a:txBody>
+                  <a:tcPr>
+                    <a:solidFill>
+                      <a:srgbClr val="E7E6E6"/>
+                    </a:solidFill>
+                  </a:tcPr>
+                </a:tc>
+              </a:tr>
+            </a:tbl>
+          </a:graphicData>
+        </a:graphic>
+      </p:graphicFrame>
+      <p:sp>
+        <p:nvSpPr>
+          <p:cNvPr id="5" name="Text Placeholder 4"/>
           <p:cNvSpPr>
             <a:spLocks noGrp="1"/>
           </p:cNvSpPr>
           <p:nvPr>
-            <p:ph type="pic" idx="14" sz="quarter"/>
-          </p:nvPr>
-        </p:nvSpPr>
-        <p:spPr/>
-      </p:sp>
-      <p:sp>
-        <p:nvSpPr>
-          <p:cNvPr id="4" name="Chart Placeholder 3"/>
-          <p:cNvSpPr>
-            <a:spLocks noGrp="1"/>
-          </p:cNvSpPr>
-          <p:nvPr>
-            <p:ph type="chart" idx="15" sz="quarter"/>
-          </p:nvPr>
-        </p:nvSpPr>
-        <p:spPr/>
-      </p:sp>
-      <p:sp>
-        <p:nvSpPr>
-          <p:cNvPr id="5" name="Content Placeholder 4"/>
-          <p:cNvSpPr>
-            <a:spLocks noGrp="1"/>
-          </p:cNvSpPr>
-          <p:nvPr>
-            <p:ph idx="16" sz="quarter"/>
+            <p:ph type="body" idx="15" sz="quarter"/>
           </p:nvPr>
         </p:nvSpPr>
         <p:spPr/>
         <p:txBody>
           <a:bodyPr/>
           <a:lstStyle/>
-          <a:p/>
+          <a:p>
+            <a:pPr algn="r">
+              <a:buNone/>
+            </a:pPr>
+            <a:r>
+              <a:rPr sz="1100">
+                <a:solidFill>
+                  <a:srgbClr val="CC0000"/>
+                </a:solidFill>
+              </a:rPr>
+              <a:t>Google Cloud Landing Zone</a:t>
+            </a:r>
+          </a:p>
         </p:txBody>
       </p:sp>
+      <p:pic>
+        <p:nvPicPr>
+          <p:cNvPr id="6" name="Picture 5" descr="consulting_company_logo.png"/>
+          <p:cNvPicPr>
+            <a:picLocks noChangeAspect="1"/>
+          </p:cNvPicPr>
+          <p:nvPr/>
+        </p:nvPicPr>
+        <p:blipFill>
+          <a:blip r:embed="rId3"/>
+          <a:stretch>
+            <a:fillRect/>
+          </a:stretch>
+        </p:blipFill>
+        <p:spPr>
+          <a:xfrm>
+            <a:off x="313592" y="4536078"/>
+            <a:ext cx="2126273" cy="529698"/>
+          </a:xfrm>
+          <a:prstGeom prst="rect">
+            <a:avLst/>
+          </a:prstGeom>
+        </p:spPr>
+      </p:pic>
     </p:spTree>
   </p:cSld>
   <p:clrMapOvr>
@@ -6293,7 +8184,7 @@
       <p:grpSpPr/>
       <p:sp>
         <p:nvSpPr>
-          <p:cNvPr id="2" name="Text Placeholder 1"/>
+          <p:cNvPr id="3" name="Text Placeholder 2"/>
           <p:cNvSpPr>
             <a:spLocks noGrp="1"/>
           </p:cNvSpPr>
@@ -6306,23 +8197,12 @@
           <a:bodyPr/>
           <a:lstStyle/>
           <a:p>
-            <a:r>
-              <a:t>Scalability Achievements</a:t>
+            <a:pPr algn="l"/>
+            <a:r>
+              <a:t>Lessons Learned &amp; Recommendations</a:t>
             </a:r>
           </a:p>
         </p:txBody>
-      </p:sp>
-      <p:sp>
-        <p:nvSpPr>
-          <p:cNvPr id="3" name="Picture Placeholder 2"/>
-          <p:cNvSpPr>
-            <a:spLocks noGrp="1"/>
-          </p:cNvSpPr>
-          <p:nvPr>
-            <p:ph type="pic" idx="13" sz="quarter"/>
-          </p:nvPr>
-        </p:nvSpPr>
-        <p:spPr/>
       </p:sp>
       <p:sp>
         <p:nvSpPr>
@@ -6331,7 +8211,7 @@
             <a:spLocks noGrp="1"/>
           </p:cNvSpPr>
           <p:nvPr>
-            <p:ph type="body" idx="14" sz="quarter"/>
+            <p:ph type="body" idx="16" sz="quarter"/>
           </p:nvPr>
         </p:nvSpPr>
         <p:spPr/>
@@ -6342,44 +8222,184 @@
             <a:pPr/>
             <a:r>
               <a:rPr b="1"/>
-              <a:t>Project Management</a:t>
-            </a:r>
-            <a:r>
-              <a:t>: Supporting 45 business units across 15 Google Cloud projects</a:t>
+              <a:t>What Worked Well</a:t>
+            </a:r>
+          </a:p>
+          <a:p>
+            <a:pPr lvl="1"/>
+            <a:r>
+              <a:t>Organization policies first approach</a:t>
+            </a:r>
+          </a:p>
+          <a:p>
+            <a:pPr lvl="1"/>
+            <a:r>
+              <a:t>Pilot-then-scale with 2 teams</a:t>
+            </a:r>
+          </a:p>
+          <a:p>
+            <a:pPr lvl="1"/>
+            <a:r>
+              <a:t>Cloud Foundation Toolkit modules</a:t>
+            </a:r>
+          </a:p>
+          <a:p>
+            <a:pPr lvl="1"/>
+            <a:r>
+              <a:t>Weekly architecture reviews</a:t>
+            </a:r>
+          </a:p>
+          <a:p>
+            <a:pPr lvl="1"/>
+            <a:r>
+              <a:t>Security baseline before workloads</a:t>
             </a:r>
           </a:p>
           <a:p>
             <a:pPr/>
             <a:r>
               <a:rPr b="1"/>
-              <a:t>Global Reach</a:t>
-            </a:r>
-            <a:r>
-              <a:t>: Deployed across 8 Google Cloud regions for worldwide coverage</a:t>
-            </a:r>
-          </a:p>
+              <a:t>Challenges Overcome</a:t>
+            </a:r>
+          </a:p>
+          <a:p>
+            <a:pPr lvl="1"/>
+            <a:r>
+              <a:t>ISP coordination for Interconnect</a:t>
+            </a:r>
+          </a:p>
+          <a:p>
+            <a:pPr lvl="1"/>
+            <a:r>
+              <a:t>Legacy IAM pattern migration</a:t>
+            </a:r>
+          </a:p>
+          <a:p>
+            <a:pPr lvl="1"/>
+            <a:r>
+              <a:t>Chronicle SIEM tuning</a:t>
+            </a:r>
+          </a:p>
+          <a:p>
+            <a:pPr lvl="1"/>
+            <a:r>
+              <a:t>Policy exception workflow</a:t>
+            </a:r>
+          </a:p>
+          <a:p>
+            <a:pPr lvl="1"/>
+            <a:r>
+              <a:t>Training schedule alignment</a:t>
+            </a:r>
+          </a:p>
+        </p:txBody>
+      </p:sp>
+      <p:sp>
+        <p:nvSpPr>
+          <p:cNvPr id="5" name="Text Placeholder 4"/>
+          <p:cNvSpPr>
+            <a:spLocks noGrp="1"/>
+          </p:cNvSpPr>
+          <p:nvPr>
+            <p:ph type="body" idx="17" sz="quarter"/>
+          </p:nvPr>
+        </p:nvSpPr>
+        <p:spPr/>
+        <p:txBody>
+          <a:bodyPr/>
+          <a:lstStyle/>
           <a:p>
             <a:pPr/>
             <a:r>
               <a:rPr b="1"/>
-              <a:t>User Base</a:t>
-            </a:r>
-            <a:r>
-              <a:t>: Supporting 2,500+ users with centralized identity management</a:t>
-            </a:r>
-          </a:p>
-          <a:p>
-            <a:pPr/>
-            <a:r>
-              <a:rPr b="1"/>
-              <a:t>Resource Scale</a:t>
-            </a:r>
-            <a:r>
-              <a:t>: Managing 15,000+ cloud resources through automated governance</a:t>
+              <a:t>Recommendations</a:t>
+            </a:r>
+          </a:p>
+          <a:p>
+            <a:pPr lvl="1"/>
+            <a:r>
+              <a:t>Expand to 30 projects Phase 2</a:t>
+            </a:r>
+          </a:p>
+          <a:p>
+            <a:pPr lvl="1"/>
+            <a:r>
+              <a:t>Add GKE Autopilot platform</a:t>
+            </a:r>
+          </a:p>
+          <a:p>
+            <a:pPr lvl="1"/>
+            <a:r>
+              <a:t>Implement VPC Service Controls</a:t>
+            </a:r>
+          </a:p>
+          <a:p>
+            <a:pPr lvl="1"/>
+            <a:r>
+              <a:t>Enable advanced Chronicle rules</a:t>
+            </a:r>
+          </a:p>
+          <a:p>
+            <a:pPr lvl="1"/>
+            <a:r>
+              <a:t>Quarterly security reviews</a:t>
             </a:r>
           </a:p>
         </p:txBody>
       </p:sp>
+      <p:sp>
+        <p:nvSpPr>
+          <p:cNvPr id="6" name="Text Placeholder 5"/>
+          <p:cNvSpPr>
+            <a:spLocks noGrp="1"/>
+          </p:cNvSpPr>
+          <p:nvPr>
+            <p:ph type="body" idx="15" sz="quarter"/>
+          </p:nvPr>
+        </p:nvSpPr>
+        <p:spPr/>
+        <p:txBody>
+          <a:bodyPr/>
+          <a:lstStyle/>
+          <a:p>
+            <a:pPr algn="r">
+              <a:buNone/>
+            </a:pPr>
+            <a:r>
+              <a:rPr sz="1100">
+                <a:solidFill>
+                  <a:srgbClr val="CC0000"/>
+                </a:solidFill>
+              </a:rPr>
+              <a:t>Google Cloud Landing Zone</a:t>
+            </a:r>
+          </a:p>
+        </p:txBody>
+      </p:sp>
+      <p:pic>
+        <p:nvPicPr>
+          <p:cNvPr id="7" name="Picture 6" descr="consulting_company_logo.png"/>
+          <p:cNvPicPr>
+            <a:picLocks noChangeAspect="1"/>
+          </p:cNvPicPr>
+          <p:nvPr/>
+        </p:nvPicPr>
+        <p:blipFill>
+          <a:blip r:embed="rId3"/>
+          <a:stretch>
+            <a:fillRect/>
+          </a:stretch>
+        </p:blipFill>
+        <p:spPr>
+          <a:xfrm>
+            <a:off x="313592" y="4536078"/>
+            <a:ext cx="2121877" cy="529698"/>
+          </a:xfrm>
+          <a:prstGeom prst="rect">
+            <a:avLst/>
+          </a:prstGeom>
+        </p:spPr>
+      </p:pic>
     </p:spTree>
   </p:cSld>
   <p:clrMapOvr>
@@ -6400,7 +8420,7 @@
       <p:grpSpPr/>
       <p:sp>
         <p:nvSpPr>
-          <p:cNvPr id="2" name="Text Placeholder 1"/>
+          <p:cNvPr id="3" name="Text Placeholder 2"/>
           <p:cNvSpPr>
             <a:spLocks noGrp="1"/>
           </p:cNvSpPr>
@@ -6413,23 +8433,12 @@
           <a:bodyPr/>
           <a:lstStyle/>
           <a:p>
-            <a:r>
-              <a:t>Multi-Account Strategy</a:t>
+            <a:pPr algn="l"/>
+            <a:r>
+              <a:t>Support Transition</a:t>
             </a:r>
           </a:p>
         </p:txBody>
-      </p:sp>
-      <p:sp>
-        <p:nvSpPr>
-          <p:cNvPr id="3" name="Picture Placeholder 2"/>
-          <p:cNvSpPr>
-            <a:spLocks noGrp="1"/>
-          </p:cNvSpPr>
-          <p:nvPr>
-            <p:ph type="pic" idx="13" sz="quarter"/>
-          </p:nvPr>
-        </p:nvSpPr>
-        <p:spPr/>
       </p:sp>
       <p:sp>
         <p:nvSpPr>
@@ -6438,7 +8447,7 @@
             <a:spLocks noGrp="1"/>
           </p:cNvSpPr>
           <p:nvPr>
-            <p:ph type="body" idx="14" sz="quarter"/>
+            <p:ph type="body" idx="16" sz="quarter"/>
           </p:nvPr>
         </p:nvSpPr>
         <p:spPr/>
@@ -6449,44 +8458,184 @@
             <a:pPr/>
             <a:r>
               <a:rPr b="1"/>
-              <a:t>Account Hierarchy</a:t>
-            </a:r>
-            <a:r>
-              <a:t>: Implemented production, staging, development, and shared services accounts</a:t>
+              <a:t>Hypercare Complete (30 days)</a:t>
+            </a:r>
+          </a:p>
+          <a:p>
+            <a:pPr lvl="1"/>
+            <a:r>
+              <a:t>Daily health checks completed</a:t>
+            </a:r>
+          </a:p>
+          <a:p>
+            <a:pPr lvl="1"/>
+            <a:r>
+              <a:t>2 P3 issues resolved</a:t>
+            </a:r>
+          </a:p>
+          <a:p>
+            <a:pPr lvl="1"/>
+            <a:r>
+              <a:t>Knowledge transfer sessions done</a:t>
+            </a:r>
+          </a:p>
+          <a:p>
+            <a:pPr lvl="1"/>
+            <a:r>
+              <a:t>Runbook procedures validated</a:t>
+            </a:r>
+          </a:p>
+          <a:p>
+            <a:pPr lvl="1"/>
+            <a:r>
+              <a:t>Team certified and self-sufficient</a:t>
             </a:r>
           </a:p>
           <a:p>
             <a:pPr/>
             <a:r>
               <a:rPr b="1"/>
-              <a:t>Cross-Account Access</a:t>
-            </a:r>
-            <a:r>
-              <a:t>: Secure cross-project resource sharing with granular permissions</a:t>
-            </a:r>
-          </a:p>
+              <a:t>Steady State Support</a:t>
+            </a:r>
+          </a:p>
+          <a:p>
+            <a:pPr lvl="1"/>
+            <a:r>
+              <a:t>Business hours monitoring active</a:t>
+            </a:r>
+          </a:p>
+          <a:p>
+            <a:pPr lvl="1"/>
+            <a:r>
+              <a:t>Monthly performance reviews</a:t>
+            </a:r>
+          </a:p>
+          <a:p>
+            <a:pPr lvl="1"/>
+            <a:r>
+              <a:t>Quarterly security assessments</a:t>
+            </a:r>
+          </a:p>
+          <a:p>
+            <a:pPr lvl="1"/>
+            <a:r>
+              <a:t>FinOps optimization reviews</a:t>
+            </a:r>
+          </a:p>
+          <a:p>
+            <a:pPr lvl="1"/>
+            <a:r>
+              <a:t>Documentation fully maintained</a:t>
+            </a:r>
+          </a:p>
+        </p:txBody>
+      </p:sp>
+      <p:sp>
+        <p:nvSpPr>
+          <p:cNvPr id="5" name="Text Placeholder 4"/>
+          <p:cNvSpPr>
+            <a:spLocks noGrp="1"/>
+          </p:cNvSpPr>
+          <p:nvPr>
+            <p:ph type="body" idx="17" sz="quarter"/>
+          </p:nvPr>
+        </p:nvSpPr>
+        <p:spPr/>
+        <p:txBody>
+          <a:bodyPr/>
+          <a:lstStyle/>
           <a:p>
             <a:pPr/>
             <a:r>
               <a:rPr b="1"/>
-              <a:t>Centralized Billing</a:t>
-            </a:r>
-            <a:r>
-              <a:t>: Unified billing and cost management across all projects</a:t>
-            </a:r>
-          </a:p>
-          <a:p>
-            <a:pPr/>
-            <a:r>
-              <a:rPr b="1"/>
-              <a:t>Resource Sharing</a:t>
-            </a:r>
-            <a:r>
-              <a:t>: Centralized shared services for DNS, logging, and monitoring</a:t>
+              <a:t>Escalation Path</a:t>
+            </a:r>
+          </a:p>
+          <a:p>
+            <a:pPr lvl="1"/>
+            <a:r>
+              <a:t>L1: Platform Team (internal)</a:t>
+            </a:r>
+          </a:p>
+          <a:p>
+            <a:pPr lvl="1"/>
+            <a:r>
+              <a:t>L2: Google Cloud Support Enhanced</a:t>
+            </a:r>
+          </a:p>
+          <a:p>
+            <a:pPr lvl="1"/>
+            <a:r>
+              <a:t>L3: Google Professional Services</a:t>
+            </a:r>
+          </a:p>
+          <a:p>
+            <a:pPr lvl="1"/>
+            <a:r>
+              <a:t>Emergency: On-call rotation</a:t>
+            </a:r>
+          </a:p>
+          <a:p>
+            <a:pPr lvl="1"/>
+            <a:r>
+              <a:t>Account: Account Manager</a:t>
             </a:r>
           </a:p>
         </p:txBody>
       </p:sp>
+      <p:sp>
+        <p:nvSpPr>
+          <p:cNvPr id="6" name="Text Placeholder 5"/>
+          <p:cNvSpPr>
+            <a:spLocks noGrp="1"/>
+          </p:cNvSpPr>
+          <p:nvPr>
+            <p:ph type="body" idx="15" sz="quarter"/>
+          </p:nvPr>
+        </p:nvSpPr>
+        <p:spPr/>
+        <p:txBody>
+          <a:bodyPr/>
+          <a:lstStyle/>
+          <a:p>
+            <a:pPr algn="r">
+              <a:buNone/>
+            </a:pPr>
+            <a:r>
+              <a:rPr sz="1100">
+                <a:solidFill>
+                  <a:srgbClr val="CC0000"/>
+                </a:solidFill>
+              </a:rPr>
+              <a:t>Google Cloud Landing Zone</a:t>
+            </a:r>
+          </a:p>
+        </p:txBody>
+      </p:sp>
+      <p:pic>
+        <p:nvPicPr>
+          <p:cNvPr id="7" name="Picture 6" descr="consulting_company_logo.png"/>
+          <p:cNvPicPr>
+            <a:picLocks noChangeAspect="1"/>
+          </p:cNvPicPr>
+          <p:nvPr/>
+        </p:nvPicPr>
+        <p:blipFill>
+          <a:blip r:embed="rId3"/>
+          <a:stretch>
+            <a:fillRect/>
+          </a:stretch>
+        </p:blipFill>
+        <p:spPr>
+          <a:xfrm>
+            <a:off x="313592" y="4536078"/>
+            <a:ext cx="2121877" cy="529698"/>
+          </a:xfrm>
+          <a:prstGeom prst="rect">
+            <a:avLst/>
+          </a:prstGeom>
+        </p:spPr>
+      </p:pic>
     </p:spTree>
   </p:cSld>
   <p:clrMapOvr>
@@ -6507,7 +8656,7 @@
       <p:grpSpPr/>
       <p:sp>
         <p:nvSpPr>
-          <p:cNvPr id="2" name="Text Placeholder 1"/>
+          <p:cNvPr id="3" name="Text Placeholder 2"/>
           <p:cNvSpPr>
             <a:spLocks noGrp="1"/>
           </p:cNvSpPr>
@@ -6520,35 +8669,88 @@
           <a:bodyPr/>
           <a:lstStyle/>
           <a:p>
-            <a:r>
-              <a:t>Network Architecture Excellence</a:t>
+            <a:pPr algn="l"/>
+            <a:r>
+              <a:t>Acknowledgments &amp; Next Steps</a:t>
             </a:r>
           </a:p>
         </p:txBody>
       </p:sp>
       <p:sp>
         <p:nvSpPr>
-          <p:cNvPr id="3" name="Picture Placeholder 2"/>
+          <p:cNvPr id="4" name="Text Placeholder 3"/>
           <p:cNvSpPr>
             <a:spLocks noGrp="1"/>
           </p:cNvSpPr>
           <p:nvPr>
-            <p:ph type="pic" idx="14" sz="quarter"/>
+            <p:ph type="body" idx="14" sz="quarter"/>
           </p:nvPr>
         </p:nvSpPr>
         <p:spPr/>
-      </p:sp>
-      <p:sp>
-        <p:nvSpPr>
-          <p:cNvPr id="4" name="Picture Placeholder 3"/>
-          <p:cNvSpPr>
-            <a:spLocks noGrp="1"/>
-          </p:cNvSpPr>
-          <p:nvPr>
-            <p:ph type="pic" idx="15" sz="quarter"/>
-          </p:nvPr>
-        </p:nvSpPr>
-        <p:spPr/>
+        <p:txBody>
+          <a:bodyPr/>
+          <a:lstStyle/>
+          <a:p>
+            <a:pPr/>
+            <a:r>
+              <a:rPr b="1"/>
+              <a:t>Client Team:</a:t>
+            </a:r>
+            <a:r>
+              <a:t> Executive sponsor, IT team, platform admins, security team, pilot application teams</a:t>
+            </a:r>
+          </a:p>
+          <a:p>
+            <a:pPr/>
+            <a:r>
+              <a:rPr b="1"/>
+              <a:t>Vendor Team:</a:t>
+            </a:r>
+            <a:r>
+              <a:t> Project manager, GCP architect, platform engineer, security specialist</a:t>
+            </a:r>
+          </a:p>
+          <a:p>
+            <a:pPr/>
+            <a:r>
+              <a:rPr b="1"/>
+              <a:t>Special Recognition:</a:t>
+            </a:r>
+            <a:r>
+              <a:t> Platform team for Terraform module testing and pilot team dedication</a:t>
+            </a:r>
+          </a:p>
+          <a:p>
+            <a:pPr/>
+            <a:r>
+              <a:rPr b="1"/>
+              <a:t>This Week:</a:t>
+            </a:r>
+            <a:r>
+              <a:t> Final documentation handover, archive project artifacts</a:t>
+            </a:r>
+          </a:p>
+          <a:p>
+            <a:pPr/>
+            <a:r>
+              <a:rPr b="1"/>
+              <a:t>Next 30 Days:</a:t>
+            </a:r>
+            <a:r>
+              <a:t> Monthly performance review, identify Phase 2 expansion teams</a:t>
+            </a:r>
+          </a:p>
+          <a:p>
+            <a:pPr/>
+            <a:r>
+              <a:rPr b="1"/>
+              <a:t>Next Quarter:</a:t>
+            </a:r>
+            <a:r>
+              <a:t> Phase 2 planning workshop for additional projects and GKE</a:t>
+            </a:r>
+          </a:p>
+        </p:txBody>
       </p:sp>
       <p:sp>
         <p:nvSpPr>
@@ -6557,7 +8759,7 @@
             <a:spLocks noGrp="1"/>
           </p:cNvSpPr>
           <p:nvPr>
-            <p:ph type="body" idx="16" sz="quarter"/>
+            <p:ph type="body" idx="15" sz="quarter"/>
           </p:nvPr>
         </p:nvSpPr>
         <p:spPr/>
@@ -6565,57 +8767,44 @@
           <a:bodyPr/>
           <a:lstStyle/>
           <a:p>
-            <a:pPr/>
-            <a:r>
-              <a:rPr b="1"/>
-              <a:t>Hub and Spoke Design</a:t>
-            </a:r>
-            <a:r>
-              <a:t>: Centralized connectivity with distributed security controls</a:t>
-            </a:r>
-          </a:p>
-          <a:p>
-            <a:pPr/>
-            <a:r>
-              <a:rPr b="1"/>
-              <a:t>Global Load Balancing</a:t>
-            </a:r>
-            <a:r>
-              <a:t>: Intelligent traffic distribution across regions</a:t>
-            </a:r>
-          </a:p>
-          <a:p>
-            <a:pPr/>
-            <a:r>
-              <a:rPr b="1"/>
-              <a:t>Cloud NAT</a:t>
-            </a:r>
-            <a:r>
-              <a:t>: Secure outbound internet connectivity for private resources</a:t>
-            </a:r>
-          </a:p>
-          <a:p>
-            <a:pPr/>
-            <a:r>
-              <a:rPr b="1"/>
-              <a:t>Private Google Access</a:t>
-            </a:r>
-            <a:r>
-              <a:t>: Secure access to Google services without internet exposure</a:t>
-            </a:r>
-          </a:p>
-          <a:p>
-            <a:pPr/>
-            <a:r>
-              <a:rPr b="1"/>
-              <a:t>Dedicated Interconnect</a:t>
-            </a:r>
-            <a:r>
-              <a:t>: 10 Gbps dedicated connectivity to on-premises infrastructure</a:t>
+            <a:pPr algn="r">
+              <a:buNone/>
+            </a:pPr>
+            <a:r>
+              <a:rPr sz="1100">
+                <a:solidFill>
+                  <a:srgbClr val="CC0000"/>
+                </a:solidFill>
+              </a:rPr>
+              <a:t>Google Cloud Landing Zone</a:t>
             </a:r>
           </a:p>
         </p:txBody>
       </p:sp>
+      <p:pic>
+        <p:nvPicPr>
+          <p:cNvPr id="6" name="Picture 5" descr="consulting_company_logo.png"/>
+          <p:cNvPicPr>
+            <a:picLocks noChangeAspect="1"/>
+          </p:cNvPicPr>
+          <p:nvPr/>
+        </p:nvPicPr>
+        <p:blipFill>
+          <a:blip r:embed="rId3"/>
+          <a:stretch>
+            <a:fillRect/>
+          </a:stretch>
+        </p:blipFill>
+        <p:spPr>
+          <a:xfrm>
+            <a:off x="313593" y="4536078"/>
+            <a:ext cx="2143858" cy="529698"/>
+          </a:xfrm>
+          <a:prstGeom prst="rect">
+            <a:avLst/>
+          </a:prstGeom>
+        </p:spPr>
+      </p:pic>
     </p:spTree>
   </p:cSld>
   <p:clrMapOvr>
